--- a/ARCC/intro_to_arrays_in_cpp/intro_to_arrays_in_cpp.pptx
+++ b/ARCC/intro_to_arrays_in_cpp/intro_to_arrays_in_cpp.pptx
@@ -124,6 +124,11 @@
       </a:defRPr>
     </a:lvl9pPr>
   </p:defaultTextStyle>
+  <p:extLst>
+    <p:ext uri="{EFAFB233-063F-42B5-8137-9DF3F51BA10A}">
+      <p15:sldGuideLst xmlns:p15="http://schemas.microsoft.com/office/powerpoint/2012/main"/>
+    </p:ext>
+  </p:extLst>
 </p:presentation>
 </file>
 
@@ -3464,7 +3469,19 @@
           <a:bodyPr/>
           <a:lstStyle/>
           <a:p>
-            <a:endParaRPr lang="en-US"/>
+            <a:r>
+              <a:rPr lang="en-US" smtClean="0"/>
+              <a:t>Access The Presentation &amp; Demo Code on GitHub</a:t>
+            </a:r>
+          </a:p>
+          <a:p>
+            <a:r>
+              <a:rPr lang="en-US" sz="2000">
+                <a:hlinkClick r:id="rId2"/>
+              </a:rPr>
+              <a:t>https://github.com/donaldsawyer/Demos/tree/master/ARCC/intro_to_arrays_in_cpp</a:t>
+            </a:r>
+            <a:endParaRPr lang="en-US" sz="2000"/>
           </a:p>
         </p:txBody>
       </p:sp>
@@ -4145,11 +4162,7 @@
             <a:pPr algn="ctr"/>
             <a:r>
               <a:rPr lang="en-US" sz="1400" smtClean="0"/>
-              <a:t>intArray[</a:t>
-            </a:r>
-            <a:r>
-              <a:rPr lang="en-US" sz="1400" smtClean="0"/>
-              <a:t>n – 1]</a:t>
+              <a:t>intArray[n – 1]</a:t>
             </a:r>
             <a:endParaRPr lang="en-US" sz="1400"/>
           </a:p>
@@ -6196,35 +6209,7 @@
                           <a:latin typeface="Courier New" panose="02070309020205020404" pitchFamily="49" charset="0"/>
                           <a:cs typeface="Courier New" panose="02070309020205020404" pitchFamily="49" charset="0"/>
                         </a:rPr>
-                        <a:t>char </a:t>
-                      </a:r>
-                      <a:r>
-                        <a:rPr lang="en-US" sz="1400" smtClean="0">
-                          <a:latin typeface="Courier New" panose="02070309020205020404" pitchFamily="49" charset="0"/>
-                          <a:cs typeface="Courier New" panose="02070309020205020404" pitchFamily="49" charset="0"/>
-                        </a:rPr>
-                        <a:t>myString[6] </a:t>
-                      </a:r>
-                      <a:r>
-                        <a:rPr lang="en-US" sz="1400" smtClean="0">
-                          <a:latin typeface="Courier New" panose="02070309020205020404" pitchFamily="49" charset="0"/>
-                          <a:cs typeface="Courier New" panose="02070309020205020404" pitchFamily="49" charset="0"/>
-                        </a:rPr>
-                        <a:t>= “</a:t>
-                      </a:r>
-                      <a:r>
-                        <a:rPr lang="en-US" sz="1400" smtClean="0">
-                          <a:latin typeface="Courier New" panose="02070309020205020404" pitchFamily="49" charset="0"/>
-                          <a:cs typeface="Courier New" panose="02070309020205020404" pitchFamily="49" charset="0"/>
-                        </a:rPr>
-                        <a:t>ab\0de</a:t>
-                      </a:r>
-                      <a:r>
-                        <a:rPr lang="en-US" sz="1400" smtClean="0">
-                          <a:latin typeface="Courier New" panose="02070309020205020404" pitchFamily="49" charset="0"/>
-                          <a:cs typeface="Courier New" panose="02070309020205020404" pitchFamily="49" charset="0"/>
-                        </a:rPr>
-                        <a:t>”;</a:t>
+                        <a:t>char myString[6] = “ab\0de”;</a:t>
                       </a:r>
                       <a:endParaRPr lang="en-US" sz="1400">
                         <a:latin typeface="Courier New" panose="02070309020205020404" pitchFamily="49" charset="0"/>
@@ -6303,35 +6288,7 @@
                           <a:latin typeface="Courier New" panose="02070309020205020404" pitchFamily="49" charset="0"/>
                           <a:cs typeface="Courier New" panose="02070309020205020404" pitchFamily="49" charset="0"/>
                         </a:rPr>
-                        <a:t>char </a:t>
-                      </a:r>
-                      <a:r>
-                        <a:rPr lang="en-US" sz="1400" smtClean="0">
-                          <a:latin typeface="Courier New" panose="02070309020205020404" pitchFamily="49" charset="0"/>
-                          <a:cs typeface="Courier New" panose="02070309020205020404" pitchFamily="49" charset="0"/>
-                        </a:rPr>
-                        <a:t>myString[5] </a:t>
-                      </a:r>
-                      <a:r>
-                        <a:rPr lang="en-US" sz="1400" smtClean="0">
-                          <a:latin typeface="Courier New" panose="02070309020205020404" pitchFamily="49" charset="0"/>
-                          <a:cs typeface="Courier New" panose="02070309020205020404" pitchFamily="49" charset="0"/>
-                        </a:rPr>
-                        <a:t>= “</a:t>
-                      </a:r>
-                      <a:r>
-                        <a:rPr lang="en-US" sz="1400" smtClean="0">
-                          <a:latin typeface="Courier New" panose="02070309020205020404" pitchFamily="49" charset="0"/>
-                          <a:cs typeface="Courier New" panose="02070309020205020404" pitchFamily="49" charset="0"/>
-                        </a:rPr>
-                        <a:t>abcde</a:t>
-                      </a:r>
-                      <a:r>
-                        <a:rPr lang="en-US" sz="1400" smtClean="0">
-                          <a:latin typeface="Courier New" panose="02070309020205020404" pitchFamily="49" charset="0"/>
-                          <a:cs typeface="Courier New" panose="02070309020205020404" pitchFamily="49" charset="0"/>
-                        </a:rPr>
-                        <a:t>”;</a:t>
+                        <a:t>char myString[5] = “abcde”;</a:t>
                       </a:r>
                       <a:endParaRPr lang="en-US" sz="1400">
                         <a:latin typeface="Courier New" panose="02070309020205020404" pitchFamily="49" charset="0"/>
@@ -6418,26 +6375,8 @@
                           <a:latin typeface="Courier New" panose="02070309020205020404" pitchFamily="49" charset="0"/>
                           <a:cs typeface="Courier New" panose="02070309020205020404" pitchFamily="49" charset="0"/>
                         </a:rPr>
-                        <a:t>char </a:t>
+                        <a:t>char myString[6] = </a:t>
                       </a:r>
-                      <a:r>
-                        <a:rPr lang="en-US" sz="1400" smtClean="0">
-                          <a:latin typeface="Courier New" panose="02070309020205020404" pitchFamily="49" charset="0"/>
-                          <a:cs typeface="Courier New" panose="02070309020205020404" pitchFamily="49" charset="0"/>
-                        </a:rPr>
-                        <a:t>myString[6] </a:t>
-                      </a:r>
-                      <a:r>
-                        <a:rPr lang="en-US" sz="1400" smtClean="0">
-                          <a:latin typeface="Courier New" panose="02070309020205020404" pitchFamily="49" charset="0"/>
-                          <a:cs typeface="Courier New" panose="02070309020205020404" pitchFamily="49" charset="0"/>
-                        </a:rPr>
-                        <a:t>= </a:t>
-                      </a:r>
-                      <a:endParaRPr lang="en-US" sz="1400" smtClean="0">
-                        <a:latin typeface="Courier New" panose="02070309020205020404" pitchFamily="49" charset="0"/>
-                        <a:cs typeface="Courier New" panose="02070309020205020404" pitchFamily="49" charset="0"/>
-                      </a:endParaRPr>
                     </a:p>
                     <a:p>
                       <a:r>
@@ -7490,26 +7429,8 @@
                           <a:latin typeface="Courier New" panose="02070309020205020404" pitchFamily="49" charset="0"/>
                           <a:cs typeface="Courier New" panose="02070309020205020404" pitchFamily="49" charset="0"/>
                         </a:rPr>
-                        <a:t>char </a:t>
+                        <a:t>char myString[6] = </a:t>
                       </a:r>
-                      <a:r>
-                        <a:rPr lang="en-US" sz="1400" smtClean="0">
-                          <a:latin typeface="Courier New" panose="02070309020205020404" pitchFamily="49" charset="0"/>
-                          <a:cs typeface="Courier New" panose="02070309020205020404" pitchFamily="49" charset="0"/>
-                        </a:rPr>
-                        <a:t>myString[6] </a:t>
-                      </a:r>
-                      <a:r>
-                        <a:rPr lang="en-US" sz="1400" smtClean="0">
-                          <a:latin typeface="Courier New" panose="02070309020205020404" pitchFamily="49" charset="0"/>
-                          <a:cs typeface="Courier New" panose="02070309020205020404" pitchFamily="49" charset="0"/>
-                        </a:rPr>
-                        <a:t>= </a:t>
-                      </a:r>
-                      <a:endParaRPr lang="en-US" sz="1400" smtClean="0">
-                        <a:latin typeface="Courier New" panose="02070309020205020404" pitchFamily="49" charset="0"/>
-                        <a:cs typeface="Courier New" panose="02070309020205020404" pitchFamily="49" charset="0"/>
-                      </a:endParaRPr>
                     </a:p>
                     <a:p>
                       <a:r>
@@ -14998,11 +14919,7 @@
             <a:pPr algn="ctr"/>
             <a:r>
               <a:rPr lang="en-US" sz="1400" smtClean="0"/>
-              <a:t>intArray[</a:t>
-            </a:r>
-            <a:r>
-              <a:rPr lang="en-US" sz="1400" smtClean="0"/>
-              <a:t>n – 1]</a:t>
+              <a:t>intArray[n – 1]</a:t>
             </a:r>
             <a:endParaRPr lang="en-US" sz="1400"/>
           </a:p>

--- a/ARCC/intro_to_arrays_in_cpp/intro_to_arrays_in_cpp.pptx
+++ b/ARCC/intro_to_arrays_in_cpp/intro_to_arrays_in_cpp.pptx
@@ -3714,6 +3714,13 @@
   <p:clrMapOvr>
     <a:masterClrMapping/>
   </p:clrMapOvr>
+  <p:timing>
+    <p:tnLst>
+      <p:par>
+        <p:cTn id="1" dur="indefinite" restart="never" nodeType="tmRoot"/>
+      </p:par>
+    </p:tnLst>
+  </p:timing>
 </p:sld>
 </file>
 
@@ -4331,6 +4338,804 @@
   <p:clrMapOvr>
     <a:masterClrMapping/>
   </p:clrMapOvr>
+  <p:timing>
+    <p:tnLst>
+      <p:par>
+        <p:cTn id="1" dur="indefinite" restart="never" nodeType="tmRoot">
+          <p:childTnLst>
+            <p:seq concurrent="1" nextAc="seek">
+              <p:cTn id="2" dur="indefinite" nodeType="mainSeq">
+                <p:childTnLst>
+                  <p:par>
+                    <p:cTn id="3" fill="hold">
+                      <p:stCondLst>
+                        <p:cond delay="indefinite"/>
+                      </p:stCondLst>
+                      <p:childTnLst>
+                        <p:par>
+                          <p:cTn id="4" fill="hold">
+                            <p:stCondLst>
+                              <p:cond delay="0"/>
+                            </p:stCondLst>
+                            <p:childTnLst>
+                              <p:par>
+                                <p:cTn id="5" presetID="10" presetClass="entr" presetSubtype="0" fill="hold" grpId="0" nodeType="clickEffect">
+                                  <p:stCondLst>
+                                    <p:cond delay="0"/>
+                                  </p:stCondLst>
+                                  <p:childTnLst>
+                                    <p:set>
+                                      <p:cBhvr>
+                                        <p:cTn id="6" dur="1" fill="hold">
+                                          <p:stCondLst>
+                                            <p:cond delay="0"/>
+                                          </p:stCondLst>
+                                        </p:cTn>
+                                        <p:tgtEl>
+                                          <p:spTgt spid="4"/>
+                                        </p:tgtEl>
+                                        <p:attrNameLst>
+                                          <p:attrName>style.visibility</p:attrName>
+                                        </p:attrNameLst>
+                                      </p:cBhvr>
+                                      <p:to>
+                                        <p:strVal val="visible"/>
+                                      </p:to>
+                                    </p:set>
+                                    <p:animEffect transition="in" filter="fade">
+                                      <p:cBhvr>
+                                        <p:cTn id="7" dur="500"/>
+                                        <p:tgtEl>
+                                          <p:spTgt spid="4"/>
+                                        </p:tgtEl>
+                                      </p:cBhvr>
+                                    </p:animEffect>
+                                  </p:childTnLst>
+                                </p:cTn>
+                              </p:par>
+                              <p:par>
+                                <p:cTn id="8" presetID="10" presetClass="entr" presetSubtype="0" fill="hold" grpId="0" nodeType="withEffect">
+                                  <p:stCondLst>
+                                    <p:cond delay="0"/>
+                                  </p:stCondLst>
+                                  <p:childTnLst>
+                                    <p:set>
+                                      <p:cBhvr>
+                                        <p:cTn id="9" dur="1" fill="hold">
+                                          <p:stCondLst>
+                                            <p:cond delay="0"/>
+                                          </p:stCondLst>
+                                        </p:cTn>
+                                        <p:tgtEl>
+                                          <p:spTgt spid="5"/>
+                                        </p:tgtEl>
+                                        <p:attrNameLst>
+                                          <p:attrName>style.visibility</p:attrName>
+                                        </p:attrNameLst>
+                                      </p:cBhvr>
+                                      <p:to>
+                                        <p:strVal val="visible"/>
+                                      </p:to>
+                                    </p:set>
+                                    <p:animEffect transition="in" filter="fade">
+                                      <p:cBhvr>
+                                        <p:cTn id="10" dur="500"/>
+                                        <p:tgtEl>
+                                          <p:spTgt spid="5"/>
+                                        </p:tgtEl>
+                                      </p:cBhvr>
+                                    </p:animEffect>
+                                  </p:childTnLst>
+                                </p:cTn>
+                              </p:par>
+                              <p:par>
+                                <p:cTn id="11" presetID="10" presetClass="entr" presetSubtype="0" fill="hold" grpId="0" nodeType="withEffect">
+                                  <p:stCondLst>
+                                    <p:cond delay="0"/>
+                                  </p:stCondLst>
+                                  <p:childTnLst>
+                                    <p:set>
+                                      <p:cBhvr>
+                                        <p:cTn id="12" dur="1" fill="hold">
+                                          <p:stCondLst>
+                                            <p:cond delay="0"/>
+                                          </p:stCondLst>
+                                        </p:cTn>
+                                        <p:tgtEl>
+                                          <p:spTgt spid="6"/>
+                                        </p:tgtEl>
+                                        <p:attrNameLst>
+                                          <p:attrName>style.visibility</p:attrName>
+                                        </p:attrNameLst>
+                                      </p:cBhvr>
+                                      <p:to>
+                                        <p:strVal val="visible"/>
+                                      </p:to>
+                                    </p:set>
+                                    <p:animEffect transition="in" filter="fade">
+                                      <p:cBhvr>
+                                        <p:cTn id="13" dur="500"/>
+                                        <p:tgtEl>
+                                          <p:spTgt spid="6"/>
+                                        </p:tgtEl>
+                                      </p:cBhvr>
+                                    </p:animEffect>
+                                  </p:childTnLst>
+                                </p:cTn>
+                              </p:par>
+                              <p:par>
+                                <p:cTn id="14" presetID="10" presetClass="entr" presetSubtype="0" fill="hold" grpId="0" nodeType="withEffect">
+                                  <p:stCondLst>
+                                    <p:cond delay="0"/>
+                                  </p:stCondLst>
+                                  <p:childTnLst>
+                                    <p:set>
+                                      <p:cBhvr>
+                                        <p:cTn id="15" dur="1" fill="hold">
+                                          <p:stCondLst>
+                                            <p:cond delay="0"/>
+                                          </p:stCondLst>
+                                        </p:cTn>
+                                        <p:tgtEl>
+                                          <p:spTgt spid="7"/>
+                                        </p:tgtEl>
+                                        <p:attrNameLst>
+                                          <p:attrName>style.visibility</p:attrName>
+                                        </p:attrNameLst>
+                                      </p:cBhvr>
+                                      <p:to>
+                                        <p:strVal val="visible"/>
+                                      </p:to>
+                                    </p:set>
+                                    <p:animEffect transition="in" filter="fade">
+                                      <p:cBhvr>
+                                        <p:cTn id="16" dur="500"/>
+                                        <p:tgtEl>
+                                          <p:spTgt spid="7"/>
+                                        </p:tgtEl>
+                                      </p:cBhvr>
+                                    </p:animEffect>
+                                  </p:childTnLst>
+                                </p:cTn>
+                              </p:par>
+                              <p:par>
+                                <p:cTn id="17" presetID="10" presetClass="entr" presetSubtype="0" fill="hold" grpId="0" nodeType="withEffect">
+                                  <p:stCondLst>
+                                    <p:cond delay="0"/>
+                                  </p:stCondLst>
+                                  <p:childTnLst>
+                                    <p:set>
+                                      <p:cBhvr>
+                                        <p:cTn id="18" dur="1" fill="hold">
+                                          <p:stCondLst>
+                                            <p:cond delay="0"/>
+                                          </p:stCondLst>
+                                        </p:cTn>
+                                        <p:tgtEl>
+                                          <p:spTgt spid="8"/>
+                                        </p:tgtEl>
+                                        <p:attrNameLst>
+                                          <p:attrName>style.visibility</p:attrName>
+                                        </p:attrNameLst>
+                                      </p:cBhvr>
+                                      <p:to>
+                                        <p:strVal val="visible"/>
+                                      </p:to>
+                                    </p:set>
+                                    <p:animEffect transition="in" filter="fade">
+                                      <p:cBhvr>
+                                        <p:cTn id="19" dur="500"/>
+                                        <p:tgtEl>
+                                          <p:spTgt spid="8"/>
+                                        </p:tgtEl>
+                                      </p:cBhvr>
+                                    </p:animEffect>
+                                  </p:childTnLst>
+                                </p:cTn>
+                              </p:par>
+                              <p:par>
+                                <p:cTn id="20" presetID="10" presetClass="entr" presetSubtype="0" fill="hold" grpId="0" nodeType="withEffect">
+                                  <p:stCondLst>
+                                    <p:cond delay="0"/>
+                                  </p:stCondLst>
+                                  <p:childTnLst>
+                                    <p:set>
+                                      <p:cBhvr>
+                                        <p:cTn id="21" dur="1" fill="hold">
+                                          <p:stCondLst>
+                                            <p:cond delay="0"/>
+                                          </p:stCondLst>
+                                        </p:cTn>
+                                        <p:tgtEl>
+                                          <p:spTgt spid="9"/>
+                                        </p:tgtEl>
+                                        <p:attrNameLst>
+                                          <p:attrName>style.visibility</p:attrName>
+                                        </p:attrNameLst>
+                                      </p:cBhvr>
+                                      <p:to>
+                                        <p:strVal val="visible"/>
+                                      </p:to>
+                                    </p:set>
+                                    <p:animEffect transition="in" filter="fade">
+                                      <p:cBhvr>
+                                        <p:cTn id="22" dur="500"/>
+                                        <p:tgtEl>
+                                          <p:spTgt spid="9"/>
+                                        </p:tgtEl>
+                                      </p:cBhvr>
+                                    </p:animEffect>
+                                  </p:childTnLst>
+                                </p:cTn>
+                              </p:par>
+                              <p:par>
+                                <p:cTn id="23" presetID="10" presetClass="entr" presetSubtype="0" fill="hold" grpId="0" nodeType="withEffect">
+                                  <p:stCondLst>
+                                    <p:cond delay="0"/>
+                                  </p:stCondLst>
+                                  <p:childTnLst>
+                                    <p:set>
+                                      <p:cBhvr>
+                                        <p:cTn id="24" dur="1" fill="hold">
+                                          <p:stCondLst>
+                                            <p:cond delay="0"/>
+                                          </p:stCondLst>
+                                        </p:cTn>
+                                        <p:tgtEl>
+                                          <p:spTgt spid="10"/>
+                                        </p:tgtEl>
+                                        <p:attrNameLst>
+                                          <p:attrName>style.visibility</p:attrName>
+                                        </p:attrNameLst>
+                                      </p:cBhvr>
+                                      <p:to>
+                                        <p:strVal val="visible"/>
+                                      </p:to>
+                                    </p:set>
+                                    <p:animEffect transition="in" filter="fade">
+                                      <p:cBhvr>
+                                        <p:cTn id="25" dur="500"/>
+                                        <p:tgtEl>
+                                          <p:spTgt spid="10"/>
+                                        </p:tgtEl>
+                                      </p:cBhvr>
+                                    </p:animEffect>
+                                  </p:childTnLst>
+                                </p:cTn>
+                              </p:par>
+                              <p:par>
+                                <p:cTn id="26" presetID="10" presetClass="entr" presetSubtype="0" fill="hold" grpId="0" nodeType="withEffect">
+                                  <p:stCondLst>
+                                    <p:cond delay="0"/>
+                                  </p:stCondLst>
+                                  <p:childTnLst>
+                                    <p:set>
+                                      <p:cBhvr>
+                                        <p:cTn id="27" dur="1" fill="hold">
+                                          <p:stCondLst>
+                                            <p:cond delay="0"/>
+                                          </p:stCondLst>
+                                        </p:cTn>
+                                        <p:tgtEl>
+                                          <p:spTgt spid="11"/>
+                                        </p:tgtEl>
+                                        <p:attrNameLst>
+                                          <p:attrName>style.visibility</p:attrName>
+                                        </p:attrNameLst>
+                                      </p:cBhvr>
+                                      <p:to>
+                                        <p:strVal val="visible"/>
+                                      </p:to>
+                                    </p:set>
+                                    <p:animEffect transition="in" filter="fade">
+                                      <p:cBhvr>
+                                        <p:cTn id="28" dur="500"/>
+                                        <p:tgtEl>
+                                          <p:spTgt spid="11"/>
+                                        </p:tgtEl>
+                                      </p:cBhvr>
+                                    </p:animEffect>
+                                  </p:childTnLst>
+                                </p:cTn>
+                              </p:par>
+                              <p:par>
+                                <p:cTn id="29" presetID="10" presetClass="entr" presetSubtype="0" fill="hold" grpId="0" nodeType="withEffect">
+                                  <p:stCondLst>
+                                    <p:cond delay="0"/>
+                                  </p:stCondLst>
+                                  <p:childTnLst>
+                                    <p:set>
+                                      <p:cBhvr>
+                                        <p:cTn id="30" dur="1" fill="hold">
+                                          <p:stCondLst>
+                                            <p:cond delay="0"/>
+                                          </p:stCondLst>
+                                        </p:cTn>
+                                        <p:tgtEl>
+                                          <p:spTgt spid="12"/>
+                                        </p:tgtEl>
+                                        <p:attrNameLst>
+                                          <p:attrName>style.visibility</p:attrName>
+                                        </p:attrNameLst>
+                                      </p:cBhvr>
+                                      <p:to>
+                                        <p:strVal val="visible"/>
+                                      </p:to>
+                                    </p:set>
+                                    <p:animEffect transition="in" filter="fade">
+                                      <p:cBhvr>
+                                        <p:cTn id="31" dur="500"/>
+                                        <p:tgtEl>
+                                          <p:spTgt spid="12"/>
+                                        </p:tgtEl>
+                                      </p:cBhvr>
+                                    </p:animEffect>
+                                  </p:childTnLst>
+                                </p:cTn>
+                              </p:par>
+                              <p:par>
+                                <p:cTn id="32" presetID="10" presetClass="entr" presetSubtype="0" fill="hold" grpId="0" nodeType="withEffect">
+                                  <p:stCondLst>
+                                    <p:cond delay="0"/>
+                                  </p:stCondLst>
+                                  <p:childTnLst>
+                                    <p:set>
+                                      <p:cBhvr>
+                                        <p:cTn id="33" dur="1" fill="hold">
+                                          <p:stCondLst>
+                                            <p:cond delay="0"/>
+                                          </p:stCondLst>
+                                        </p:cTn>
+                                        <p:tgtEl>
+                                          <p:spTgt spid="13"/>
+                                        </p:tgtEl>
+                                        <p:attrNameLst>
+                                          <p:attrName>style.visibility</p:attrName>
+                                        </p:attrNameLst>
+                                      </p:cBhvr>
+                                      <p:to>
+                                        <p:strVal val="visible"/>
+                                      </p:to>
+                                    </p:set>
+                                    <p:animEffect transition="in" filter="fade">
+                                      <p:cBhvr>
+                                        <p:cTn id="34" dur="500"/>
+                                        <p:tgtEl>
+                                          <p:spTgt spid="13"/>
+                                        </p:tgtEl>
+                                      </p:cBhvr>
+                                    </p:animEffect>
+                                  </p:childTnLst>
+                                </p:cTn>
+                              </p:par>
+                              <p:par>
+                                <p:cTn id="35" presetID="10" presetClass="entr" presetSubtype="0" fill="hold" grpId="0" nodeType="withEffect">
+                                  <p:stCondLst>
+                                    <p:cond delay="0"/>
+                                  </p:stCondLst>
+                                  <p:childTnLst>
+                                    <p:set>
+                                      <p:cBhvr>
+                                        <p:cTn id="36" dur="1" fill="hold">
+                                          <p:stCondLst>
+                                            <p:cond delay="0"/>
+                                          </p:stCondLst>
+                                        </p:cTn>
+                                        <p:tgtEl>
+                                          <p:spTgt spid="14"/>
+                                        </p:tgtEl>
+                                        <p:attrNameLst>
+                                          <p:attrName>style.visibility</p:attrName>
+                                        </p:attrNameLst>
+                                      </p:cBhvr>
+                                      <p:to>
+                                        <p:strVal val="visible"/>
+                                      </p:to>
+                                    </p:set>
+                                    <p:animEffect transition="in" filter="fade">
+                                      <p:cBhvr>
+                                        <p:cTn id="37" dur="500"/>
+                                        <p:tgtEl>
+                                          <p:spTgt spid="14"/>
+                                        </p:tgtEl>
+                                      </p:cBhvr>
+                                    </p:animEffect>
+                                  </p:childTnLst>
+                                </p:cTn>
+                              </p:par>
+                              <p:par>
+                                <p:cTn id="38" presetID="10" presetClass="entr" presetSubtype="0" fill="hold" grpId="0" nodeType="withEffect">
+                                  <p:stCondLst>
+                                    <p:cond delay="0"/>
+                                  </p:stCondLst>
+                                  <p:childTnLst>
+                                    <p:set>
+                                      <p:cBhvr>
+                                        <p:cTn id="39" dur="1" fill="hold">
+                                          <p:stCondLst>
+                                            <p:cond delay="0"/>
+                                          </p:stCondLst>
+                                        </p:cTn>
+                                        <p:tgtEl>
+                                          <p:spTgt spid="15"/>
+                                        </p:tgtEl>
+                                        <p:attrNameLst>
+                                          <p:attrName>style.visibility</p:attrName>
+                                        </p:attrNameLst>
+                                      </p:cBhvr>
+                                      <p:to>
+                                        <p:strVal val="visible"/>
+                                      </p:to>
+                                    </p:set>
+                                    <p:animEffect transition="in" filter="fade">
+                                      <p:cBhvr>
+                                        <p:cTn id="40" dur="500"/>
+                                        <p:tgtEl>
+                                          <p:spTgt spid="15"/>
+                                        </p:tgtEl>
+                                      </p:cBhvr>
+                                    </p:animEffect>
+                                  </p:childTnLst>
+                                </p:cTn>
+                              </p:par>
+                              <p:par>
+                                <p:cTn id="41" presetID="10" presetClass="entr" presetSubtype="0" fill="hold" grpId="0" nodeType="withEffect">
+                                  <p:stCondLst>
+                                    <p:cond delay="0"/>
+                                  </p:stCondLst>
+                                  <p:childTnLst>
+                                    <p:set>
+                                      <p:cBhvr>
+                                        <p:cTn id="42" dur="1" fill="hold">
+                                          <p:stCondLst>
+                                            <p:cond delay="0"/>
+                                          </p:stCondLst>
+                                        </p:cTn>
+                                        <p:tgtEl>
+                                          <p:spTgt spid="16"/>
+                                        </p:tgtEl>
+                                        <p:attrNameLst>
+                                          <p:attrName>style.visibility</p:attrName>
+                                        </p:attrNameLst>
+                                      </p:cBhvr>
+                                      <p:to>
+                                        <p:strVal val="visible"/>
+                                      </p:to>
+                                    </p:set>
+                                    <p:animEffect transition="in" filter="fade">
+                                      <p:cBhvr>
+                                        <p:cTn id="43" dur="500"/>
+                                        <p:tgtEl>
+                                          <p:spTgt spid="16"/>
+                                        </p:tgtEl>
+                                      </p:cBhvr>
+                                    </p:animEffect>
+                                  </p:childTnLst>
+                                </p:cTn>
+                              </p:par>
+                              <p:par>
+                                <p:cTn id="44" presetID="10" presetClass="entr" presetSubtype="0" fill="hold" grpId="0" nodeType="withEffect">
+                                  <p:stCondLst>
+                                    <p:cond delay="0"/>
+                                  </p:stCondLst>
+                                  <p:childTnLst>
+                                    <p:set>
+                                      <p:cBhvr>
+                                        <p:cTn id="45" dur="1" fill="hold">
+                                          <p:stCondLst>
+                                            <p:cond delay="0"/>
+                                          </p:stCondLst>
+                                        </p:cTn>
+                                        <p:tgtEl>
+                                          <p:spTgt spid="17"/>
+                                        </p:tgtEl>
+                                        <p:attrNameLst>
+                                          <p:attrName>style.visibility</p:attrName>
+                                        </p:attrNameLst>
+                                      </p:cBhvr>
+                                      <p:to>
+                                        <p:strVal val="visible"/>
+                                      </p:to>
+                                    </p:set>
+                                    <p:animEffect transition="in" filter="fade">
+                                      <p:cBhvr>
+                                        <p:cTn id="46" dur="500"/>
+                                        <p:tgtEl>
+                                          <p:spTgt spid="17"/>
+                                        </p:tgtEl>
+                                      </p:cBhvr>
+                                    </p:animEffect>
+                                  </p:childTnLst>
+                                </p:cTn>
+                              </p:par>
+                            </p:childTnLst>
+                          </p:cTn>
+                        </p:par>
+                      </p:childTnLst>
+                    </p:cTn>
+                  </p:par>
+                  <p:par>
+                    <p:cTn id="47" fill="hold">
+                      <p:stCondLst>
+                        <p:cond delay="indefinite"/>
+                      </p:stCondLst>
+                      <p:childTnLst>
+                        <p:par>
+                          <p:cTn id="48" fill="hold">
+                            <p:stCondLst>
+                              <p:cond delay="0"/>
+                            </p:stCondLst>
+                            <p:childTnLst>
+                              <p:par>
+                                <p:cTn id="49" presetID="10" presetClass="entr" presetSubtype="0" fill="hold" nodeType="clickEffect">
+                                  <p:stCondLst>
+                                    <p:cond delay="0"/>
+                                  </p:stCondLst>
+                                  <p:childTnLst>
+                                    <p:set>
+                                      <p:cBhvr>
+                                        <p:cTn id="50" dur="1" fill="hold">
+                                          <p:stCondLst>
+                                            <p:cond delay="0"/>
+                                          </p:stCondLst>
+                                        </p:cTn>
+                                        <p:tgtEl>
+                                          <p:spTgt spid="3">
+                                            <p:txEl>
+                                              <p:pRg st="0" end="0"/>
+                                            </p:txEl>
+                                          </p:spTgt>
+                                        </p:tgtEl>
+                                        <p:attrNameLst>
+                                          <p:attrName>style.visibility</p:attrName>
+                                        </p:attrNameLst>
+                                      </p:cBhvr>
+                                      <p:to>
+                                        <p:strVal val="visible"/>
+                                      </p:to>
+                                    </p:set>
+                                    <p:animEffect transition="in" filter="fade">
+                                      <p:cBhvr>
+                                        <p:cTn id="51" dur="500"/>
+                                        <p:tgtEl>
+                                          <p:spTgt spid="3">
+                                            <p:txEl>
+                                              <p:pRg st="0" end="0"/>
+                                            </p:txEl>
+                                          </p:spTgt>
+                                        </p:tgtEl>
+                                      </p:cBhvr>
+                                    </p:animEffect>
+                                  </p:childTnLst>
+                                </p:cTn>
+                              </p:par>
+                            </p:childTnLst>
+                          </p:cTn>
+                        </p:par>
+                      </p:childTnLst>
+                    </p:cTn>
+                  </p:par>
+                  <p:par>
+                    <p:cTn id="52" fill="hold">
+                      <p:stCondLst>
+                        <p:cond delay="indefinite"/>
+                      </p:stCondLst>
+                      <p:childTnLst>
+                        <p:par>
+                          <p:cTn id="53" fill="hold">
+                            <p:stCondLst>
+                              <p:cond delay="0"/>
+                            </p:stCondLst>
+                            <p:childTnLst>
+                              <p:par>
+                                <p:cTn id="54" presetID="10" presetClass="entr" presetSubtype="0" fill="hold" nodeType="clickEffect">
+                                  <p:stCondLst>
+                                    <p:cond delay="0"/>
+                                  </p:stCondLst>
+                                  <p:childTnLst>
+                                    <p:set>
+                                      <p:cBhvr>
+                                        <p:cTn id="55" dur="1" fill="hold">
+                                          <p:stCondLst>
+                                            <p:cond delay="0"/>
+                                          </p:stCondLst>
+                                        </p:cTn>
+                                        <p:tgtEl>
+                                          <p:spTgt spid="3">
+                                            <p:txEl>
+                                              <p:pRg st="1" end="1"/>
+                                            </p:txEl>
+                                          </p:spTgt>
+                                        </p:tgtEl>
+                                        <p:attrNameLst>
+                                          <p:attrName>style.visibility</p:attrName>
+                                        </p:attrNameLst>
+                                      </p:cBhvr>
+                                      <p:to>
+                                        <p:strVal val="visible"/>
+                                      </p:to>
+                                    </p:set>
+                                    <p:animEffect transition="in" filter="fade">
+                                      <p:cBhvr>
+                                        <p:cTn id="56" dur="500"/>
+                                        <p:tgtEl>
+                                          <p:spTgt spid="3">
+                                            <p:txEl>
+                                              <p:pRg st="1" end="1"/>
+                                            </p:txEl>
+                                          </p:spTgt>
+                                        </p:tgtEl>
+                                      </p:cBhvr>
+                                    </p:animEffect>
+                                  </p:childTnLst>
+                                </p:cTn>
+                              </p:par>
+                            </p:childTnLst>
+                          </p:cTn>
+                        </p:par>
+                      </p:childTnLst>
+                    </p:cTn>
+                  </p:par>
+                  <p:par>
+                    <p:cTn id="57" fill="hold">
+                      <p:stCondLst>
+                        <p:cond delay="indefinite"/>
+                      </p:stCondLst>
+                      <p:childTnLst>
+                        <p:par>
+                          <p:cTn id="58" fill="hold">
+                            <p:stCondLst>
+                              <p:cond delay="0"/>
+                            </p:stCondLst>
+                            <p:childTnLst>
+                              <p:par>
+                                <p:cTn id="59" presetID="10" presetClass="entr" presetSubtype="0" fill="hold" nodeType="clickEffect">
+                                  <p:stCondLst>
+                                    <p:cond delay="0"/>
+                                  </p:stCondLst>
+                                  <p:childTnLst>
+                                    <p:set>
+                                      <p:cBhvr>
+                                        <p:cTn id="60" dur="1" fill="hold">
+                                          <p:stCondLst>
+                                            <p:cond delay="0"/>
+                                          </p:stCondLst>
+                                        </p:cTn>
+                                        <p:tgtEl>
+                                          <p:spTgt spid="3">
+                                            <p:txEl>
+                                              <p:pRg st="2" end="2"/>
+                                            </p:txEl>
+                                          </p:spTgt>
+                                        </p:tgtEl>
+                                        <p:attrNameLst>
+                                          <p:attrName>style.visibility</p:attrName>
+                                        </p:attrNameLst>
+                                      </p:cBhvr>
+                                      <p:to>
+                                        <p:strVal val="visible"/>
+                                      </p:to>
+                                    </p:set>
+                                    <p:animEffect transition="in" filter="fade">
+                                      <p:cBhvr>
+                                        <p:cTn id="61" dur="500"/>
+                                        <p:tgtEl>
+                                          <p:spTgt spid="3">
+                                            <p:txEl>
+                                              <p:pRg st="2" end="2"/>
+                                            </p:txEl>
+                                          </p:spTgt>
+                                        </p:tgtEl>
+                                      </p:cBhvr>
+                                    </p:animEffect>
+                                  </p:childTnLst>
+                                </p:cTn>
+                              </p:par>
+                            </p:childTnLst>
+                          </p:cTn>
+                        </p:par>
+                      </p:childTnLst>
+                    </p:cTn>
+                  </p:par>
+                  <p:par>
+                    <p:cTn id="62" fill="hold">
+                      <p:stCondLst>
+                        <p:cond delay="indefinite"/>
+                      </p:stCondLst>
+                      <p:childTnLst>
+                        <p:par>
+                          <p:cTn id="63" fill="hold">
+                            <p:stCondLst>
+                              <p:cond delay="0"/>
+                            </p:stCondLst>
+                            <p:childTnLst>
+                              <p:par>
+                                <p:cTn id="64" presetID="10" presetClass="entr" presetSubtype="0" fill="hold" nodeType="clickEffect">
+                                  <p:stCondLst>
+                                    <p:cond delay="0"/>
+                                  </p:stCondLst>
+                                  <p:childTnLst>
+                                    <p:set>
+                                      <p:cBhvr>
+                                        <p:cTn id="65" dur="1" fill="hold">
+                                          <p:stCondLst>
+                                            <p:cond delay="0"/>
+                                          </p:stCondLst>
+                                        </p:cTn>
+                                        <p:tgtEl>
+                                          <p:spTgt spid="3">
+                                            <p:txEl>
+                                              <p:pRg st="3" end="3"/>
+                                            </p:txEl>
+                                          </p:spTgt>
+                                        </p:tgtEl>
+                                        <p:attrNameLst>
+                                          <p:attrName>style.visibility</p:attrName>
+                                        </p:attrNameLst>
+                                      </p:cBhvr>
+                                      <p:to>
+                                        <p:strVal val="visible"/>
+                                      </p:to>
+                                    </p:set>
+                                    <p:animEffect transition="in" filter="fade">
+                                      <p:cBhvr>
+                                        <p:cTn id="66" dur="500"/>
+                                        <p:tgtEl>
+                                          <p:spTgt spid="3">
+                                            <p:txEl>
+                                              <p:pRg st="3" end="3"/>
+                                            </p:txEl>
+                                          </p:spTgt>
+                                        </p:tgtEl>
+                                      </p:cBhvr>
+                                    </p:animEffect>
+                                  </p:childTnLst>
+                                </p:cTn>
+                              </p:par>
+                            </p:childTnLst>
+                          </p:cTn>
+                        </p:par>
+                      </p:childTnLst>
+                    </p:cTn>
+                  </p:par>
+                </p:childTnLst>
+              </p:cTn>
+              <p:prevCondLst>
+                <p:cond evt="onPrev" delay="0">
+                  <p:tgtEl>
+                    <p:sldTgt/>
+                  </p:tgtEl>
+                </p:cond>
+              </p:prevCondLst>
+              <p:nextCondLst>
+                <p:cond evt="onNext" delay="0">
+                  <p:tgtEl>
+                    <p:sldTgt/>
+                  </p:tgtEl>
+                </p:cond>
+              </p:nextCondLst>
+            </p:seq>
+          </p:childTnLst>
+        </p:cTn>
+      </p:par>
+    </p:tnLst>
+    <p:bldLst>
+      <p:bldP spid="4" grpId="0" animBg="1"/>
+      <p:bldP spid="5" grpId="0" animBg="1"/>
+      <p:bldP spid="6" grpId="0" animBg="1"/>
+      <p:bldP spid="7" grpId="0" animBg="1"/>
+      <p:bldP spid="8" grpId="0"/>
+      <p:bldP spid="9" grpId="0"/>
+      <p:bldP spid="10" grpId="0"/>
+      <p:bldP spid="11" grpId="0"/>
+      <p:bldP spid="12" grpId="0"/>
+      <p:bldP spid="13" grpId="0"/>
+      <p:bldP spid="14" grpId="0"/>
+      <p:bldP spid="15" grpId="0"/>
+      <p:bldP spid="16" grpId="0"/>
+      <p:bldP spid="17" grpId="0"/>
+    </p:bldLst>
+  </p:timing>
 </p:sld>
 </file>
 
@@ -4442,14 +5247,14 @@
           <p:nvPr>
             <p:extLst>
               <p:ext uri="{D42A27DB-BD31-4B8C-83A1-F6EECF244321}">
-                <p14:modId xmlns:p14="http://schemas.microsoft.com/office/powerpoint/2010/main" val="4206447375"/>
+                <p14:modId xmlns:p14="http://schemas.microsoft.com/office/powerpoint/2010/main" val="3826748218"/>
               </p:ext>
             </p:extLst>
           </p:nvPr>
         </p:nvGraphicFramePr>
         <p:xfrm>
           <a:off x="838200" y="2844175"/>
-          <a:ext cx="10515600" cy="3723640"/>
+          <a:ext cx="10515600" cy="370840"/>
         </p:xfrm>
         <a:graphic>
           <a:graphicData uri="http://schemas.openxmlformats.org/drawingml/2006/table">
@@ -4458,8 +5263,8 @@
                 <a:tableStyleId>{7E9639D4-E3E2-4D34-9284-5A2195B3D0D7}</a:tableStyleId>
               </a:tblPr>
               <a:tblGrid>
-                <a:gridCol w="5257800"/>
-                <a:gridCol w="5257800"/>
+                <a:gridCol w="4459941"/>
+                <a:gridCol w="6055659"/>
               </a:tblGrid>
               <a:tr h="370840">
                 <a:tc>
@@ -4491,6 +5296,38 @@
                   <a:tcPr/>
                 </a:tc>
               </a:tr>
+            </a:tbl>
+          </a:graphicData>
+        </a:graphic>
+      </p:graphicFrame>
+      <p:graphicFrame>
+        <p:nvGraphicFramePr>
+          <p:cNvPr id="6" name="Table 5"/>
+          <p:cNvGraphicFramePr>
+            <a:graphicFrameLocks noGrp="1"/>
+          </p:cNvGraphicFramePr>
+          <p:nvPr>
+            <p:extLst>
+              <p:ext uri="{D42A27DB-BD31-4B8C-83A1-F6EECF244321}">
+                <p14:modId xmlns:p14="http://schemas.microsoft.com/office/powerpoint/2010/main" val="2660046807"/>
+              </p:ext>
+            </p:extLst>
+          </p:nvPr>
+        </p:nvGraphicFramePr>
+        <p:xfrm>
+          <a:off x="838200" y="3213507"/>
+          <a:ext cx="10515600" cy="914400"/>
+        </p:xfrm>
+        <a:graphic>
+          <a:graphicData uri="http://schemas.openxmlformats.org/drawingml/2006/table">
+            <a:tbl>
+              <a:tblPr firstRow="1" bandRow="1">
+                <a:tableStyleId>{5940675A-B579-460E-94D1-54222C63F5DA}</a:tableStyleId>
+              </a:tblPr>
+              <a:tblGrid>
+                <a:gridCol w="4477871"/>
+                <a:gridCol w="6037729"/>
+              </a:tblGrid>
               <a:tr h="370840">
                 <a:tc>
                   <a:txBody>
@@ -4498,13 +5335,13 @@
                     <a:lstStyle/>
                     <a:p>
                       <a:r>
-                        <a:rPr lang="en-US" sz="1400" smtClean="0">
+                        <a:rPr lang="en-US" sz="1200" smtClean="0">
                           <a:latin typeface="Courier New" panose="02070309020205020404" pitchFamily="49" charset="0"/>
                           <a:cs typeface="Courier New" panose="02070309020205020404" pitchFamily="49" charset="0"/>
                         </a:rPr>
                         <a:t>int array2d[2][3];</a:t>
                       </a:r>
-                      <a:endParaRPr lang="en-US" sz="1400">
+                      <a:endParaRPr lang="en-US" sz="1200">
                         <a:latin typeface="Courier New" panose="02070309020205020404" pitchFamily="49" charset="0"/>
                         <a:cs typeface="Courier New" panose="02070309020205020404" pitchFamily="49" charset="0"/>
                       </a:endParaRPr>
@@ -4539,6 +5376,38 @@
                   <a:tcPr/>
                 </a:tc>
               </a:tr>
+            </a:tbl>
+          </a:graphicData>
+        </a:graphic>
+      </p:graphicFrame>
+      <p:graphicFrame>
+        <p:nvGraphicFramePr>
+          <p:cNvPr id="7" name="Table 6"/>
+          <p:cNvGraphicFramePr>
+            <a:graphicFrameLocks noGrp="1"/>
+          </p:cNvGraphicFramePr>
+          <p:nvPr>
+            <p:extLst>
+              <p:ext uri="{D42A27DB-BD31-4B8C-83A1-F6EECF244321}">
+                <p14:modId xmlns:p14="http://schemas.microsoft.com/office/powerpoint/2010/main" val="3559209722"/>
+              </p:ext>
+            </p:extLst>
+          </p:nvPr>
+        </p:nvGraphicFramePr>
+        <p:xfrm>
+          <a:off x="838200" y="4127907"/>
+          <a:ext cx="10515600" cy="370840"/>
+        </p:xfrm>
+        <a:graphic>
+          <a:graphicData uri="http://schemas.openxmlformats.org/drawingml/2006/table">
+            <a:tbl>
+              <a:tblPr firstRow="1" bandRow="1">
+                <a:tableStyleId>{5940675A-B579-460E-94D1-54222C63F5DA}</a:tableStyleId>
+              </a:tblPr>
+              <a:tblGrid>
+                <a:gridCol w="4477871"/>
+                <a:gridCol w="6037729"/>
+              </a:tblGrid>
               <a:tr h="370840">
                 <a:tc>
                   <a:txBody>
@@ -4546,20 +5415,20 @@
                     <a:lstStyle/>
                     <a:p>
                       <a:r>
-                        <a:rPr lang="en-US" sz="1400" smtClean="0">
+                        <a:rPr lang="en-US" sz="1200" smtClean="0">
                           <a:latin typeface="Courier New" panose="02070309020205020404" pitchFamily="49" charset="0"/>
                           <a:cs typeface="Courier New" panose="02070309020205020404" pitchFamily="49" charset="0"/>
                         </a:rPr>
                         <a:t>int array2D[2][3] = { {1, 2, 3},</a:t>
                       </a:r>
                       <a:r>
-                        <a:rPr lang="en-US" sz="1400" baseline="0" smtClean="0">
+                        <a:rPr lang="en-US" sz="1200" baseline="0" smtClean="0">
                           <a:latin typeface="Courier New" panose="02070309020205020404" pitchFamily="49" charset="0"/>
                           <a:cs typeface="Courier New" panose="02070309020205020404" pitchFamily="49" charset="0"/>
                         </a:rPr>
                         <a:t> {2, 4, 6} };</a:t>
                       </a:r>
-                      <a:endParaRPr lang="en-US" sz="1400">
+                      <a:endParaRPr lang="en-US" sz="1200">
                         <a:latin typeface="Courier New" panose="02070309020205020404" pitchFamily="49" charset="0"/>
                         <a:cs typeface="Courier New" panose="02070309020205020404" pitchFamily="49" charset="0"/>
                       </a:endParaRPr>
@@ -4602,6 +5471,38 @@
                   <a:tcPr/>
                 </a:tc>
               </a:tr>
+            </a:tbl>
+          </a:graphicData>
+        </a:graphic>
+      </p:graphicFrame>
+      <p:graphicFrame>
+        <p:nvGraphicFramePr>
+          <p:cNvPr id="8" name="Table 7"/>
+          <p:cNvGraphicFramePr>
+            <a:graphicFrameLocks noGrp="1"/>
+          </p:cNvGraphicFramePr>
+          <p:nvPr>
+            <p:extLst>
+              <p:ext uri="{D42A27DB-BD31-4B8C-83A1-F6EECF244321}">
+                <p14:modId xmlns:p14="http://schemas.microsoft.com/office/powerpoint/2010/main" val="1262343741"/>
+              </p:ext>
+            </p:extLst>
+          </p:nvPr>
+        </p:nvGraphicFramePr>
+        <p:xfrm>
+          <a:off x="838200" y="4512479"/>
+          <a:ext cx="10515600" cy="1554480"/>
+        </p:xfrm>
+        <a:graphic>
+          <a:graphicData uri="http://schemas.openxmlformats.org/drawingml/2006/table">
+            <a:tbl>
+              <a:tblPr firstRow="1" bandRow="1">
+                <a:tableStyleId>{5940675A-B579-460E-94D1-54222C63F5DA}</a:tableStyleId>
+              </a:tblPr>
+              <a:tblGrid>
+                <a:gridCol w="4477871"/>
+                <a:gridCol w="6037729"/>
+              </a:tblGrid>
               <a:tr h="370840">
                 <a:tc>
                   <a:txBody>
@@ -4609,14 +5510,14 @@
                     <a:lstStyle/>
                     <a:p>
                       <a:r>
-                        <a:rPr lang="en-US" sz="1400" smtClean="0">
+                        <a:rPr lang="en-US" sz="1200" smtClean="0">
                           <a:latin typeface="Courier New" panose="02070309020205020404" pitchFamily="49" charset="0"/>
                           <a:cs typeface="Courier New" panose="02070309020205020404" pitchFamily="49" charset="0"/>
                         </a:rPr>
                         <a:t>int</a:t>
                       </a:r>
                       <a:r>
-                        <a:rPr lang="en-US" sz="1400" baseline="0" smtClean="0">
+                        <a:rPr lang="en-US" sz="1200" baseline="0" smtClean="0">
                           <a:latin typeface="Courier New" panose="02070309020205020404" pitchFamily="49" charset="0"/>
                           <a:cs typeface="Courier New" panose="02070309020205020404" pitchFamily="49" charset="0"/>
                         </a:rPr>
@@ -4625,7 +5526,7 @@
                     </a:p>
                     <a:p>
                       <a:r>
-                        <a:rPr lang="en-US" sz="1400" baseline="0" smtClean="0">
+                        <a:rPr lang="en-US" sz="1200" baseline="0" smtClean="0">
                           <a:latin typeface="Courier New" panose="02070309020205020404" pitchFamily="49" charset="0"/>
                           <a:cs typeface="Courier New" panose="02070309020205020404" pitchFamily="49" charset="0"/>
                         </a:rPr>
@@ -4634,7 +5535,7 @@
                     </a:p>
                     <a:p>
                       <a:r>
-                        <a:rPr lang="en-US" sz="1400" baseline="0" smtClean="0">
+                        <a:rPr lang="en-US" sz="1200" baseline="0" smtClean="0">
                           <a:latin typeface="Courier New" panose="02070309020205020404" pitchFamily="49" charset="0"/>
                           <a:cs typeface="Courier New" panose="02070309020205020404" pitchFamily="49" charset="0"/>
                         </a:rPr>
@@ -4643,7 +5544,7 @@
                     </a:p>
                     <a:p>
                       <a:r>
-                        <a:rPr lang="en-US" sz="1400" baseline="0" smtClean="0">
+                        <a:rPr lang="en-US" sz="1200" baseline="0" smtClean="0">
                           <a:latin typeface="Courier New" panose="02070309020205020404" pitchFamily="49" charset="0"/>
                           <a:cs typeface="Courier New" panose="02070309020205020404" pitchFamily="49" charset="0"/>
                         </a:rPr>
@@ -4652,7 +5553,7 @@
                     </a:p>
                     <a:p>
                       <a:r>
-                        <a:rPr lang="en-US" sz="1400" baseline="0" smtClean="0">
+                        <a:rPr lang="en-US" sz="1200" baseline="0" smtClean="0">
                           <a:latin typeface="Courier New" panose="02070309020205020404" pitchFamily="49" charset="0"/>
                           <a:cs typeface="Courier New" panose="02070309020205020404" pitchFamily="49" charset="0"/>
                         </a:rPr>
@@ -4661,7 +5562,7 @@
                     </a:p>
                     <a:p>
                       <a:r>
-                        <a:rPr lang="en-US" sz="1400" baseline="0" smtClean="0">
+                        <a:rPr lang="en-US" sz="1200" baseline="0" smtClean="0">
                           <a:latin typeface="Courier New" panose="02070309020205020404" pitchFamily="49" charset="0"/>
                           <a:cs typeface="Courier New" panose="02070309020205020404" pitchFamily="49" charset="0"/>
                         </a:rPr>
@@ -4670,7 +5571,7 @@
                     </a:p>
                     <a:p>
                       <a:r>
-                        <a:rPr lang="en-US" sz="1400" baseline="0" smtClean="0">
+                        <a:rPr lang="en-US" sz="1200" baseline="0" smtClean="0">
                           <a:latin typeface="Courier New" panose="02070309020205020404" pitchFamily="49" charset="0"/>
                           <a:cs typeface="Courier New" panose="02070309020205020404" pitchFamily="49" charset="0"/>
                         </a:rPr>
@@ -4679,13 +5580,13 @@
                     </a:p>
                     <a:p>
                       <a:r>
-                        <a:rPr lang="en-US" sz="1400" baseline="0" smtClean="0">
+                        <a:rPr lang="en-US" sz="1200" baseline="0" smtClean="0">
                           <a:latin typeface="Courier New" panose="02070309020205020404" pitchFamily="49" charset="0"/>
                           <a:cs typeface="Courier New" panose="02070309020205020404" pitchFamily="49" charset="0"/>
                         </a:rPr>
                         <a:t>}</a:t>
                       </a:r>
-                      <a:endParaRPr lang="en-US" sz="1400">
+                      <a:endParaRPr lang="en-US" sz="1200">
                         <a:latin typeface="Courier New" panose="02070309020205020404" pitchFamily="49" charset="0"/>
                         <a:cs typeface="Courier New" panose="02070309020205020404" pitchFamily="49" charset="0"/>
                       </a:endParaRPr>
@@ -4707,35 +5608,35 @@
                         <a:t>array2D</a:t>
                       </a:r>
                       <a:r>
-                        <a:rPr lang="en-US" i="0" smtClean="0"/>
+                        <a:rPr lang="en-US" smtClean="0"/>
                         <a:t> is initialized to have values</a:t>
                       </a:r>
                       <a:r>
-                        <a:rPr lang="en-US" i="0" baseline="0" smtClean="0"/>
+                        <a:rPr lang="en-US" baseline="0" smtClean="0"/>
                         <a:t> of 0 in all elements.  The loop traverserses the 1</a:t>
                       </a:r>
                       <a:r>
-                        <a:rPr lang="en-US" i="0" baseline="30000" smtClean="0"/>
+                        <a:rPr lang="en-US" baseline="30000" smtClean="0"/>
                         <a:t>st</a:t>
                       </a:r>
                       <a:r>
-                        <a:rPr lang="en-US" i="0" baseline="0" smtClean="0"/>
+                        <a:rPr lang="en-US" baseline="0" smtClean="0"/>
                         <a:t> dimension and within each 1</a:t>
                       </a:r>
                       <a:r>
-                        <a:rPr lang="en-US" i="0" baseline="30000" smtClean="0"/>
+                        <a:rPr lang="en-US" baseline="30000" smtClean="0"/>
                         <a:t>st</a:t>
                       </a:r>
                       <a:r>
-                        <a:rPr lang="en-US" i="0" baseline="0" smtClean="0"/>
+                        <a:rPr lang="en-US" baseline="0" smtClean="0"/>
                         <a:t> dimension, initializes all of the 2</a:t>
                       </a:r>
                       <a:r>
-                        <a:rPr lang="en-US" i="0" baseline="30000" smtClean="0"/>
+                        <a:rPr lang="en-US" baseline="30000" smtClean="0"/>
                         <a:t>nd</a:t>
                       </a:r>
                       <a:r>
-                        <a:rPr lang="en-US" i="0" baseline="0" smtClean="0"/>
+                        <a:rPr lang="en-US" baseline="0" smtClean="0"/>
                         <a:t> dimension elements to 0.</a:t>
                       </a:r>
                       <a:endParaRPr lang="en-US"/>
@@ -4758,6 +5659,348 @@
   <p:clrMapOvr>
     <a:masterClrMapping/>
   </p:clrMapOvr>
+  <p:timing>
+    <p:tnLst>
+      <p:par>
+        <p:cTn id="1" dur="indefinite" restart="never" nodeType="tmRoot">
+          <p:childTnLst>
+            <p:seq concurrent="1" nextAc="seek">
+              <p:cTn id="2" dur="indefinite" nodeType="mainSeq">
+                <p:childTnLst>
+                  <p:par>
+                    <p:cTn id="3" fill="hold">
+                      <p:stCondLst>
+                        <p:cond delay="indefinite"/>
+                      </p:stCondLst>
+                      <p:childTnLst>
+                        <p:par>
+                          <p:cTn id="4" fill="hold">
+                            <p:stCondLst>
+                              <p:cond delay="0"/>
+                            </p:stCondLst>
+                            <p:childTnLst>
+                              <p:par>
+                                <p:cTn id="5" presetID="10" presetClass="entr" presetSubtype="0" fill="hold" grpId="0" nodeType="clickEffect">
+                                  <p:stCondLst>
+                                    <p:cond delay="0"/>
+                                  </p:stCondLst>
+                                  <p:childTnLst>
+                                    <p:set>
+                                      <p:cBhvr>
+                                        <p:cTn id="6" dur="1" fill="hold">
+                                          <p:stCondLst>
+                                            <p:cond delay="0"/>
+                                          </p:stCondLst>
+                                        </p:cTn>
+                                        <p:tgtEl>
+                                          <p:spTgt spid="3">
+                                            <p:txEl>
+                                              <p:pRg st="0" end="0"/>
+                                            </p:txEl>
+                                          </p:spTgt>
+                                        </p:tgtEl>
+                                        <p:attrNameLst>
+                                          <p:attrName>style.visibility</p:attrName>
+                                        </p:attrNameLst>
+                                      </p:cBhvr>
+                                      <p:to>
+                                        <p:strVal val="visible"/>
+                                      </p:to>
+                                    </p:set>
+                                    <p:animEffect transition="in" filter="fade">
+                                      <p:cBhvr>
+                                        <p:cTn id="7" dur="500"/>
+                                        <p:tgtEl>
+                                          <p:spTgt spid="3">
+                                            <p:txEl>
+                                              <p:pRg st="0" end="0"/>
+                                            </p:txEl>
+                                          </p:spTgt>
+                                        </p:tgtEl>
+                                      </p:cBhvr>
+                                    </p:animEffect>
+                                  </p:childTnLst>
+                                </p:cTn>
+                              </p:par>
+                            </p:childTnLst>
+                          </p:cTn>
+                        </p:par>
+                      </p:childTnLst>
+                    </p:cTn>
+                  </p:par>
+                  <p:par>
+                    <p:cTn id="8" fill="hold">
+                      <p:stCondLst>
+                        <p:cond delay="indefinite"/>
+                      </p:stCondLst>
+                      <p:childTnLst>
+                        <p:par>
+                          <p:cTn id="9" fill="hold">
+                            <p:stCondLst>
+                              <p:cond delay="0"/>
+                            </p:stCondLst>
+                            <p:childTnLst>
+                              <p:par>
+                                <p:cTn id="10" presetID="10" presetClass="entr" presetSubtype="0" fill="hold" grpId="0" nodeType="clickEffect">
+                                  <p:stCondLst>
+                                    <p:cond delay="0"/>
+                                  </p:stCondLst>
+                                  <p:childTnLst>
+                                    <p:set>
+                                      <p:cBhvr>
+                                        <p:cTn id="11" dur="1" fill="hold">
+                                          <p:stCondLst>
+                                            <p:cond delay="0"/>
+                                          </p:stCondLst>
+                                        </p:cTn>
+                                        <p:tgtEl>
+                                          <p:spTgt spid="4"/>
+                                        </p:tgtEl>
+                                        <p:attrNameLst>
+                                          <p:attrName>style.visibility</p:attrName>
+                                        </p:attrNameLst>
+                                      </p:cBhvr>
+                                      <p:to>
+                                        <p:strVal val="visible"/>
+                                      </p:to>
+                                    </p:set>
+                                    <p:animEffect transition="in" filter="fade">
+                                      <p:cBhvr>
+                                        <p:cTn id="12" dur="500"/>
+                                        <p:tgtEl>
+                                          <p:spTgt spid="4"/>
+                                        </p:tgtEl>
+                                      </p:cBhvr>
+                                    </p:animEffect>
+                                  </p:childTnLst>
+                                </p:cTn>
+                              </p:par>
+                              <p:par>
+                                <p:cTn id="13" presetID="10" presetClass="entr" presetSubtype="0" fill="hold" nodeType="withEffect">
+                                  <p:stCondLst>
+                                    <p:cond delay="0"/>
+                                  </p:stCondLst>
+                                  <p:childTnLst>
+                                    <p:set>
+                                      <p:cBhvr>
+                                        <p:cTn id="14" dur="1" fill="hold">
+                                          <p:stCondLst>
+                                            <p:cond delay="0"/>
+                                          </p:stCondLst>
+                                        </p:cTn>
+                                        <p:tgtEl>
+                                          <p:spTgt spid="5"/>
+                                        </p:tgtEl>
+                                        <p:attrNameLst>
+                                          <p:attrName>style.visibility</p:attrName>
+                                        </p:attrNameLst>
+                                      </p:cBhvr>
+                                      <p:to>
+                                        <p:strVal val="visible"/>
+                                      </p:to>
+                                    </p:set>
+                                    <p:animEffect transition="in" filter="fade">
+                                      <p:cBhvr>
+                                        <p:cTn id="15" dur="500"/>
+                                        <p:tgtEl>
+                                          <p:spTgt spid="5"/>
+                                        </p:tgtEl>
+                                      </p:cBhvr>
+                                    </p:animEffect>
+                                  </p:childTnLst>
+                                </p:cTn>
+                              </p:par>
+                            </p:childTnLst>
+                          </p:cTn>
+                        </p:par>
+                      </p:childTnLst>
+                    </p:cTn>
+                  </p:par>
+                  <p:par>
+                    <p:cTn id="16" fill="hold">
+                      <p:stCondLst>
+                        <p:cond delay="indefinite"/>
+                      </p:stCondLst>
+                      <p:childTnLst>
+                        <p:par>
+                          <p:cTn id="17" fill="hold">
+                            <p:stCondLst>
+                              <p:cond delay="0"/>
+                            </p:stCondLst>
+                            <p:childTnLst>
+                              <p:par>
+                                <p:cTn id="18" presetID="10" presetClass="entr" presetSubtype="0" fill="hold" nodeType="clickEffect">
+                                  <p:stCondLst>
+                                    <p:cond delay="0"/>
+                                  </p:stCondLst>
+                                  <p:childTnLst>
+                                    <p:set>
+                                      <p:cBhvr>
+                                        <p:cTn id="19" dur="1" fill="hold">
+                                          <p:stCondLst>
+                                            <p:cond delay="0"/>
+                                          </p:stCondLst>
+                                        </p:cTn>
+                                        <p:tgtEl>
+                                          <p:spTgt spid="6"/>
+                                        </p:tgtEl>
+                                        <p:attrNameLst>
+                                          <p:attrName>style.visibility</p:attrName>
+                                        </p:attrNameLst>
+                                      </p:cBhvr>
+                                      <p:to>
+                                        <p:strVal val="visible"/>
+                                      </p:to>
+                                    </p:set>
+                                    <p:animEffect transition="in" filter="fade">
+                                      <p:cBhvr>
+                                        <p:cTn id="20" dur="500"/>
+                                        <p:tgtEl>
+                                          <p:spTgt spid="6"/>
+                                        </p:tgtEl>
+                                      </p:cBhvr>
+                                    </p:animEffect>
+                                  </p:childTnLst>
+                                </p:cTn>
+                              </p:par>
+                            </p:childTnLst>
+                          </p:cTn>
+                        </p:par>
+                      </p:childTnLst>
+                    </p:cTn>
+                  </p:par>
+                  <p:par>
+                    <p:cTn id="21" fill="hold">
+                      <p:stCondLst>
+                        <p:cond delay="indefinite"/>
+                      </p:stCondLst>
+                      <p:childTnLst>
+                        <p:par>
+                          <p:cTn id="22" fill="hold">
+                            <p:stCondLst>
+                              <p:cond delay="0"/>
+                            </p:stCondLst>
+                            <p:childTnLst>
+                              <p:par>
+                                <p:cTn id="23" presetID="10" presetClass="entr" presetSubtype="0" fill="hold" nodeType="clickEffect">
+                                  <p:stCondLst>
+                                    <p:cond delay="0"/>
+                                  </p:stCondLst>
+                                  <p:childTnLst>
+                                    <p:set>
+                                      <p:cBhvr>
+                                        <p:cTn id="24" dur="1" fill="hold">
+                                          <p:stCondLst>
+                                            <p:cond delay="0"/>
+                                          </p:stCondLst>
+                                        </p:cTn>
+                                        <p:tgtEl>
+                                          <p:spTgt spid="7"/>
+                                        </p:tgtEl>
+                                        <p:attrNameLst>
+                                          <p:attrName>style.visibility</p:attrName>
+                                        </p:attrNameLst>
+                                      </p:cBhvr>
+                                      <p:to>
+                                        <p:strVal val="visible"/>
+                                      </p:to>
+                                    </p:set>
+                                    <p:animEffect transition="in" filter="fade">
+                                      <p:cBhvr>
+                                        <p:cTn id="25" dur="500"/>
+                                        <p:tgtEl>
+                                          <p:spTgt spid="7"/>
+                                        </p:tgtEl>
+                                      </p:cBhvr>
+                                    </p:animEffect>
+                                  </p:childTnLst>
+                                </p:cTn>
+                              </p:par>
+                            </p:childTnLst>
+                          </p:cTn>
+                        </p:par>
+                      </p:childTnLst>
+                    </p:cTn>
+                  </p:par>
+                  <p:par>
+                    <p:cTn id="26" fill="hold">
+                      <p:stCondLst>
+                        <p:cond delay="indefinite"/>
+                      </p:stCondLst>
+                      <p:childTnLst>
+                        <p:par>
+                          <p:cTn id="27" fill="hold">
+                            <p:stCondLst>
+                              <p:cond delay="0"/>
+                            </p:stCondLst>
+                            <p:childTnLst>
+                              <p:par>
+                                <p:cTn id="28" presetID="10" presetClass="entr" presetSubtype="0" fill="hold" nodeType="clickEffect">
+                                  <p:stCondLst>
+                                    <p:cond delay="0"/>
+                                  </p:stCondLst>
+                                  <p:childTnLst>
+                                    <p:set>
+                                      <p:cBhvr>
+                                        <p:cTn id="29" dur="1" fill="hold">
+                                          <p:stCondLst>
+                                            <p:cond delay="0"/>
+                                          </p:stCondLst>
+                                        </p:cTn>
+                                        <p:tgtEl>
+                                          <p:spTgt spid="8"/>
+                                        </p:tgtEl>
+                                        <p:attrNameLst>
+                                          <p:attrName>style.visibility</p:attrName>
+                                        </p:attrNameLst>
+                                      </p:cBhvr>
+                                      <p:to>
+                                        <p:strVal val="visible"/>
+                                      </p:to>
+                                    </p:set>
+                                    <p:animEffect transition="in" filter="fade">
+                                      <p:cBhvr>
+                                        <p:cTn id="30" dur="500"/>
+                                        <p:tgtEl>
+                                          <p:spTgt spid="8"/>
+                                        </p:tgtEl>
+                                      </p:cBhvr>
+                                    </p:animEffect>
+                                  </p:childTnLst>
+                                </p:cTn>
+                              </p:par>
+                            </p:childTnLst>
+                          </p:cTn>
+                        </p:par>
+                      </p:childTnLst>
+                    </p:cTn>
+                  </p:par>
+                </p:childTnLst>
+              </p:cTn>
+              <p:prevCondLst>
+                <p:cond evt="onPrev" delay="0">
+                  <p:tgtEl>
+                    <p:sldTgt/>
+                  </p:tgtEl>
+                </p:cond>
+              </p:prevCondLst>
+              <p:nextCondLst>
+                <p:cond evt="onNext" delay="0">
+                  <p:tgtEl>
+                    <p:sldTgt/>
+                  </p:tgtEl>
+                </p:cond>
+              </p:nextCondLst>
+            </p:seq>
+          </p:childTnLst>
+        </p:cTn>
+      </p:par>
+    </p:tnLst>
+    <p:bldLst>
+      <p:bldP spid="3" grpId="0" build="p"/>
+      <p:bldP spid="4" grpId="0"/>
+    </p:bldLst>
+  </p:timing>
 </p:sld>
 </file>
 
@@ -5004,6 +6247,426 @@
   <p:clrMapOvr>
     <a:masterClrMapping/>
   </p:clrMapOvr>
+  <p:timing>
+    <p:tnLst>
+      <p:par>
+        <p:cTn id="1" dur="indefinite" restart="never" nodeType="tmRoot">
+          <p:childTnLst>
+            <p:seq concurrent="1" nextAc="seek">
+              <p:cTn id="2" dur="indefinite" nodeType="mainSeq">
+                <p:childTnLst>
+                  <p:par>
+                    <p:cTn id="3" fill="hold">
+                      <p:stCondLst>
+                        <p:cond delay="indefinite"/>
+                      </p:stCondLst>
+                      <p:childTnLst>
+                        <p:par>
+                          <p:cTn id="4" fill="hold">
+                            <p:stCondLst>
+                              <p:cond delay="0"/>
+                            </p:stCondLst>
+                            <p:childTnLst>
+                              <p:par>
+                                <p:cTn id="5" presetID="10" presetClass="entr" presetSubtype="0" fill="hold" nodeType="clickEffect">
+                                  <p:stCondLst>
+                                    <p:cond delay="0"/>
+                                  </p:stCondLst>
+                                  <p:childTnLst>
+                                    <p:set>
+                                      <p:cBhvr>
+                                        <p:cTn id="6" dur="1" fill="hold">
+                                          <p:stCondLst>
+                                            <p:cond delay="0"/>
+                                          </p:stCondLst>
+                                        </p:cTn>
+                                        <p:tgtEl>
+                                          <p:spTgt spid="3">
+                                            <p:txEl>
+                                              <p:pRg st="0" end="0"/>
+                                            </p:txEl>
+                                          </p:spTgt>
+                                        </p:tgtEl>
+                                        <p:attrNameLst>
+                                          <p:attrName>style.visibility</p:attrName>
+                                        </p:attrNameLst>
+                                      </p:cBhvr>
+                                      <p:to>
+                                        <p:strVal val="visible"/>
+                                      </p:to>
+                                    </p:set>
+                                    <p:animEffect transition="in" filter="fade">
+                                      <p:cBhvr>
+                                        <p:cTn id="7" dur="500"/>
+                                        <p:tgtEl>
+                                          <p:spTgt spid="3">
+                                            <p:txEl>
+                                              <p:pRg st="0" end="0"/>
+                                            </p:txEl>
+                                          </p:spTgt>
+                                        </p:tgtEl>
+                                      </p:cBhvr>
+                                    </p:animEffect>
+                                  </p:childTnLst>
+                                </p:cTn>
+                              </p:par>
+                            </p:childTnLst>
+                          </p:cTn>
+                        </p:par>
+                      </p:childTnLst>
+                    </p:cTn>
+                  </p:par>
+                  <p:par>
+                    <p:cTn id="8" fill="hold">
+                      <p:stCondLst>
+                        <p:cond delay="indefinite"/>
+                      </p:stCondLst>
+                      <p:childTnLst>
+                        <p:par>
+                          <p:cTn id="9" fill="hold">
+                            <p:stCondLst>
+                              <p:cond delay="0"/>
+                            </p:stCondLst>
+                            <p:childTnLst>
+                              <p:par>
+                                <p:cTn id="10" presetID="10" presetClass="entr" presetSubtype="0" fill="hold" nodeType="clickEffect">
+                                  <p:stCondLst>
+                                    <p:cond delay="0"/>
+                                  </p:stCondLst>
+                                  <p:childTnLst>
+                                    <p:set>
+                                      <p:cBhvr>
+                                        <p:cTn id="11" dur="1" fill="hold">
+                                          <p:stCondLst>
+                                            <p:cond delay="0"/>
+                                          </p:stCondLst>
+                                        </p:cTn>
+                                        <p:tgtEl>
+                                          <p:spTgt spid="3">
+                                            <p:txEl>
+                                              <p:pRg st="1" end="1"/>
+                                            </p:txEl>
+                                          </p:spTgt>
+                                        </p:tgtEl>
+                                        <p:attrNameLst>
+                                          <p:attrName>style.visibility</p:attrName>
+                                        </p:attrNameLst>
+                                      </p:cBhvr>
+                                      <p:to>
+                                        <p:strVal val="visible"/>
+                                      </p:to>
+                                    </p:set>
+                                    <p:animEffect transition="in" filter="fade">
+                                      <p:cBhvr>
+                                        <p:cTn id="12" dur="500"/>
+                                        <p:tgtEl>
+                                          <p:spTgt spid="3">
+                                            <p:txEl>
+                                              <p:pRg st="1" end="1"/>
+                                            </p:txEl>
+                                          </p:spTgt>
+                                        </p:tgtEl>
+                                      </p:cBhvr>
+                                    </p:animEffect>
+                                  </p:childTnLst>
+                                </p:cTn>
+                              </p:par>
+                            </p:childTnLst>
+                          </p:cTn>
+                        </p:par>
+                      </p:childTnLst>
+                    </p:cTn>
+                  </p:par>
+                  <p:par>
+                    <p:cTn id="13" fill="hold">
+                      <p:stCondLst>
+                        <p:cond delay="indefinite"/>
+                      </p:stCondLst>
+                      <p:childTnLst>
+                        <p:par>
+                          <p:cTn id="14" fill="hold">
+                            <p:stCondLst>
+                              <p:cond delay="0"/>
+                            </p:stCondLst>
+                            <p:childTnLst>
+                              <p:par>
+                                <p:cTn id="15" presetID="10" presetClass="entr" presetSubtype="0" fill="hold" nodeType="clickEffect">
+                                  <p:stCondLst>
+                                    <p:cond delay="0"/>
+                                  </p:stCondLst>
+                                  <p:childTnLst>
+                                    <p:set>
+                                      <p:cBhvr>
+                                        <p:cTn id="16" dur="1" fill="hold">
+                                          <p:stCondLst>
+                                            <p:cond delay="0"/>
+                                          </p:stCondLst>
+                                        </p:cTn>
+                                        <p:tgtEl>
+                                          <p:spTgt spid="3">
+                                            <p:txEl>
+                                              <p:pRg st="2" end="2"/>
+                                            </p:txEl>
+                                          </p:spTgt>
+                                        </p:tgtEl>
+                                        <p:attrNameLst>
+                                          <p:attrName>style.visibility</p:attrName>
+                                        </p:attrNameLst>
+                                      </p:cBhvr>
+                                      <p:to>
+                                        <p:strVal val="visible"/>
+                                      </p:to>
+                                    </p:set>
+                                    <p:animEffect transition="in" filter="fade">
+                                      <p:cBhvr>
+                                        <p:cTn id="17" dur="500"/>
+                                        <p:tgtEl>
+                                          <p:spTgt spid="3">
+                                            <p:txEl>
+                                              <p:pRg st="2" end="2"/>
+                                            </p:txEl>
+                                          </p:spTgt>
+                                        </p:tgtEl>
+                                      </p:cBhvr>
+                                    </p:animEffect>
+                                  </p:childTnLst>
+                                </p:cTn>
+                              </p:par>
+                            </p:childTnLst>
+                          </p:cTn>
+                        </p:par>
+                      </p:childTnLst>
+                    </p:cTn>
+                  </p:par>
+                  <p:par>
+                    <p:cTn id="18" fill="hold">
+                      <p:stCondLst>
+                        <p:cond delay="indefinite"/>
+                      </p:stCondLst>
+                      <p:childTnLst>
+                        <p:par>
+                          <p:cTn id="19" fill="hold">
+                            <p:stCondLst>
+                              <p:cond delay="0"/>
+                            </p:stCondLst>
+                            <p:childTnLst>
+                              <p:par>
+                                <p:cTn id="20" presetID="10" presetClass="entr" presetSubtype="0" fill="hold" nodeType="clickEffect">
+                                  <p:stCondLst>
+                                    <p:cond delay="0"/>
+                                  </p:stCondLst>
+                                  <p:childTnLst>
+                                    <p:set>
+                                      <p:cBhvr>
+                                        <p:cTn id="21" dur="1" fill="hold">
+                                          <p:stCondLst>
+                                            <p:cond delay="0"/>
+                                          </p:stCondLst>
+                                        </p:cTn>
+                                        <p:tgtEl>
+                                          <p:spTgt spid="3">
+                                            <p:txEl>
+                                              <p:pRg st="3" end="3"/>
+                                            </p:txEl>
+                                          </p:spTgt>
+                                        </p:tgtEl>
+                                        <p:attrNameLst>
+                                          <p:attrName>style.visibility</p:attrName>
+                                        </p:attrNameLst>
+                                      </p:cBhvr>
+                                      <p:to>
+                                        <p:strVal val="visible"/>
+                                      </p:to>
+                                    </p:set>
+                                    <p:animEffect transition="in" filter="fade">
+                                      <p:cBhvr>
+                                        <p:cTn id="22" dur="500"/>
+                                        <p:tgtEl>
+                                          <p:spTgt spid="3">
+                                            <p:txEl>
+                                              <p:pRg st="3" end="3"/>
+                                            </p:txEl>
+                                          </p:spTgt>
+                                        </p:tgtEl>
+                                      </p:cBhvr>
+                                    </p:animEffect>
+                                  </p:childTnLst>
+                                </p:cTn>
+                              </p:par>
+                            </p:childTnLst>
+                          </p:cTn>
+                        </p:par>
+                      </p:childTnLst>
+                    </p:cTn>
+                  </p:par>
+                  <p:par>
+                    <p:cTn id="23" fill="hold">
+                      <p:stCondLst>
+                        <p:cond delay="indefinite"/>
+                      </p:stCondLst>
+                      <p:childTnLst>
+                        <p:par>
+                          <p:cTn id="24" fill="hold">
+                            <p:stCondLst>
+                              <p:cond delay="0"/>
+                            </p:stCondLst>
+                            <p:childTnLst>
+                              <p:par>
+                                <p:cTn id="25" presetID="10" presetClass="entr" presetSubtype="0" fill="hold" grpId="0" nodeType="clickEffect">
+                                  <p:stCondLst>
+                                    <p:cond delay="0"/>
+                                  </p:stCondLst>
+                                  <p:childTnLst>
+                                    <p:set>
+                                      <p:cBhvr>
+                                        <p:cTn id="26" dur="1" fill="hold">
+                                          <p:stCondLst>
+                                            <p:cond delay="0"/>
+                                          </p:stCondLst>
+                                        </p:cTn>
+                                        <p:tgtEl>
+                                          <p:spTgt spid="40"/>
+                                        </p:tgtEl>
+                                        <p:attrNameLst>
+                                          <p:attrName>style.visibility</p:attrName>
+                                        </p:attrNameLst>
+                                      </p:cBhvr>
+                                      <p:to>
+                                        <p:strVal val="visible"/>
+                                      </p:to>
+                                    </p:set>
+                                    <p:animEffect transition="in" filter="fade">
+                                      <p:cBhvr>
+                                        <p:cTn id="27" dur="500"/>
+                                        <p:tgtEl>
+                                          <p:spTgt spid="40"/>
+                                        </p:tgtEl>
+                                      </p:cBhvr>
+                                    </p:animEffect>
+                                  </p:childTnLst>
+                                </p:cTn>
+                              </p:par>
+                            </p:childTnLst>
+                          </p:cTn>
+                        </p:par>
+                      </p:childTnLst>
+                    </p:cTn>
+                  </p:par>
+                  <p:par>
+                    <p:cTn id="28" fill="hold">
+                      <p:stCondLst>
+                        <p:cond delay="indefinite"/>
+                      </p:stCondLst>
+                      <p:childTnLst>
+                        <p:par>
+                          <p:cTn id="29" fill="hold">
+                            <p:stCondLst>
+                              <p:cond delay="0"/>
+                            </p:stCondLst>
+                            <p:childTnLst>
+                              <p:par>
+                                <p:cTn id="30" presetID="10" presetClass="entr" presetSubtype="0" fill="hold" grpId="0" nodeType="clickEffect">
+                                  <p:stCondLst>
+                                    <p:cond delay="0"/>
+                                  </p:stCondLst>
+                                  <p:childTnLst>
+                                    <p:set>
+                                      <p:cBhvr>
+                                        <p:cTn id="31" dur="1" fill="hold">
+                                          <p:stCondLst>
+                                            <p:cond delay="0"/>
+                                          </p:stCondLst>
+                                        </p:cTn>
+                                        <p:tgtEl>
+                                          <p:spTgt spid="41"/>
+                                        </p:tgtEl>
+                                        <p:attrNameLst>
+                                          <p:attrName>style.visibility</p:attrName>
+                                        </p:attrNameLst>
+                                      </p:cBhvr>
+                                      <p:to>
+                                        <p:strVal val="visible"/>
+                                      </p:to>
+                                    </p:set>
+                                    <p:animEffect transition="in" filter="fade">
+                                      <p:cBhvr>
+                                        <p:cTn id="32" dur="500"/>
+                                        <p:tgtEl>
+                                          <p:spTgt spid="41"/>
+                                        </p:tgtEl>
+                                      </p:cBhvr>
+                                    </p:animEffect>
+                                  </p:childTnLst>
+                                </p:cTn>
+                              </p:par>
+                              <p:par>
+                                <p:cTn id="33" presetID="10" presetClass="entr" presetSubtype="0" fill="hold" grpId="0" nodeType="withEffect">
+                                  <p:stCondLst>
+                                    <p:cond delay="0"/>
+                                  </p:stCondLst>
+                                  <p:childTnLst>
+                                    <p:set>
+                                      <p:cBhvr>
+                                        <p:cTn id="34" dur="1" fill="hold">
+                                          <p:stCondLst>
+                                            <p:cond delay="0"/>
+                                          </p:stCondLst>
+                                        </p:cTn>
+                                        <p:tgtEl>
+                                          <p:spTgt spid="42"/>
+                                        </p:tgtEl>
+                                        <p:attrNameLst>
+                                          <p:attrName>style.visibility</p:attrName>
+                                        </p:attrNameLst>
+                                      </p:cBhvr>
+                                      <p:to>
+                                        <p:strVal val="visible"/>
+                                      </p:to>
+                                    </p:set>
+                                    <p:animEffect transition="in" filter="fade">
+                                      <p:cBhvr>
+                                        <p:cTn id="35" dur="500"/>
+                                        <p:tgtEl>
+                                          <p:spTgt spid="42"/>
+                                        </p:tgtEl>
+                                      </p:cBhvr>
+                                    </p:animEffect>
+                                  </p:childTnLst>
+                                </p:cTn>
+                              </p:par>
+                            </p:childTnLst>
+                          </p:cTn>
+                        </p:par>
+                      </p:childTnLst>
+                    </p:cTn>
+                  </p:par>
+                </p:childTnLst>
+              </p:cTn>
+              <p:prevCondLst>
+                <p:cond evt="onPrev" delay="0">
+                  <p:tgtEl>
+                    <p:sldTgt/>
+                  </p:tgtEl>
+                </p:cond>
+              </p:prevCondLst>
+              <p:nextCondLst>
+                <p:cond evt="onNext" delay="0">
+                  <p:tgtEl>
+                    <p:sldTgt/>
+                  </p:tgtEl>
+                </p:cond>
+              </p:nextCondLst>
+            </p:seq>
+          </p:childTnLst>
+        </p:cTn>
+      </p:par>
+    </p:tnLst>
+    <p:bldLst>
+      <p:bldP spid="40" grpId="0"/>
+      <p:bldP spid="41" grpId="0" animBg="1"/>
+      <p:bldP spid="42" grpId="0"/>
+    </p:bldLst>
+  </p:timing>
 </p:sld>
 </file>
 
@@ -5697,9 +7360,9 @@
         <p:grpSpPr>
           <a:xfrm>
             <a:off x="4506745" y="2072545"/>
-            <a:ext cx="3372372" cy="738080"/>
+            <a:ext cx="3372372" cy="737635"/>
             <a:chOff x="2664693" y="5342166"/>
-            <a:chExt cx="3372372" cy="738080"/>
+            <a:chExt cx="3372372" cy="737635"/>
           </a:xfrm>
         </p:grpSpPr>
         <p:grpSp>
@@ -5943,9 +7606,9 @@
           <p:grpSpPr>
             <a:xfrm>
               <a:off x="4350879" y="5719519"/>
-              <a:ext cx="1686186" cy="360727"/>
+              <a:ext cx="1686186" cy="358277"/>
               <a:chOff x="5637402" y="3347207"/>
-              <a:chExt cx="1686186" cy="360727"/>
+              <a:chExt cx="1686186" cy="358277"/>
             </a:xfrm>
           </p:grpSpPr>
           <p:sp>
@@ -5956,8 +7619,8 @@
             </p:nvSpPr>
             <p:spPr>
               <a:xfrm>
-                <a:off x="5637402" y="3347207"/>
-                <a:ext cx="562062" cy="360727"/>
+                <a:off x="5637402" y="3347208"/>
+                <a:ext cx="562062" cy="357680"/>
               </a:xfrm>
               <a:prstGeom prst="rect">
                 <a:avLst/>
@@ -5999,7 +7662,7 @@
             <p:spPr>
               <a:xfrm>
                 <a:off x="6199464" y="3347207"/>
-                <a:ext cx="562062" cy="360727"/>
+                <a:ext cx="562062" cy="357934"/>
               </a:xfrm>
               <a:prstGeom prst="rect">
                 <a:avLst/>
@@ -6040,8 +7703,8 @@
             </p:nvSpPr>
             <p:spPr>
               <a:xfrm>
-                <a:off x="6761526" y="3347207"/>
-                <a:ext cx="562062" cy="360727"/>
+                <a:off x="6761526" y="3347208"/>
+                <a:ext cx="562062" cy="358276"/>
               </a:xfrm>
               <a:prstGeom prst="rect">
                 <a:avLst/>
@@ -7524,6 +9187,441 @@
   <p:clrMapOvr>
     <a:masterClrMapping/>
   </p:clrMapOvr>
+  <p:timing>
+    <p:tnLst>
+      <p:par>
+        <p:cTn id="1" dur="indefinite" restart="never" nodeType="tmRoot">
+          <p:childTnLst>
+            <p:seq concurrent="1" nextAc="seek">
+              <p:cTn id="2" dur="indefinite" nodeType="mainSeq">
+                <p:childTnLst>
+                  <p:par>
+                    <p:cTn id="3" fill="hold">
+                      <p:stCondLst>
+                        <p:cond delay="indefinite"/>
+                      </p:stCondLst>
+                      <p:childTnLst>
+                        <p:par>
+                          <p:cTn id="4" fill="hold">
+                            <p:stCondLst>
+                              <p:cond delay="0"/>
+                            </p:stCondLst>
+                            <p:childTnLst>
+                              <p:par>
+                                <p:cTn id="5" presetID="10" presetClass="entr" presetSubtype="0" fill="hold" nodeType="clickEffect">
+                                  <p:stCondLst>
+                                    <p:cond delay="0"/>
+                                  </p:stCondLst>
+                                  <p:childTnLst>
+                                    <p:set>
+                                      <p:cBhvr>
+                                        <p:cTn id="6" dur="1" fill="hold">
+                                          <p:stCondLst>
+                                            <p:cond delay="0"/>
+                                          </p:stCondLst>
+                                        </p:cTn>
+                                        <p:tgtEl>
+                                          <p:spTgt spid="5"/>
+                                        </p:tgtEl>
+                                        <p:attrNameLst>
+                                          <p:attrName>style.visibility</p:attrName>
+                                        </p:attrNameLst>
+                                      </p:cBhvr>
+                                      <p:to>
+                                        <p:strVal val="visible"/>
+                                      </p:to>
+                                    </p:set>
+                                    <p:animEffect transition="in" filter="fade">
+                                      <p:cBhvr>
+                                        <p:cTn id="7" dur="500"/>
+                                        <p:tgtEl>
+                                          <p:spTgt spid="5"/>
+                                        </p:tgtEl>
+                                      </p:cBhvr>
+                                    </p:animEffect>
+                                  </p:childTnLst>
+                                </p:cTn>
+                              </p:par>
+                              <p:par>
+                                <p:cTn id="8" presetID="10" presetClass="entr" presetSubtype="0" fill="hold" nodeType="withEffect">
+                                  <p:stCondLst>
+                                    <p:cond delay="0"/>
+                                  </p:stCondLst>
+                                  <p:childTnLst>
+                                    <p:set>
+                                      <p:cBhvr>
+                                        <p:cTn id="9" dur="1" fill="hold">
+                                          <p:stCondLst>
+                                            <p:cond delay="0"/>
+                                          </p:stCondLst>
+                                        </p:cTn>
+                                        <p:tgtEl>
+                                          <p:spTgt spid="21"/>
+                                        </p:tgtEl>
+                                        <p:attrNameLst>
+                                          <p:attrName>style.visibility</p:attrName>
+                                        </p:attrNameLst>
+                                      </p:cBhvr>
+                                      <p:to>
+                                        <p:strVal val="visible"/>
+                                      </p:to>
+                                    </p:set>
+                                    <p:animEffect transition="in" filter="fade">
+                                      <p:cBhvr>
+                                        <p:cTn id="10" dur="500"/>
+                                        <p:tgtEl>
+                                          <p:spTgt spid="21"/>
+                                        </p:tgtEl>
+                                      </p:cBhvr>
+                                    </p:animEffect>
+                                  </p:childTnLst>
+                                </p:cTn>
+                              </p:par>
+                            </p:childTnLst>
+                          </p:cTn>
+                        </p:par>
+                      </p:childTnLst>
+                    </p:cTn>
+                  </p:par>
+                  <p:par>
+                    <p:cTn id="11" fill="hold">
+                      <p:stCondLst>
+                        <p:cond delay="indefinite"/>
+                      </p:stCondLst>
+                      <p:childTnLst>
+                        <p:par>
+                          <p:cTn id="12" fill="hold">
+                            <p:stCondLst>
+                              <p:cond delay="0"/>
+                            </p:stCondLst>
+                            <p:childTnLst>
+                              <p:par>
+                                <p:cTn id="13" presetID="10" presetClass="entr" presetSubtype="0" fill="hold" nodeType="clickEffect">
+                                  <p:stCondLst>
+                                    <p:cond delay="0"/>
+                                  </p:stCondLst>
+                                  <p:childTnLst>
+                                    <p:set>
+                                      <p:cBhvr>
+                                        <p:cTn id="14" dur="1" fill="hold">
+                                          <p:stCondLst>
+                                            <p:cond delay="0"/>
+                                          </p:stCondLst>
+                                        </p:cTn>
+                                        <p:tgtEl>
+                                          <p:spTgt spid="6"/>
+                                        </p:tgtEl>
+                                        <p:attrNameLst>
+                                          <p:attrName>style.visibility</p:attrName>
+                                        </p:attrNameLst>
+                                      </p:cBhvr>
+                                      <p:to>
+                                        <p:strVal val="visible"/>
+                                      </p:to>
+                                    </p:set>
+                                    <p:animEffect transition="in" filter="fade">
+                                      <p:cBhvr>
+                                        <p:cTn id="15" dur="500"/>
+                                        <p:tgtEl>
+                                          <p:spTgt spid="6"/>
+                                        </p:tgtEl>
+                                      </p:cBhvr>
+                                    </p:animEffect>
+                                  </p:childTnLst>
+                                </p:cTn>
+                              </p:par>
+                              <p:par>
+                                <p:cTn id="16" presetID="10" presetClass="entr" presetSubtype="0" fill="hold" nodeType="withEffect">
+                                  <p:stCondLst>
+                                    <p:cond delay="0"/>
+                                  </p:stCondLst>
+                                  <p:childTnLst>
+                                    <p:set>
+                                      <p:cBhvr>
+                                        <p:cTn id="17" dur="1" fill="hold">
+                                          <p:stCondLst>
+                                            <p:cond delay="0"/>
+                                          </p:stCondLst>
+                                        </p:cTn>
+                                        <p:tgtEl>
+                                          <p:spTgt spid="36"/>
+                                        </p:tgtEl>
+                                        <p:attrNameLst>
+                                          <p:attrName>style.visibility</p:attrName>
+                                        </p:attrNameLst>
+                                      </p:cBhvr>
+                                      <p:to>
+                                        <p:strVal val="visible"/>
+                                      </p:to>
+                                    </p:set>
+                                    <p:animEffect transition="in" filter="fade">
+                                      <p:cBhvr>
+                                        <p:cTn id="18" dur="500"/>
+                                        <p:tgtEl>
+                                          <p:spTgt spid="36"/>
+                                        </p:tgtEl>
+                                      </p:cBhvr>
+                                    </p:animEffect>
+                                  </p:childTnLst>
+                                </p:cTn>
+                              </p:par>
+                            </p:childTnLst>
+                          </p:cTn>
+                        </p:par>
+                      </p:childTnLst>
+                    </p:cTn>
+                  </p:par>
+                  <p:par>
+                    <p:cTn id="19" fill="hold">
+                      <p:stCondLst>
+                        <p:cond delay="indefinite"/>
+                      </p:stCondLst>
+                      <p:childTnLst>
+                        <p:par>
+                          <p:cTn id="20" fill="hold">
+                            <p:stCondLst>
+                              <p:cond delay="0"/>
+                            </p:stCondLst>
+                            <p:childTnLst>
+                              <p:par>
+                                <p:cTn id="21" presetID="10" presetClass="entr" presetSubtype="0" fill="hold" nodeType="clickEffect">
+                                  <p:stCondLst>
+                                    <p:cond delay="0"/>
+                                  </p:stCondLst>
+                                  <p:childTnLst>
+                                    <p:set>
+                                      <p:cBhvr>
+                                        <p:cTn id="22" dur="1" fill="hold">
+                                          <p:stCondLst>
+                                            <p:cond delay="0"/>
+                                          </p:stCondLst>
+                                        </p:cTn>
+                                        <p:tgtEl>
+                                          <p:spTgt spid="37"/>
+                                        </p:tgtEl>
+                                        <p:attrNameLst>
+                                          <p:attrName>style.visibility</p:attrName>
+                                        </p:attrNameLst>
+                                      </p:cBhvr>
+                                      <p:to>
+                                        <p:strVal val="visible"/>
+                                      </p:to>
+                                    </p:set>
+                                    <p:animEffect transition="in" filter="fade">
+                                      <p:cBhvr>
+                                        <p:cTn id="23" dur="500"/>
+                                        <p:tgtEl>
+                                          <p:spTgt spid="37"/>
+                                        </p:tgtEl>
+                                      </p:cBhvr>
+                                    </p:animEffect>
+                                  </p:childTnLst>
+                                </p:cTn>
+                              </p:par>
+                            </p:childTnLst>
+                          </p:cTn>
+                        </p:par>
+                      </p:childTnLst>
+                    </p:cTn>
+                  </p:par>
+                  <p:par>
+                    <p:cTn id="24" fill="hold">
+                      <p:stCondLst>
+                        <p:cond delay="indefinite"/>
+                      </p:stCondLst>
+                      <p:childTnLst>
+                        <p:par>
+                          <p:cTn id="25" fill="hold">
+                            <p:stCondLst>
+                              <p:cond delay="0"/>
+                            </p:stCondLst>
+                            <p:childTnLst>
+                              <p:par>
+                                <p:cTn id="26" presetID="10" presetClass="entr" presetSubtype="0" fill="hold" nodeType="clickEffect">
+                                  <p:stCondLst>
+                                    <p:cond delay="0"/>
+                                  </p:stCondLst>
+                                  <p:childTnLst>
+                                    <p:set>
+                                      <p:cBhvr>
+                                        <p:cTn id="27" dur="1" fill="hold">
+                                          <p:stCondLst>
+                                            <p:cond delay="0"/>
+                                          </p:stCondLst>
+                                        </p:cTn>
+                                        <p:tgtEl>
+                                          <p:spTgt spid="38"/>
+                                        </p:tgtEl>
+                                        <p:attrNameLst>
+                                          <p:attrName>style.visibility</p:attrName>
+                                        </p:attrNameLst>
+                                      </p:cBhvr>
+                                      <p:to>
+                                        <p:strVal val="visible"/>
+                                      </p:to>
+                                    </p:set>
+                                    <p:animEffect transition="in" filter="fade">
+                                      <p:cBhvr>
+                                        <p:cTn id="28" dur="500"/>
+                                        <p:tgtEl>
+                                          <p:spTgt spid="38"/>
+                                        </p:tgtEl>
+                                      </p:cBhvr>
+                                    </p:animEffect>
+                                  </p:childTnLst>
+                                </p:cTn>
+                              </p:par>
+                              <p:par>
+                                <p:cTn id="29" presetID="10" presetClass="entr" presetSubtype="0" fill="hold" nodeType="withEffect">
+                                  <p:stCondLst>
+                                    <p:cond delay="0"/>
+                                  </p:stCondLst>
+                                  <p:childTnLst>
+                                    <p:set>
+                                      <p:cBhvr>
+                                        <p:cTn id="30" dur="1" fill="hold">
+                                          <p:stCondLst>
+                                            <p:cond delay="0"/>
+                                          </p:stCondLst>
+                                        </p:cTn>
+                                        <p:tgtEl>
+                                          <p:spTgt spid="69"/>
+                                        </p:tgtEl>
+                                        <p:attrNameLst>
+                                          <p:attrName>style.visibility</p:attrName>
+                                        </p:attrNameLst>
+                                      </p:cBhvr>
+                                      <p:to>
+                                        <p:strVal val="visible"/>
+                                      </p:to>
+                                    </p:set>
+                                    <p:animEffect transition="in" filter="fade">
+                                      <p:cBhvr>
+                                        <p:cTn id="31" dur="500"/>
+                                        <p:tgtEl>
+                                          <p:spTgt spid="69"/>
+                                        </p:tgtEl>
+                                      </p:cBhvr>
+                                    </p:animEffect>
+                                  </p:childTnLst>
+                                </p:cTn>
+                              </p:par>
+                            </p:childTnLst>
+                          </p:cTn>
+                        </p:par>
+                      </p:childTnLst>
+                    </p:cTn>
+                  </p:par>
+                  <p:par>
+                    <p:cTn id="32" fill="hold">
+                      <p:stCondLst>
+                        <p:cond delay="indefinite"/>
+                      </p:stCondLst>
+                      <p:childTnLst>
+                        <p:par>
+                          <p:cTn id="33" fill="hold">
+                            <p:stCondLst>
+                              <p:cond delay="0"/>
+                            </p:stCondLst>
+                            <p:childTnLst>
+                              <p:par>
+                                <p:cTn id="34" presetID="10" presetClass="entr" presetSubtype="0" fill="hold" nodeType="clickEffect">
+                                  <p:stCondLst>
+                                    <p:cond delay="0"/>
+                                  </p:stCondLst>
+                                  <p:childTnLst>
+                                    <p:set>
+                                      <p:cBhvr>
+                                        <p:cTn id="35" dur="1" fill="hold">
+                                          <p:stCondLst>
+                                            <p:cond delay="0"/>
+                                          </p:stCondLst>
+                                        </p:cTn>
+                                        <p:tgtEl>
+                                          <p:spTgt spid="54"/>
+                                        </p:tgtEl>
+                                        <p:attrNameLst>
+                                          <p:attrName>style.visibility</p:attrName>
+                                        </p:attrNameLst>
+                                      </p:cBhvr>
+                                      <p:to>
+                                        <p:strVal val="visible"/>
+                                      </p:to>
+                                    </p:set>
+                                    <p:animEffect transition="in" filter="fade">
+                                      <p:cBhvr>
+                                        <p:cTn id="36" dur="500"/>
+                                        <p:tgtEl>
+                                          <p:spTgt spid="54"/>
+                                        </p:tgtEl>
+                                      </p:cBhvr>
+                                    </p:animEffect>
+                                  </p:childTnLst>
+                                </p:cTn>
+                              </p:par>
+                              <p:par>
+                                <p:cTn id="37" presetID="10" presetClass="entr" presetSubtype="0" fill="hold" nodeType="withEffect">
+                                  <p:stCondLst>
+                                    <p:cond delay="0"/>
+                                  </p:stCondLst>
+                                  <p:childTnLst>
+                                    <p:set>
+                                      <p:cBhvr>
+                                        <p:cTn id="38" dur="1" fill="hold">
+                                          <p:stCondLst>
+                                            <p:cond delay="0"/>
+                                          </p:stCondLst>
+                                        </p:cTn>
+                                        <p:tgtEl>
+                                          <p:spTgt spid="84"/>
+                                        </p:tgtEl>
+                                        <p:attrNameLst>
+                                          <p:attrName>style.visibility</p:attrName>
+                                        </p:attrNameLst>
+                                      </p:cBhvr>
+                                      <p:to>
+                                        <p:strVal val="visible"/>
+                                      </p:to>
+                                    </p:set>
+                                    <p:animEffect transition="in" filter="fade">
+                                      <p:cBhvr>
+                                        <p:cTn id="39" dur="500"/>
+                                        <p:tgtEl>
+                                          <p:spTgt spid="84"/>
+                                        </p:tgtEl>
+                                      </p:cBhvr>
+                                    </p:animEffect>
+                                  </p:childTnLst>
+                                </p:cTn>
+                              </p:par>
+                            </p:childTnLst>
+                          </p:cTn>
+                        </p:par>
+                      </p:childTnLst>
+                    </p:cTn>
+                  </p:par>
+                </p:childTnLst>
+              </p:cTn>
+              <p:prevCondLst>
+                <p:cond evt="onPrev" delay="0">
+                  <p:tgtEl>
+                    <p:sldTgt/>
+                  </p:tgtEl>
+                </p:cond>
+              </p:prevCondLst>
+              <p:nextCondLst>
+                <p:cond evt="onNext" delay="0">
+                  <p:tgtEl>
+                    <p:sldTgt/>
+                  </p:tgtEl>
+                </p:cond>
+              </p:nextCondLst>
+            </p:seq>
+          </p:childTnLst>
+        </p:cTn>
+      </p:par>
+    </p:tnLst>
+  </p:timing>
 </p:sld>
 </file>
 
@@ -7620,6 +9718,13 @@
   <p:clrMapOvr>
     <a:masterClrMapping/>
   </p:clrMapOvr>
+  <p:timing>
+    <p:tnLst>
+      <p:par>
+        <p:cTn id="1" dur="indefinite" restart="never" nodeType="tmRoot"/>
+      </p:par>
+    </p:tnLst>
+  </p:timing>
 </p:sld>
 </file>
 
@@ -7816,6 +9921,688 @@
   <p:clrMapOvr>
     <a:masterClrMapping/>
   </p:clrMapOvr>
+  <p:timing>
+    <p:tnLst>
+      <p:par>
+        <p:cTn id="1" dur="indefinite" restart="never" nodeType="tmRoot">
+          <p:childTnLst>
+            <p:seq concurrent="1" nextAc="seek">
+              <p:cTn id="2" dur="indefinite" nodeType="mainSeq">
+                <p:childTnLst>
+                  <p:par>
+                    <p:cTn id="3" fill="hold">
+                      <p:stCondLst>
+                        <p:cond delay="indefinite"/>
+                      </p:stCondLst>
+                      <p:childTnLst>
+                        <p:par>
+                          <p:cTn id="4" fill="hold">
+                            <p:stCondLst>
+                              <p:cond delay="0"/>
+                            </p:stCondLst>
+                            <p:childTnLst>
+                              <p:par>
+                                <p:cTn id="5" presetID="10" presetClass="entr" presetSubtype="0" fill="hold" grpId="0" nodeType="clickEffect">
+                                  <p:stCondLst>
+                                    <p:cond delay="0"/>
+                                  </p:stCondLst>
+                                  <p:childTnLst>
+                                    <p:set>
+                                      <p:cBhvr>
+                                        <p:cTn id="6" dur="1" fill="hold">
+                                          <p:stCondLst>
+                                            <p:cond delay="0"/>
+                                          </p:stCondLst>
+                                        </p:cTn>
+                                        <p:tgtEl>
+                                          <p:spTgt spid="3">
+                                            <p:txEl>
+                                              <p:pRg st="0" end="0"/>
+                                            </p:txEl>
+                                          </p:spTgt>
+                                        </p:tgtEl>
+                                        <p:attrNameLst>
+                                          <p:attrName>style.visibility</p:attrName>
+                                        </p:attrNameLst>
+                                      </p:cBhvr>
+                                      <p:to>
+                                        <p:strVal val="visible"/>
+                                      </p:to>
+                                    </p:set>
+                                    <p:animEffect transition="in" filter="fade">
+                                      <p:cBhvr>
+                                        <p:cTn id="7" dur="500"/>
+                                        <p:tgtEl>
+                                          <p:spTgt spid="3">
+                                            <p:txEl>
+                                              <p:pRg st="0" end="0"/>
+                                            </p:txEl>
+                                          </p:spTgt>
+                                        </p:tgtEl>
+                                      </p:cBhvr>
+                                    </p:animEffect>
+                                  </p:childTnLst>
+                                </p:cTn>
+                              </p:par>
+                              <p:par>
+                                <p:cTn id="8" presetID="10" presetClass="entr" presetSubtype="0" fill="hold" grpId="0" nodeType="withEffect">
+                                  <p:stCondLst>
+                                    <p:cond delay="0"/>
+                                  </p:stCondLst>
+                                  <p:childTnLst>
+                                    <p:set>
+                                      <p:cBhvr>
+                                        <p:cTn id="9" dur="1" fill="hold">
+                                          <p:stCondLst>
+                                            <p:cond delay="0"/>
+                                          </p:stCondLst>
+                                        </p:cTn>
+                                        <p:tgtEl>
+                                          <p:spTgt spid="3">
+                                            <p:txEl>
+                                              <p:pRg st="1" end="1"/>
+                                            </p:txEl>
+                                          </p:spTgt>
+                                        </p:tgtEl>
+                                        <p:attrNameLst>
+                                          <p:attrName>style.visibility</p:attrName>
+                                        </p:attrNameLst>
+                                      </p:cBhvr>
+                                      <p:to>
+                                        <p:strVal val="visible"/>
+                                      </p:to>
+                                    </p:set>
+                                    <p:animEffect transition="in" filter="fade">
+                                      <p:cBhvr>
+                                        <p:cTn id="10" dur="500"/>
+                                        <p:tgtEl>
+                                          <p:spTgt spid="3">
+                                            <p:txEl>
+                                              <p:pRg st="1" end="1"/>
+                                            </p:txEl>
+                                          </p:spTgt>
+                                        </p:tgtEl>
+                                      </p:cBhvr>
+                                    </p:animEffect>
+                                  </p:childTnLst>
+                                </p:cTn>
+                              </p:par>
+                              <p:par>
+                                <p:cTn id="11" presetID="10" presetClass="entr" presetSubtype="0" fill="hold" grpId="0" nodeType="withEffect">
+                                  <p:stCondLst>
+                                    <p:cond delay="0"/>
+                                  </p:stCondLst>
+                                  <p:childTnLst>
+                                    <p:set>
+                                      <p:cBhvr>
+                                        <p:cTn id="12" dur="1" fill="hold">
+                                          <p:stCondLst>
+                                            <p:cond delay="0"/>
+                                          </p:stCondLst>
+                                        </p:cTn>
+                                        <p:tgtEl>
+                                          <p:spTgt spid="3">
+                                            <p:txEl>
+                                              <p:pRg st="2" end="2"/>
+                                            </p:txEl>
+                                          </p:spTgt>
+                                        </p:tgtEl>
+                                        <p:attrNameLst>
+                                          <p:attrName>style.visibility</p:attrName>
+                                        </p:attrNameLst>
+                                      </p:cBhvr>
+                                      <p:to>
+                                        <p:strVal val="visible"/>
+                                      </p:to>
+                                    </p:set>
+                                    <p:animEffect transition="in" filter="fade">
+                                      <p:cBhvr>
+                                        <p:cTn id="13" dur="500"/>
+                                        <p:tgtEl>
+                                          <p:spTgt spid="3">
+                                            <p:txEl>
+                                              <p:pRg st="2" end="2"/>
+                                            </p:txEl>
+                                          </p:spTgt>
+                                        </p:tgtEl>
+                                      </p:cBhvr>
+                                    </p:animEffect>
+                                  </p:childTnLst>
+                                </p:cTn>
+                              </p:par>
+                            </p:childTnLst>
+                          </p:cTn>
+                        </p:par>
+                      </p:childTnLst>
+                    </p:cTn>
+                  </p:par>
+                  <p:par>
+                    <p:cTn id="14" fill="hold">
+                      <p:stCondLst>
+                        <p:cond delay="indefinite"/>
+                      </p:stCondLst>
+                      <p:childTnLst>
+                        <p:par>
+                          <p:cTn id="15" fill="hold">
+                            <p:stCondLst>
+                              <p:cond delay="0"/>
+                            </p:stCondLst>
+                            <p:childTnLst>
+                              <p:par>
+                                <p:cTn id="16" presetID="10" presetClass="entr" presetSubtype="0" fill="hold" grpId="0" nodeType="clickEffect">
+                                  <p:stCondLst>
+                                    <p:cond delay="0"/>
+                                  </p:stCondLst>
+                                  <p:childTnLst>
+                                    <p:set>
+                                      <p:cBhvr>
+                                        <p:cTn id="17" dur="1" fill="hold">
+                                          <p:stCondLst>
+                                            <p:cond delay="0"/>
+                                          </p:stCondLst>
+                                        </p:cTn>
+                                        <p:tgtEl>
+                                          <p:spTgt spid="3">
+                                            <p:txEl>
+                                              <p:pRg st="3" end="3"/>
+                                            </p:txEl>
+                                          </p:spTgt>
+                                        </p:tgtEl>
+                                        <p:attrNameLst>
+                                          <p:attrName>style.visibility</p:attrName>
+                                        </p:attrNameLst>
+                                      </p:cBhvr>
+                                      <p:to>
+                                        <p:strVal val="visible"/>
+                                      </p:to>
+                                    </p:set>
+                                    <p:animEffect transition="in" filter="fade">
+                                      <p:cBhvr>
+                                        <p:cTn id="18" dur="500"/>
+                                        <p:tgtEl>
+                                          <p:spTgt spid="3">
+                                            <p:txEl>
+                                              <p:pRg st="3" end="3"/>
+                                            </p:txEl>
+                                          </p:spTgt>
+                                        </p:tgtEl>
+                                      </p:cBhvr>
+                                    </p:animEffect>
+                                  </p:childTnLst>
+                                </p:cTn>
+                              </p:par>
+                            </p:childTnLst>
+                          </p:cTn>
+                        </p:par>
+                      </p:childTnLst>
+                    </p:cTn>
+                  </p:par>
+                  <p:par>
+                    <p:cTn id="19" fill="hold">
+                      <p:stCondLst>
+                        <p:cond delay="indefinite"/>
+                      </p:stCondLst>
+                      <p:childTnLst>
+                        <p:par>
+                          <p:cTn id="20" fill="hold">
+                            <p:stCondLst>
+                              <p:cond delay="0"/>
+                            </p:stCondLst>
+                            <p:childTnLst>
+                              <p:par>
+                                <p:cTn id="21" presetID="10" presetClass="entr" presetSubtype="0" fill="hold" grpId="0" nodeType="clickEffect">
+                                  <p:stCondLst>
+                                    <p:cond delay="0"/>
+                                  </p:stCondLst>
+                                  <p:childTnLst>
+                                    <p:set>
+                                      <p:cBhvr>
+                                        <p:cTn id="22" dur="1" fill="hold">
+                                          <p:stCondLst>
+                                            <p:cond delay="0"/>
+                                          </p:stCondLst>
+                                        </p:cTn>
+                                        <p:tgtEl>
+                                          <p:spTgt spid="3">
+                                            <p:txEl>
+                                              <p:pRg st="4" end="4"/>
+                                            </p:txEl>
+                                          </p:spTgt>
+                                        </p:tgtEl>
+                                        <p:attrNameLst>
+                                          <p:attrName>style.visibility</p:attrName>
+                                        </p:attrNameLst>
+                                      </p:cBhvr>
+                                      <p:to>
+                                        <p:strVal val="visible"/>
+                                      </p:to>
+                                    </p:set>
+                                    <p:animEffect transition="in" filter="fade">
+                                      <p:cBhvr>
+                                        <p:cTn id="23" dur="500"/>
+                                        <p:tgtEl>
+                                          <p:spTgt spid="3">
+                                            <p:txEl>
+                                              <p:pRg st="4" end="4"/>
+                                            </p:txEl>
+                                          </p:spTgt>
+                                        </p:tgtEl>
+                                      </p:cBhvr>
+                                    </p:animEffect>
+                                  </p:childTnLst>
+                                </p:cTn>
+                              </p:par>
+                            </p:childTnLst>
+                          </p:cTn>
+                        </p:par>
+                      </p:childTnLst>
+                    </p:cTn>
+                  </p:par>
+                  <p:par>
+                    <p:cTn id="24" fill="hold">
+                      <p:stCondLst>
+                        <p:cond delay="indefinite"/>
+                      </p:stCondLst>
+                      <p:childTnLst>
+                        <p:par>
+                          <p:cTn id="25" fill="hold">
+                            <p:stCondLst>
+                              <p:cond delay="0"/>
+                            </p:stCondLst>
+                            <p:childTnLst>
+                              <p:par>
+                                <p:cTn id="26" presetID="10" presetClass="entr" presetSubtype="0" fill="hold" grpId="0" nodeType="clickEffect">
+                                  <p:stCondLst>
+                                    <p:cond delay="0"/>
+                                  </p:stCondLst>
+                                  <p:childTnLst>
+                                    <p:set>
+                                      <p:cBhvr>
+                                        <p:cTn id="27" dur="1" fill="hold">
+                                          <p:stCondLst>
+                                            <p:cond delay="0"/>
+                                          </p:stCondLst>
+                                        </p:cTn>
+                                        <p:tgtEl>
+                                          <p:spTgt spid="3">
+                                            <p:txEl>
+                                              <p:pRg st="5" end="5"/>
+                                            </p:txEl>
+                                          </p:spTgt>
+                                        </p:tgtEl>
+                                        <p:attrNameLst>
+                                          <p:attrName>style.visibility</p:attrName>
+                                        </p:attrNameLst>
+                                      </p:cBhvr>
+                                      <p:to>
+                                        <p:strVal val="visible"/>
+                                      </p:to>
+                                    </p:set>
+                                    <p:animEffect transition="in" filter="fade">
+                                      <p:cBhvr>
+                                        <p:cTn id="28" dur="500"/>
+                                        <p:tgtEl>
+                                          <p:spTgt spid="3">
+                                            <p:txEl>
+                                              <p:pRg st="5" end="5"/>
+                                            </p:txEl>
+                                          </p:spTgt>
+                                        </p:tgtEl>
+                                      </p:cBhvr>
+                                    </p:animEffect>
+                                  </p:childTnLst>
+                                </p:cTn>
+                              </p:par>
+                              <p:par>
+                                <p:cTn id="29" presetID="10" presetClass="entr" presetSubtype="0" fill="hold" grpId="0" nodeType="withEffect">
+                                  <p:stCondLst>
+                                    <p:cond delay="0"/>
+                                  </p:stCondLst>
+                                  <p:childTnLst>
+                                    <p:set>
+                                      <p:cBhvr>
+                                        <p:cTn id="30" dur="1" fill="hold">
+                                          <p:stCondLst>
+                                            <p:cond delay="0"/>
+                                          </p:stCondLst>
+                                        </p:cTn>
+                                        <p:tgtEl>
+                                          <p:spTgt spid="3">
+                                            <p:txEl>
+                                              <p:pRg st="6" end="6"/>
+                                            </p:txEl>
+                                          </p:spTgt>
+                                        </p:tgtEl>
+                                        <p:attrNameLst>
+                                          <p:attrName>style.visibility</p:attrName>
+                                        </p:attrNameLst>
+                                      </p:cBhvr>
+                                      <p:to>
+                                        <p:strVal val="visible"/>
+                                      </p:to>
+                                    </p:set>
+                                    <p:animEffect transition="in" filter="fade">
+                                      <p:cBhvr>
+                                        <p:cTn id="31" dur="500"/>
+                                        <p:tgtEl>
+                                          <p:spTgt spid="3">
+                                            <p:txEl>
+                                              <p:pRg st="6" end="6"/>
+                                            </p:txEl>
+                                          </p:spTgt>
+                                        </p:tgtEl>
+                                      </p:cBhvr>
+                                    </p:animEffect>
+                                  </p:childTnLst>
+                                </p:cTn>
+                              </p:par>
+                              <p:par>
+                                <p:cTn id="32" presetID="10" presetClass="entr" presetSubtype="0" fill="hold" grpId="0" nodeType="withEffect">
+                                  <p:stCondLst>
+                                    <p:cond delay="0"/>
+                                  </p:stCondLst>
+                                  <p:childTnLst>
+                                    <p:set>
+                                      <p:cBhvr>
+                                        <p:cTn id="33" dur="1" fill="hold">
+                                          <p:stCondLst>
+                                            <p:cond delay="0"/>
+                                          </p:stCondLst>
+                                        </p:cTn>
+                                        <p:tgtEl>
+                                          <p:spTgt spid="3">
+                                            <p:txEl>
+                                              <p:pRg st="7" end="7"/>
+                                            </p:txEl>
+                                          </p:spTgt>
+                                        </p:tgtEl>
+                                        <p:attrNameLst>
+                                          <p:attrName>style.visibility</p:attrName>
+                                        </p:attrNameLst>
+                                      </p:cBhvr>
+                                      <p:to>
+                                        <p:strVal val="visible"/>
+                                      </p:to>
+                                    </p:set>
+                                    <p:animEffect transition="in" filter="fade">
+                                      <p:cBhvr>
+                                        <p:cTn id="34" dur="500"/>
+                                        <p:tgtEl>
+                                          <p:spTgt spid="3">
+                                            <p:txEl>
+                                              <p:pRg st="7" end="7"/>
+                                            </p:txEl>
+                                          </p:spTgt>
+                                        </p:tgtEl>
+                                      </p:cBhvr>
+                                    </p:animEffect>
+                                  </p:childTnLst>
+                                </p:cTn>
+                              </p:par>
+                              <p:par>
+                                <p:cTn id="35" presetID="10" presetClass="entr" presetSubtype="0" fill="hold" grpId="0" nodeType="withEffect">
+                                  <p:stCondLst>
+                                    <p:cond delay="0"/>
+                                  </p:stCondLst>
+                                  <p:childTnLst>
+                                    <p:set>
+                                      <p:cBhvr>
+                                        <p:cTn id="36" dur="1" fill="hold">
+                                          <p:stCondLst>
+                                            <p:cond delay="0"/>
+                                          </p:stCondLst>
+                                        </p:cTn>
+                                        <p:tgtEl>
+                                          <p:spTgt spid="3">
+                                            <p:txEl>
+                                              <p:pRg st="8" end="8"/>
+                                            </p:txEl>
+                                          </p:spTgt>
+                                        </p:tgtEl>
+                                        <p:attrNameLst>
+                                          <p:attrName>style.visibility</p:attrName>
+                                        </p:attrNameLst>
+                                      </p:cBhvr>
+                                      <p:to>
+                                        <p:strVal val="visible"/>
+                                      </p:to>
+                                    </p:set>
+                                    <p:animEffect transition="in" filter="fade">
+                                      <p:cBhvr>
+                                        <p:cTn id="37" dur="500"/>
+                                        <p:tgtEl>
+                                          <p:spTgt spid="3">
+                                            <p:txEl>
+                                              <p:pRg st="8" end="8"/>
+                                            </p:txEl>
+                                          </p:spTgt>
+                                        </p:tgtEl>
+                                      </p:cBhvr>
+                                    </p:animEffect>
+                                  </p:childTnLst>
+                                </p:cTn>
+                              </p:par>
+                              <p:par>
+                                <p:cTn id="38" presetID="10" presetClass="entr" presetSubtype="0" fill="hold" grpId="0" nodeType="withEffect">
+                                  <p:stCondLst>
+                                    <p:cond delay="0"/>
+                                  </p:stCondLst>
+                                  <p:childTnLst>
+                                    <p:set>
+                                      <p:cBhvr>
+                                        <p:cTn id="39" dur="1" fill="hold">
+                                          <p:stCondLst>
+                                            <p:cond delay="0"/>
+                                          </p:stCondLst>
+                                        </p:cTn>
+                                        <p:tgtEl>
+                                          <p:spTgt spid="3">
+                                            <p:txEl>
+                                              <p:pRg st="9" end="9"/>
+                                            </p:txEl>
+                                          </p:spTgt>
+                                        </p:tgtEl>
+                                        <p:attrNameLst>
+                                          <p:attrName>style.visibility</p:attrName>
+                                        </p:attrNameLst>
+                                      </p:cBhvr>
+                                      <p:to>
+                                        <p:strVal val="visible"/>
+                                      </p:to>
+                                    </p:set>
+                                    <p:animEffect transition="in" filter="fade">
+                                      <p:cBhvr>
+                                        <p:cTn id="40" dur="500"/>
+                                        <p:tgtEl>
+                                          <p:spTgt spid="3">
+                                            <p:txEl>
+                                              <p:pRg st="9" end="9"/>
+                                            </p:txEl>
+                                          </p:spTgt>
+                                        </p:tgtEl>
+                                      </p:cBhvr>
+                                    </p:animEffect>
+                                  </p:childTnLst>
+                                </p:cTn>
+                              </p:par>
+                              <p:par>
+                                <p:cTn id="41" presetID="10" presetClass="entr" presetSubtype="0" fill="hold" grpId="0" nodeType="withEffect">
+                                  <p:stCondLst>
+                                    <p:cond delay="0"/>
+                                  </p:stCondLst>
+                                  <p:childTnLst>
+                                    <p:set>
+                                      <p:cBhvr>
+                                        <p:cTn id="42" dur="1" fill="hold">
+                                          <p:stCondLst>
+                                            <p:cond delay="0"/>
+                                          </p:stCondLst>
+                                        </p:cTn>
+                                        <p:tgtEl>
+                                          <p:spTgt spid="3">
+                                            <p:txEl>
+                                              <p:pRg st="10" end="10"/>
+                                            </p:txEl>
+                                          </p:spTgt>
+                                        </p:tgtEl>
+                                        <p:attrNameLst>
+                                          <p:attrName>style.visibility</p:attrName>
+                                        </p:attrNameLst>
+                                      </p:cBhvr>
+                                      <p:to>
+                                        <p:strVal val="visible"/>
+                                      </p:to>
+                                    </p:set>
+                                    <p:animEffect transition="in" filter="fade">
+                                      <p:cBhvr>
+                                        <p:cTn id="43" dur="500"/>
+                                        <p:tgtEl>
+                                          <p:spTgt spid="3">
+                                            <p:txEl>
+                                              <p:pRg st="10" end="10"/>
+                                            </p:txEl>
+                                          </p:spTgt>
+                                        </p:tgtEl>
+                                      </p:cBhvr>
+                                    </p:animEffect>
+                                  </p:childTnLst>
+                                </p:cTn>
+                              </p:par>
+                              <p:par>
+                                <p:cTn id="44" presetID="10" presetClass="entr" presetSubtype="0" fill="hold" grpId="0" nodeType="withEffect">
+                                  <p:stCondLst>
+                                    <p:cond delay="0"/>
+                                  </p:stCondLst>
+                                  <p:childTnLst>
+                                    <p:set>
+                                      <p:cBhvr>
+                                        <p:cTn id="45" dur="1" fill="hold">
+                                          <p:stCondLst>
+                                            <p:cond delay="0"/>
+                                          </p:stCondLst>
+                                        </p:cTn>
+                                        <p:tgtEl>
+                                          <p:spTgt spid="3">
+                                            <p:txEl>
+                                              <p:pRg st="11" end="11"/>
+                                            </p:txEl>
+                                          </p:spTgt>
+                                        </p:tgtEl>
+                                        <p:attrNameLst>
+                                          <p:attrName>style.visibility</p:attrName>
+                                        </p:attrNameLst>
+                                      </p:cBhvr>
+                                      <p:to>
+                                        <p:strVal val="visible"/>
+                                      </p:to>
+                                    </p:set>
+                                    <p:animEffect transition="in" filter="fade">
+                                      <p:cBhvr>
+                                        <p:cTn id="46" dur="500"/>
+                                        <p:tgtEl>
+                                          <p:spTgt spid="3">
+                                            <p:txEl>
+                                              <p:pRg st="11" end="11"/>
+                                            </p:txEl>
+                                          </p:spTgt>
+                                        </p:tgtEl>
+                                      </p:cBhvr>
+                                    </p:animEffect>
+                                  </p:childTnLst>
+                                </p:cTn>
+                              </p:par>
+                            </p:childTnLst>
+                          </p:cTn>
+                        </p:par>
+                      </p:childTnLst>
+                    </p:cTn>
+                  </p:par>
+                  <p:par>
+                    <p:cTn id="47" fill="hold">
+                      <p:stCondLst>
+                        <p:cond delay="indefinite"/>
+                      </p:stCondLst>
+                      <p:childTnLst>
+                        <p:par>
+                          <p:cTn id="48" fill="hold">
+                            <p:stCondLst>
+                              <p:cond delay="0"/>
+                            </p:stCondLst>
+                            <p:childTnLst>
+                              <p:par>
+                                <p:cTn id="49" presetID="10" presetClass="entr" presetSubtype="0" fill="hold" grpId="0" nodeType="clickEffect">
+                                  <p:stCondLst>
+                                    <p:cond delay="0"/>
+                                  </p:stCondLst>
+                                  <p:childTnLst>
+                                    <p:set>
+                                      <p:cBhvr>
+                                        <p:cTn id="50" dur="1" fill="hold">
+                                          <p:stCondLst>
+                                            <p:cond delay="0"/>
+                                          </p:stCondLst>
+                                        </p:cTn>
+                                        <p:tgtEl>
+                                          <p:spTgt spid="3">
+                                            <p:txEl>
+                                              <p:pRg st="12" end="12"/>
+                                            </p:txEl>
+                                          </p:spTgt>
+                                        </p:tgtEl>
+                                        <p:attrNameLst>
+                                          <p:attrName>style.visibility</p:attrName>
+                                        </p:attrNameLst>
+                                      </p:cBhvr>
+                                      <p:to>
+                                        <p:strVal val="visible"/>
+                                      </p:to>
+                                    </p:set>
+                                    <p:animEffect transition="in" filter="fade">
+                                      <p:cBhvr>
+                                        <p:cTn id="51" dur="500"/>
+                                        <p:tgtEl>
+                                          <p:spTgt spid="3">
+                                            <p:txEl>
+                                              <p:pRg st="12" end="12"/>
+                                            </p:txEl>
+                                          </p:spTgt>
+                                        </p:tgtEl>
+                                      </p:cBhvr>
+                                    </p:animEffect>
+                                  </p:childTnLst>
+                                </p:cTn>
+                              </p:par>
+                            </p:childTnLst>
+                          </p:cTn>
+                        </p:par>
+                      </p:childTnLst>
+                    </p:cTn>
+                  </p:par>
+                </p:childTnLst>
+              </p:cTn>
+              <p:prevCondLst>
+                <p:cond evt="onPrev" delay="0">
+                  <p:tgtEl>
+                    <p:sldTgt/>
+                  </p:tgtEl>
+                </p:cond>
+              </p:prevCondLst>
+              <p:nextCondLst>
+                <p:cond evt="onNext" delay="0">
+                  <p:tgtEl>
+                    <p:sldTgt/>
+                  </p:tgtEl>
+                </p:cond>
+              </p:nextCondLst>
+            </p:seq>
+          </p:childTnLst>
+        </p:cTn>
+      </p:par>
+    </p:tnLst>
+    <p:bldLst>
+      <p:bldP spid="3" grpId="0" build="p"/>
+    </p:bldLst>
+  </p:timing>
 </p:sld>
 </file>
 
@@ -7948,6 +10735,455 @@
   <p:clrMapOvr>
     <a:masterClrMapping/>
   </p:clrMapOvr>
+  <p:timing>
+    <p:tnLst>
+      <p:par>
+        <p:cTn id="1" dur="indefinite" restart="never" nodeType="tmRoot">
+          <p:childTnLst>
+            <p:seq concurrent="1" nextAc="seek">
+              <p:cTn id="2" dur="indefinite" nodeType="mainSeq">
+                <p:childTnLst>
+                  <p:par>
+                    <p:cTn id="3" fill="hold">
+                      <p:stCondLst>
+                        <p:cond delay="indefinite"/>
+                      </p:stCondLst>
+                      <p:childTnLst>
+                        <p:par>
+                          <p:cTn id="4" fill="hold">
+                            <p:stCondLst>
+                              <p:cond delay="0"/>
+                            </p:stCondLst>
+                            <p:childTnLst>
+                              <p:par>
+                                <p:cTn id="5" presetID="10" presetClass="entr" presetSubtype="0" fill="hold" grpId="0" nodeType="clickEffect">
+                                  <p:stCondLst>
+                                    <p:cond delay="0"/>
+                                  </p:stCondLst>
+                                  <p:childTnLst>
+                                    <p:set>
+                                      <p:cBhvr>
+                                        <p:cTn id="6" dur="1" fill="hold">
+                                          <p:stCondLst>
+                                            <p:cond delay="0"/>
+                                          </p:stCondLst>
+                                        </p:cTn>
+                                        <p:tgtEl>
+                                          <p:spTgt spid="3">
+                                            <p:txEl>
+                                              <p:pRg st="0" end="0"/>
+                                            </p:txEl>
+                                          </p:spTgt>
+                                        </p:tgtEl>
+                                        <p:attrNameLst>
+                                          <p:attrName>style.visibility</p:attrName>
+                                        </p:attrNameLst>
+                                      </p:cBhvr>
+                                      <p:to>
+                                        <p:strVal val="visible"/>
+                                      </p:to>
+                                    </p:set>
+                                    <p:animEffect transition="in" filter="fade">
+                                      <p:cBhvr>
+                                        <p:cTn id="7" dur="500"/>
+                                        <p:tgtEl>
+                                          <p:spTgt spid="3">
+                                            <p:txEl>
+                                              <p:pRg st="0" end="0"/>
+                                            </p:txEl>
+                                          </p:spTgt>
+                                        </p:tgtEl>
+                                      </p:cBhvr>
+                                    </p:animEffect>
+                                  </p:childTnLst>
+                                </p:cTn>
+                              </p:par>
+                            </p:childTnLst>
+                          </p:cTn>
+                        </p:par>
+                      </p:childTnLst>
+                    </p:cTn>
+                  </p:par>
+                  <p:par>
+                    <p:cTn id="8" fill="hold">
+                      <p:stCondLst>
+                        <p:cond delay="indefinite"/>
+                      </p:stCondLst>
+                      <p:childTnLst>
+                        <p:par>
+                          <p:cTn id="9" fill="hold">
+                            <p:stCondLst>
+                              <p:cond delay="0"/>
+                            </p:stCondLst>
+                            <p:childTnLst>
+                              <p:par>
+                                <p:cTn id="10" presetID="10" presetClass="entr" presetSubtype="0" fill="hold" grpId="0" nodeType="clickEffect">
+                                  <p:stCondLst>
+                                    <p:cond delay="0"/>
+                                  </p:stCondLst>
+                                  <p:childTnLst>
+                                    <p:set>
+                                      <p:cBhvr>
+                                        <p:cTn id="11" dur="1" fill="hold">
+                                          <p:stCondLst>
+                                            <p:cond delay="0"/>
+                                          </p:stCondLst>
+                                        </p:cTn>
+                                        <p:tgtEl>
+                                          <p:spTgt spid="3">
+                                            <p:txEl>
+                                              <p:pRg st="1" end="1"/>
+                                            </p:txEl>
+                                          </p:spTgt>
+                                        </p:tgtEl>
+                                        <p:attrNameLst>
+                                          <p:attrName>style.visibility</p:attrName>
+                                        </p:attrNameLst>
+                                      </p:cBhvr>
+                                      <p:to>
+                                        <p:strVal val="visible"/>
+                                      </p:to>
+                                    </p:set>
+                                    <p:animEffect transition="in" filter="fade">
+                                      <p:cBhvr>
+                                        <p:cTn id="12" dur="500"/>
+                                        <p:tgtEl>
+                                          <p:spTgt spid="3">
+                                            <p:txEl>
+                                              <p:pRg st="1" end="1"/>
+                                            </p:txEl>
+                                          </p:spTgt>
+                                        </p:tgtEl>
+                                      </p:cBhvr>
+                                    </p:animEffect>
+                                  </p:childTnLst>
+                                </p:cTn>
+                              </p:par>
+                            </p:childTnLst>
+                          </p:cTn>
+                        </p:par>
+                      </p:childTnLst>
+                    </p:cTn>
+                  </p:par>
+                  <p:par>
+                    <p:cTn id="13" fill="hold">
+                      <p:stCondLst>
+                        <p:cond delay="indefinite"/>
+                      </p:stCondLst>
+                      <p:childTnLst>
+                        <p:par>
+                          <p:cTn id="14" fill="hold">
+                            <p:stCondLst>
+                              <p:cond delay="0"/>
+                            </p:stCondLst>
+                            <p:childTnLst>
+                              <p:par>
+                                <p:cTn id="15" presetID="10" presetClass="entr" presetSubtype="0" fill="hold" grpId="0" nodeType="clickEffect">
+                                  <p:stCondLst>
+                                    <p:cond delay="0"/>
+                                  </p:stCondLst>
+                                  <p:childTnLst>
+                                    <p:set>
+                                      <p:cBhvr>
+                                        <p:cTn id="16" dur="1" fill="hold">
+                                          <p:stCondLst>
+                                            <p:cond delay="0"/>
+                                          </p:stCondLst>
+                                        </p:cTn>
+                                        <p:tgtEl>
+                                          <p:spTgt spid="3">
+                                            <p:txEl>
+                                              <p:pRg st="2" end="2"/>
+                                            </p:txEl>
+                                          </p:spTgt>
+                                        </p:tgtEl>
+                                        <p:attrNameLst>
+                                          <p:attrName>style.visibility</p:attrName>
+                                        </p:attrNameLst>
+                                      </p:cBhvr>
+                                      <p:to>
+                                        <p:strVal val="visible"/>
+                                      </p:to>
+                                    </p:set>
+                                    <p:animEffect transition="in" filter="fade">
+                                      <p:cBhvr>
+                                        <p:cTn id="17" dur="500"/>
+                                        <p:tgtEl>
+                                          <p:spTgt spid="3">
+                                            <p:txEl>
+                                              <p:pRg st="2" end="2"/>
+                                            </p:txEl>
+                                          </p:spTgt>
+                                        </p:tgtEl>
+                                      </p:cBhvr>
+                                    </p:animEffect>
+                                  </p:childTnLst>
+                                </p:cTn>
+                              </p:par>
+                              <p:par>
+                                <p:cTn id="18" presetID="10" presetClass="entr" presetSubtype="0" fill="hold" grpId="0" nodeType="withEffect">
+                                  <p:stCondLst>
+                                    <p:cond delay="0"/>
+                                  </p:stCondLst>
+                                  <p:childTnLst>
+                                    <p:set>
+                                      <p:cBhvr>
+                                        <p:cTn id="19" dur="1" fill="hold">
+                                          <p:stCondLst>
+                                            <p:cond delay="0"/>
+                                          </p:stCondLst>
+                                        </p:cTn>
+                                        <p:tgtEl>
+                                          <p:spTgt spid="3">
+                                            <p:txEl>
+                                              <p:pRg st="3" end="3"/>
+                                            </p:txEl>
+                                          </p:spTgt>
+                                        </p:tgtEl>
+                                        <p:attrNameLst>
+                                          <p:attrName>style.visibility</p:attrName>
+                                        </p:attrNameLst>
+                                      </p:cBhvr>
+                                      <p:to>
+                                        <p:strVal val="visible"/>
+                                      </p:to>
+                                    </p:set>
+                                    <p:animEffect transition="in" filter="fade">
+                                      <p:cBhvr>
+                                        <p:cTn id="20" dur="500"/>
+                                        <p:tgtEl>
+                                          <p:spTgt spid="3">
+                                            <p:txEl>
+                                              <p:pRg st="3" end="3"/>
+                                            </p:txEl>
+                                          </p:spTgt>
+                                        </p:tgtEl>
+                                      </p:cBhvr>
+                                    </p:animEffect>
+                                  </p:childTnLst>
+                                </p:cTn>
+                              </p:par>
+                              <p:par>
+                                <p:cTn id="21" presetID="10" presetClass="entr" presetSubtype="0" fill="hold" grpId="0" nodeType="withEffect">
+                                  <p:stCondLst>
+                                    <p:cond delay="0"/>
+                                  </p:stCondLst>
+                                  <p:childTnLst>
+                                    <p:set>
+                                      <p:cBhvr>
+                                        <p:cTn id="22" dur="1" fill="hold">
+                                          <p:stCondLst>
+                                            <p:cond delay="0"/>
+                                          </p:stCondLst>
+                                        </p:cTn>
+                                        <p:tgtEl>
+                                          <p:spTgt spid="3">
+                                            <p:txEl>
+                                              <p:pRg st="4" end="4"/>
+                                            </p:txEl>
+                                          </p:spTgt>
+                                        </p:tgtEl>
+                                        <p:attrNameLst>
+                                          <p:attrName>style.visibility</p:attrName>
+                                        </p:attrNameLst>
+                                      </p:cBhvr>
+                                      <p:to>
+                                        <p:strVal val="visible"/>
+                                      </p:to>
+                                    </p:set>
+                                    <p:animEffect transition="in" filter="fade">
+                                      <p:cBhvr>
+                                        <p:cTn id="23" dur="500"/>
+                                        <p:tgtEl>
+                                          <p:spTgt spid="3">
+                                            <p:txEl>
+                                              <p:pRg st="4" end="4"/>
+                                            </p:txEl>
+                                          </p:spTgt>
+                                        </p:tgtEl>
+                                      </p:cBhvr>
+                                    </p:animEffect>
+                                  </p:childTnLst>
+                                </p:cTn>
+                              </p:par>
+                              <p:par>
+                                <p:cTn id="24" presetID="10" presetClass="entr" presetSubtype="0" fill="hold" grpId="0" nodeType="withEffect">
+                                  <p:stCondLst>
+                                    <p:cond delay="0"/>
+                                  </p:stCondLst>
+                                  <p:childTnLst>
+                                    <p:set>
+                                      <p:cBhvr>
+                                        <p:cTn id="25" dur="1" fill="hold">
+                                          <p:stCondLst>
+                                            <p:cond delay="0"/>
+                                          </p:stCondLst>
+                                        </p:cTn>
+                                        <p:tgtEl>
+                                          <p:spTgt spid="3">
+                                            <p:txEl>
+                                              <p:pRg st="5" end="5"/>
+                                            </p:txEl>
+                                          </p:spTgt>
+                                        </p:tgtEl>
+                                        <p:attrNameLst>
+                                          <p:attrName>style.visibility</p:attrName>
+                                        </p:attrNameLst>
+                                      </p:cBhvr>
+                                      <p:to>
+                                        <p:strVal val="visible"/>
+                                      </p:to>
+                                    </p:set>
+                                    <p:animEffect transition="in" filter="fade">
+                                      <p:cBhvr>
+                                        <p:cTn id="26" dur="500"/>
+                                        <p:tgtEl>
+                                          <p:spTgt spid="3">
+                                            <p:txEl>
+                                              <p:pRg st="5" end="5"/>
+                                            </p:txEl>
+                                          </p:spTgt>
+                                        </p:tgtEl>
+                                      </p:cBhvr>
+                                    </p:animEffect>
+                                  </p:childTnLst>
+                                </p:cTn>
+                              </p:par>
+                              <p:par>
+                                <p:cTn id="27" presetID="10" presetClass="entr" presetSubtype="0" fill="hold" grpId="0" nodeType="withEffect">
+                                  <p:stCondLst>
+                                    <p:cond delay="0"/>
+                                  </p:stCondLst>
+                                  <p:childTnLst>
+                                    <p:set>
+                                      <p:cBhvr>
+                                        <p:cTn id="28" dur="1" fill="hold">
+                                          <p:stCondLst>
+                                            <p:cond delay="0"/>
+                                          </p:stCondLst>
+                                        </p:cTn>
+                                        <p:tgtEl>
+                                          <p:spTgt spid="3">
+                                            <p:txEl>
+                                              <p:pRg st="6" end="6"/>
+                                            </p:txEl>
+                                          </p:spTgt>
+                                        </p:tgtEl>
+                                        <p:attrNameLst>
+                                          <p:attrName>style.visibility</p:attrName>
+                                        </p:attrNameLst>
+                                      </p:cBhvr>
+                                      <p:to>
+                                        <p:strVal val="visible"/>
+                                      </p:to>
+                                    </p:set>
+                                    <p:animEffect transition="in" filter="fade">
+                                      <p:cBhvr>
+                                        <p:cTn id="29" dur="500"/>
+                                        <p:tgtEl>
+                                          <p:spTgt spid="3">
+                                            <p:txEl>
+                                              <p:pRg st="6" end="6"/>
+                                            </p:txEl>
+                                          </p:spTgt>
+                                        </p:tgtEl>
+                                      </p:cBhvr>
+                                    </p:animEffect>
+                                  </p:childTnLst>
+                                </p:cTn>
+                              </p:par>
+                            </p:childTnLst>
+                          </p:cTn>
+                        </p:par>
+                      </p:childTnLst>
+                    </p:cTn>
+                  </p:par>
+                  <p:par>
+                    <p:cTn id="30" fill="hold">
+                      <p:stCondLst>
+                        <p:cond delay="indefinite"/>
+                      </p:stCondLst>
+                      <p:childTnLst>
+                        <p:par>
+                          <p:cTn id="31" fill="hold">
+                            <p:stCondLst>
+                              <p:cond delay="0"/>
+                            </p:stCondLst>
+                            <p:childTnLst>
+                              <p:par>
+                                <p:cTn id="32" presetID="10" presetClass="entr" presetSubtype="0" fill="hold" grpId="0" nodeType="clickEffect">
+                                  <p:stCondLst>
+                                    <p:cond delay="0"/>
+                                  </p:stCondLst>
+                                  <p:childTnLst>
+                                    <p:set>
+                                      <p:cBhvr>
+                                        <p:cTn id="33" dur="1" fill="hold">
+                                          <p:stCondLst>
+                                            <p:cond delay="0"/>
+                                          </p:stCondLst>
+                                        </p:cTn>
+                                        <p:tgtEl>
+                                          <p:spTgt spid="3">
+                                            <p:txEl>
+                                              <p:pRg st="7" end="7"/>
+                                            </p:txEl>
+                                          </p:spTgt>
+                                        </p:tgtEl>
+                                        <p:attrNameLst>
+                                          <p:attrName>style.visibility</p:attrName>
+                                        </p:attrNameLst>
+                                      </p:cBhvr>
+                                      <p:to>
+                                        <p:strVal val="visible"/>
+                                      </p:to>
+                                    </p:set>
+                                    <p:animEffect transition="in" filter="fade">
+                                      <p:cBhvr>
+                                        <p:cTn id="34" dur="500"/>
+                                        <p:tgtEl>
+                                          <p:spTgt spid="3">
+                                            <p:txEl>
+                                              <p:pRg st="7" end="7"/>
+                                            </p:txEl>
+                                          </p:spTgt>
+                                        </p:tgtEl>
+                                      </p:cBhvr>
+                                    </p:animEffect>
+                                  </p:childTnLst>
+                                </p:cTn>
+                              </p:par>
+                            </p:childTnLst>
+                          </p:cTn>
+                        </p:par>
+                      </p:childTnLst>
+                    </p:cTn>
+                  </p:par>
+                </p:childTnLst>
+              </p:cTn>
+              <p:prevCondLst>
+                <p:cond evt="onPrev" delay="0">
+                  <p:tgtEl>
+                    <p:sldTgt/>
+                  </p:tgtEl>
+                </p:cond>
+              </p:prevCondLst>
+              <p:nextCondLst>
+                <p:cond evt="onNext" delay="0">
+                  <p:tgtEl>
+                    <p:sldTgt/>
+                  </p:tgtEl>
+                </p:cond>
+              </p:nextCondLst>
+            </p:seq>
+          </p:childTnLst>
+        </p:cTn>
+      </p:par>
+    </p:tnLst>
+    <p:bldLst>
+      <p:bldP spid="3" grpId="0" build="p"/>
+    </p:bldLst>
+  </p:timing>
 </p:sld>
 </file>
 
@@ -8011,6 +11247,9 @@
           <a:bodyPr/>
           <a:lstStyle/>
           <a:p>
+            <a:pPr marL="0" indent="0">
+              <a:buNone/>
+            </a:pPr>
             <a:r>
               <a:rPr lang="en-US" smtClean="0"/>
               <a:t>A range for loop can be used on arrays</a:t>
@@ -8108,6 +11347,154 @@
   <p:clrMapOvr>
     <a:masterClrMapping/>
   </p:clrMapOvr>
+  <p:timing>
+    <p:tnLst>
+      <p:par>
+        <p:cTn id="1" dur="indefinite" restart="never" nodeType="tmRoot">
+          <p:childTnLst>
+            <p:seq concurrent="1" nextAc="seek">
+              <p:cTn id="2" dur="indefinite" nodeType="mainSeq">
+                <p:childTnLst>
+                  <p:par>
+                    <p:cTn id="3" fill="hold">
+                      <p:stCondLst>
+                        <p:cond delay="indefinite"/>
+                      </p:stCondLst>
+                      <p:childTnLst>
+                        <p:par>
+                          <p:cTn id="4" fill="hold">
+                            <p:stCondLst>
+                              <p:cond delay="0"/>
+                            </p:stCondLst>
+                            <p:childTnLst>
+                              <p:par>
+                                <p:cTn id="5" presetID="10" presetClass="entr" presetSubtype="0" fill="hold" grpId="0" nodeType="clickEffect">
+                                  <p:stCondLst>
+                                    <p:cond delay="0"/>
+                                  </p:stCondLst>
+                                  <p:childTnLst>
+                                    <p:set>
+                                      <p:cBhvr>
+                                        <p:cTn id="6" dur="1" fill="hold">
+                                          <p:stCondLst>
+                                            <p:cond delay="0"/>
+                                          </p:stCondLst>
+                                        </p:cTn>
+                                        <p:tgtEl>
+                                          <p:spTgt spid="3">
+                                            <p:txEl>
+                                              <p:pRg st="0" end="0"/>
+                                            </p:txEl>
+                                          </p:spTgt>
+                                        </p:tgtEl>
+                                        <p:attrNameLst>
+                                          <p:attrName>style.visibility</p:attrName>
+                                        </p:attrNameLst>
+                                      </p:cBhvr>
+                                      <p:to>
+                                        <p:strVal val="visible"/>
+                                      </p:to>
+                                    </p:set>
+                                    <p:animEffect transition="in" filter="fade">
+                                      <p:cBhvr>
+                                        <p:cTn id="7" dur="500"/>
+                                        <p:tgtEl>
+                                          <p:spTgt spid="3">
+                                            <p:txEl>
+                                              <p:pRg st="0" end="0"/>
+                                            </p:txEl>
+                                          </p:spTgt>
+                                        </p:tgtEl>
+                                      </p:cBhvr>
+                                    </p:animEffect>
+                                  </p:childTnLst>
+                                </p:cTn>
+                              </p:par>
+                            </p:childTnLst>
+                          </p:cTn>
+                        </p:par>
+                      </p:childTnLst>
+                    </p:cTn>
+                  </p:par>
+                  <p:par>
+                    <p:cTn id="8" fill="hold">
+                      <p:stCondLst>
+                        <p:cond delay="indefinite"/>
+                      </p:stCondLst>
+                      <p:childTnLst>
+                        <p:par>
+                          <p:cTn id="9" fill="hold">
+                            <p:stCondLst>
+                              <p:cond delay="0"/>
+                            </p:stCondLst>
+                            <p:childTnLst>
+                              <p:par>
+                                <p:cTn id="10" presetID="10" presetClass="entr" presetSubtype="0" fill="hold" grpId="0" nodeType="clickEffect">
+                                  <p:stCondLst>
+                                    <p:cond delay="0"/>
+                                  </p:stCondLst>
+                                  <p:childTnLst>
+                                    <p:set>
+                                      <p:cBhvr>
+                                        <p:cTn id="11" dur="1" fill="hold">
+                                          <p:stCondLst>
+                                            <p:cond delay="0"/>
+                                          </p:stCondLst>
+                                        </p:cTn>
+                                        <p:tgtEl>
+                                          <p:spTgt spid="4"/>
+                                        </p:tgtEl>
+                                        <p:attrNameLst>
+                                          <p:attrName>style.visibility</p:attrName>
+                                        </p:attrNameLst>
+                                      </p:cBhvr>
+                                      <p:to>
+                                        <p:strVal val="visible"/>
+                                      </p:to>
+                                    </p:set>
+                                    <p:animEffect transition="in" filter="fade">
+                                      <p:cBhvr>
+                                        <p:cTn id="12" dur="500"/>
+                                        <p:tgtEl>
+                                          <p:spTgt spid="4"/>
+                                        </p:tgtEl>
+                                      </p:cBhvr>
+                                    </p:animEffect>
+                                  </p:childTnLst>
+                                </p:cTn>
+                              </p:par>
+                            </p:childTnLst>
+                          </p:cTn>
+                        </p:par>
+                      </p:childTnLst>
+                    </p:cTn>
+                  </p:par>
+                </p:childTnLst>
+              </p:cTn>
+              <p:prevCondLst>
+                <p:cond evt="onPrev" delay="0">
+                  <p:tgtEl>
+                    <p:sldTgt/>
+                  </p:tgtEl>
+                </p:cond>
+              </p:prevCondLst>
+              <p:nextCondLst>
+                <p:cond evt="onNext" delay="0">
+                  <p:tgtEl>
+                    <p:sldTgt/>
+                  </p:tgtEl>
+                </p:cond>
+              </p:nextCondLst>
+            </p:seq>
+          </p:childTnLst>
+        </p:cTn>
+      </p:par>
+    </p:tnLst>
+    <p:bldLst>
+      <p:bldP spid="3" grpId="0" build="p"/>
+      <p:bldP spid="4" grpId="0"/>
+    </p:bldLst>
+  </p:timing>
 </p:sld>
 </file>
 
@@ -8192,25 +11579,21 @@
           <a:p>
             <a:r>
               <a:rPr lang="en-US" smtClean="0"/>
-              <a:t>Character strings</a:t>
-            </a:r>
-          </a:p>
-          <a:p>
+              <a:t>Character </a:t>
+            </a:r>
             <a:r>
               <a:rPr lang="en-US" smtClean="0"/>
-              <a:t>Passing arrays as function parameters</a:t>
+              <a:t>strings</a:t>
             </a:r>
           </a:p>
           <a:p>
             <a:r>
               <a:rPr lang="en-US" smtClean="0"/>
-              <a:t>Functions that return arrays</a:t>
-            </a:r>
-          </a:p>
-          <a:p>
+              <a:t>Advanced </a:t>
+            </a:r>
             <a:r>
               <a:rPr lang="en-US" smtClean="0"/>
-              <a:t>Advanced topics</a:t>
+              <a:t>topics</a:t>
             </a:r>
             <a:endParaRPr lang="en-US"/>
           </a:p>
@@ -8822,6 +12205,254 @@
   <p:clrMapOvr>
     <a:masterClrMapping/>
   </p:clrMapOvr>
+  <p:timing>
+    <p:tnLst>
+      <p:par>
+        <p:cTn id="1" dur="indefinite" restart="never" nodeType="tmRoot">
+          <p:childTnLst>
+            <p:seq concurrent="1" nextAc="seek">
+              <p:cTn id="2" dur="indefinite" nodeType="mainSeq">
+                <p:childTnLst>
+                  <p:par>
+                    <p:cTn id="3" fill="hold">
+                      <p:stCondLst>
+                        <p:cond delay="indefinite"/>
+                      </p:stCondLst>
+                      <p:childTnLst>
+                        <p:par>
+                          <p:cTn id="4" fill="hold">
+                            <p:stCondLst>
+                              <p:cond delay="0"/>
+                            </p:stCondLst>
+                            <p:childTnLst>
+                              <p:par>
+                                <p:cTn id="5" presetID="10" presetClass="entr" presetSubtype="0" fill="hold" grpId="0" nodeType="clickEffect">
+                                  <p:stCondLst>
+                                    <p:cond delay="0"/>
+                                  </p:stCondLst>
+                                  <p:childTnLst>
+                                    <p:set>
+                                      <p:cBhvr>
+                                        <p:cTn id="6" dur="1" fill="hold">
+                                          <p:stCondLst>
+                                            <p:cond delay="0"/>
+                                          </p:stCondLst>
+                                        </p:cTn>
+                                        <p:tgtEl>
+                                          <p:spTgt spid="4"/>
+                                        </p:tgtEl>
+                                        <p:attrNameLst>
+                                          <p:attrName>style.visibility</p:attrName>
+                                        </p:attrNameLst>
+                                      </p:cBhvr>
+                                      <p:to>
+                                        <p:strVal val="visible"/>
+                                      </p:to>
+                                    </p:set>
+                                    <p:animEffect transition="in" filter="fade">
+                                      <p:cBhvr>
+                                        <p:cTn id="7" dur="500"/>
+                                        <p:tgtEl>
+                                          <p:spTgt spid="4"/>
+                                        </p:tgtEl>
+                                      </p:cBhvr>
+                                    </p:animEffect>
+                                  </p:childTnLst>
+                                </p:cTn>
+                              </p:par>
+                            </p:childTnLst>
+                          </p:cTn>
+                        </p:par>
+                      </p:childTnLst>
+                    </p:cTn>
+                  </p:par>
+                  <p:par>
+                    <p:cTn id="8" fill="hold">
+                      <p:stCondLst>
+                        <p:cond delay="indefinite"/>
+                      </p:stCondLst>
+                      <p:childTnLst>
+                        <p:par>
+                          <p:cTn id="9" fill="hold">
+                            <p:stCondLst>
+                              <p:cond delay="0"/>
+                            </p:stCondLst>
+                            <p:childTnLst>
+                              <p:par>
+                                <p:cTn id="10" presetID="10" presetClass="entr" presetSubtype="0" fill="hold" grpId="0" nodeType="clickEffect">
+                                  <p:stCondLst>
+                                    <p:cond delay="0"/>
+                                  </p:stCondLst>
+                                  <p:childTnLst>
+                                    <p:set>
+                                      <p:cBhvr>
+                                        <p:cTn id="11" dur="1" fill="hold">
+                                          <p:stCondLst>
+                                            <p:cond delay="0"/>
+                                          </p:stCondLst>
+                                        </p:cTn>
+                                        <p:tgtEl>
+                                          <p:spTgt spid="5"/>
+                                        </p:tgtEl>
+                                        <p:attrNameLst>
+                                          <p:attrName>style.visibility</p:attrName>
+                                        </p:attrNameLst>
+                                      </p:cBhvr>
+                                      <p:to>
+                                        <p:strVal val="visible"/>
+                                      </p:to>
+                                    </p:set>
+                                    <p:animEffect transition="in" filter="fade">
+                                      <p:cBhvr>
+                                        <p:cTn id="12" dur="500"/>
+                                        <p:tgtEl>
+                                          <p:spTgt spid="5"/>
+                                        </p:tgtEl>
+                                      </p:cBhvr>
+                                    </p:animEffect>
+                                  </p:childTnLst>
+                                </p:cTn>
+                              </p:par>
+                            </p:childTnLst>
+                          </p:cTn>
+                        </p:par>
+                      </p:childTnLst>
+                    </p:cTn>
+                  </p:par>
+                  <p:par>
+                    <p:cTn id="13" fill="hold">
+                      <p:stCondLst>
+                        <p:cond delay="indefinite"/>
+                      </p:stCondLst>
+                      <p:childTnLst>
+                        <p:par>
+                          <p:cTn id="14" fill="hold">
+                            <p:stCondLst>
+                              <p:cond delay="0"/>
+                            </p:stCondLst>
+                            <p:childTnLst>
+                              <p:par>
+                                <p:cTn id="15" presetID="10" presetClass="entr" presetSubtype="0" fill="hold" grpId="0" nodeType="clickEffect">
+                                  <p:stCondLst>
+                                    <p:cond delay="0"/>
+                                  </p:stCondLst>
+                                  <p:childTnLst>
+                                    <p:set>
+                                      <p:cBhvr>
+                                        <p:cTn id="16" dur="1" fill="hold">
+                                          <p:stCondLst>
+                                            <p:cond delay="0"/>
+                                          </p:stCondLst>
+                                        </p:cTn>
+                                        <p:tgtEl>
+                                          <p:spTgt spid="6"/>
+                                        </p:tgtEl>
+                                        <p:attrNameLst>
+                                          <p:attrName>style.visibility</p:attrName>
+                                        </p:attrNameLst>
+                                      </p:cBhvr>
+                                      <p:to>
+                                        <p:strVal val="visible"/>
+                                      </p:to>
+                                    </p:set>
+                                    <p:animEffect transition="in" filter="fade">
+                                      <p:cBhvr>
+                                        <p:cTn id="17" dur="500"/>
+                                        <p:tgtEl>
+                                          <p:spTgt spid="6"/>
+                                        </p:tgtEl>
+                                      </p:cBhvr>
+                                    </p:animEffect>
+                                  </p:childTnLst>
+                                </p:cTn>
+                              </p:par>
+                            </p:childTnLst>
+                          </p:cTn>
+                        </p:par>
+                      </p:childTnLst>
+                    </p:cTn>
+                  </p:par>
+                  <p:par>
+                    <p:cTn id="18" fill="hold">
+                      <p:stCondLst>
+                        <p:cond delay="indefinite"/>
+                      </p:stCondLst>
+                      <p:childTnLst>
+                        <p:par>
+                          <p:cTn id="19" fill="hold">
+                            <p:stCondLst>
+                              <p:cond delay="0"/>
+                            </p:stCondLst>
+                            <p:childTnLst>
+                              <p:par>
+                                <p:cTn id="20" presetID="10" presetClass="entr" presetSubtype="0" fill="hold" grpId="0" nodeType="clickEffect">
+                                  <p:stCondLst>
+                                    <p:cond delay="0"/>
+                                  </p:stCondLst>
+                                  <p:childTnLst>
+                                    <p:set>
+                                      <p:cBhvr>
+                                        <p:cTn id="21" dur="1" fill="hold">
+                                          <p:stCondLst>
+                                            <p:cond delay="0"/>
+                                          </p:stCondLst>
+                                        </p:cTn>
+                                        <p:tgtEl>
+                                          <p:spTgt spid="7"/>
+                                        </p:tgtEl>
+                                        <p:attrNameLst>
+                                          <p:attrName>style.visibility</p:attrName>
+                                        </p:attrNameLst>
+                                      </p:cBhvr>
+                                      <p:to>
+                                        <p:strVal val="visible"/>
+                                      </p:to>
+                                    </p:set>
+                                    <p:animEffect transition="in" filter="fade">
+                                      <p:cBhvr>
+                                        <p:cTn id="22" dur="500"/>
+                                        <p:tgtEl>
+                                          <p:spTgt spid="7"/>
+                                        </p:tgtEl>
+                                      </p:cBhvr>
+                                    </p:animEffect>
+                                  </p:childTnLst>
+                                </p:cTn>
+                              </p:par>
+                            </p:childTnLst>
+                          </p:cTn>
+                        </p:par>
+                      </p:childTnLst>
+                    </p:cTn>
+                  </p:par>
+                </p:childTnLst>
+              </p:cTn>
+              <p:prevCondLst>
+                <p:cond evt="onPrev" delay="0">
+                  <p:tgtEl>
+                    <p:sldTgt/>
+                  </p:tgtEl>
+                </p:cond>
+              </p:prevCondLst>
+              <p:nextCondLst>
+                <p:cond evt="onNext" delay="0">
+                  <p:tgtEl>
+                    <p:sldTgt/>
+                  </p:tgtEl>
+                </p:cond>
+              </p:nextCondLst>
+            </p:seq>
+          </p:childTnLst>
+        </p:cTn>
+      </p:par>
+    </p:tnLst>
+    <p:bldLst>
+      <p:bldP spid="4" grpId="0"/>
+      <p:bldP spid="5" grpId="0"/>
+      <p:bldP spid="6" grpId="0"/>
+      <p:bldP spid="7" grpId="0"/>
+    </p:bldLst>
+  </p:timing>
 </p:sld>
 </file>
 
@@ -9696,6 +13327,982 @@
   <p:clrMapOvr>
     <a:masterClrMapping/>
   </p:clrMapOvr>
+  <p:timing>
+    <p:tnLst>
+      <p:par>
+        <p:cTn id="1" dur="indefinite" restart="never" nodeType="tmRoot">
+          <p:childTnLst>
+            <p:seq concurrent="1" nextAc="seek">
+              <p:cTn id="2" dur="indefinite" nodeType="mainSeq">
+                <p:childTnLst>
+                  <p:par>
+                    <p:cTn id="3" fill="hold">
+                      <p:stCondLst>
+                        <p:cond delay="indefinite"/>
+                      </p:stCondLst>
+                      <p:childTnLst>
+                        <p:par>
+                          <p:cTn id="4" fill="hold">
+                            <p:stCondLst>
+                              <p:cond delay="0"/>
+                            </p:stCondLst>
+                            <p:childTnLst>
+                              <p:par>
+                                <p:cTn id="5" presetID="10" presetClass="entr" presetSubtype="0" fill="hold" grpId="0" nodeType="clickEffect">
+                                  <p:stCondLst>
+                                    <p:cond delay="0"/>
+                                  </p:stCondLst>
+                                  <p:childTnLst>
+                                    <p:set>
+                                      <p:cBhvr>
+                                        <p:cTn id="6" dur="1" fill="hold">
+                                          <p:stCondLst>
+                                            <p:cond delay="0"/>
+                                          </p:stCondLst>
+                                        </p:cTn>
+                                        <p:tgtEl>
+                                          <p:spTgt spid="3">
+                                            <p:txEl>
+                                              <p:pRg st="0" end="0"/>
+                                            </p:txEl>
+                                          </p:spTgt>
+                                        </p:tgtEl>
+                                        <p:attrNameLst>
+                                          <p:attrName>style.visibility</p:attrName>
+                                        </p:attrNameLst>
+                                      </p:cBhvr>
+                                      <p:to>
+                                        <p:strVal val="visible"/>
+                                      </p:to>
+                                    </p:set>
+                                    <p:animEffect transition="in" filter="fade">
+                                      <p:cBhvr>
+                                        <p:cTn id="7" dur="500"/>
+                                        <p:tgtEl>
+                                          <p:spTgt spid="3">
+                                            <p:txEl>
+                                              <p:pRg st="0" end="0"/>
+                                            </p:txEl>
+                                          </p:spTgt>
+                                        </p:tgtEl>
+                                      </p:cBhvr>
+                                    </p:animEffect>
+                                  </p:childTnLst>
+                                </p:cTn>
+                              </p:par>
+                            </p:childTnLst>
+                          </p:cTn>
+                        </p:par>
+                      </p:childTnLst>
+                    </p:cTn>
+                  </p:par>
+                  <p:par>
+                    <p:cTn id="8" fill="hold">
+                      <p:stCondLst>
+                        <p:cond delay="indefinite"/>
+                      </p:stCondLst>
+                      <p:childTnLst>
+                        <p:par>
+                          <p:cTn id="9" fill="hold">
+                            <p:stCondLst>
+                              <p:cond delay="0"/>
+                            </p:stCondLst>
+                            <p:childTnLst>
+                              <p:par>
+                                <p:cTn id="10" presetID="10" presetClass="entr" presetSubtype="0" fill="hold" grpId="0" nodeType="clickEffect">
+                                  <p:stCondLst>
+                                    <p:cond delay="0"/>
+                                  </p:stCondLst>
+                                  <p:childTnLst>
+                                    <p:set>
+                                      <p:cBhvr>
+                                        <p:cTn id="11" dur="1" fill="hold">
+                                          <p:stCondLst>
+                                            <p:cond delay="0"/>
+                                          </p:stCondLst>
+                                        </p:cTn>
+                                        <p:tgtEl>
+                                          <p:spTgt spid="4"/>
+                                        </p:tgtEl>
+                                        <p:attrNameLst>
+                                          <p:attrName>style.visibility</p:attrName>
+                                        </p:attrNameLst>
+                                      </p:cBhvr>
+                                      <p:to>
+                                        <p:strVal val="visible"/>
+                                      </p:to>
+                                    </p:set>
+                                    <p:animEffect transition="in" filter="fade">
+                                      <p:cBhvr>
+                                        <p:cTn id="12" dur="500"/>
+                                        <p:tgtEl>
+                                          <p:spTgt spid="4"/>
+                                        </p:tgtEl>
+                                      </p:cBhvr>
+                                    </p:animEffect>
+                                  </p:childTnLst>
+                                </p:cTn>
+                              </p:par>
+                              <p:par>
+                                <p:cTn id="13" presetID="10" presetClass="entr" presetSubtype="0" fill="hold" grpId="0" nodeType="withEffect">
+                                  <p:stCondLst>
+                                    <p:cond delay="0"/>
+                                  </p:stCondLst>
+                                  <p:childTnLst>
+                                    <p:set>
+                                      <p:cBhvr>
+                                        <p:cTn id="14" dur="1" fill="hold">
+                                          <p:stCondLst>
+                                            <p:cond delay="0"/>
+                                          </p:stCondLst>
+                                        </p:cTn>
+                                        <p:tgtEl>
+                                          <p:spTgt spid="5"/>
+                                        </p:tgtEl>
+                                        <p:attrNameLst>
+                                          <p:attrName>style.visibility</p:attrName>
+                                        </p:attrNameLst>
+                                      </p:cBhvr>
+                                      <p:to>
+                                        <p:strVal val="visible"/>
+                                      </p:to>
+                                    </p:set>
+                                    <p:animEffect transition="in" filter="fade">
+                                      <p:cBhvr>
+                                        <p:cTn id="15" dur="500"/>
+                                        <p:tgtEl>
+                                          <p:spTgt spid="5"/>
+                                        </p:tgtEl>
+                                      </p:cBhvr>
+                                    </p:animEffect>
+                                  </p:childTnLst>
+                                </p:cTn>
+                              </p:par>
+                              <p:par>
+                                <p:cTn id="16" presetID="10" presetClass="entr" presetSubtype="0" fill="hold" grpId="0" nodeType="withEffect">
+                                  <p:stCondLst>
+                                    <p:cond delay="0"/>
+                                  </p:stCondLst>
+                                  <p:childTnLst>
+                                    <p:set>
+                                      <p:cBhvr>
+                                        <p:cTn id="17" dur="1" fill="hold">
+                                          <p:stCondLst>
+                                            <p:cond delay="0"/>
+                                          </p:stCondLst>
+                                        </p:cTn>
+                                        <p:tgtEl>
+                                          <p:spTgt spid="6"/>
+                                        </p:tgtEl>
+                                        <p:attrNameLst>
+                                          <p:attrName>style.visibility</p:attrName>
+                                        </p:attrNameLst>
+                                      </p:cBhvr>
+                                      <p:to>
+                                        <p:strVal val="visible"/>
+                                      </p:to>
+                                    </p:set>
+                                    <p:animEffect transition="in" filter="fade">
+                                      <p:cBhvr>
+                                        <p:cTn id="18" dur="500"/>
+                                        <p:tgtEl>
+                                          <p:spTgt spid="6"/>
+                                        </p:tgtEl>
+                                      </p:cBhvr>
+                                    </p:animEffect>
+                                  </p:childTnLst>
+                                </p:cTn>
+                              </p:par>
+                              <p:par>
+                                <p:cTn id="19" presetID="10" presetClass="entr" presetSubtype="0" fill="hold" grpId="0" nodeType="withEffect">
+                                  <p:stCondLst>
+                                    <p:cond delay="0"/>
+                                  </p:stCondLst>
+                                  <p:childTnLst>
+                                    <p:set>
+                                      <p:cBhvr>
+                                        <p:cTn id="20" dur="1" fill="hold">
+                                          <p:stCondLst>
+                                            <p:cond delay="0"/>
+                                          </p:stCondLst>
+                                        </p:cTn>
+                                        <p:tgtEl>
+                                          <p:spTgt spid="7"/>
+                                        </p:tgtEl>
+                                        <p:attrNameLst>
+                                          <p:attrName>style.visibility</p:attrName>
+                                        </p:attrNameLst>
+                                      </p:cBhvr>
+                                      <p:to>
+                                        <p:strVal val="visible"/>
+                                      </p:to>
+                                    </p:set>
+                                    <p:animEffect transition="in" filter="fade">
+                                      <p:cBhvr>
+                                        <p:cTn id="21" dur="500"/>
+                                        <p:tgtEl>
+                                          <p:spTgt spid="7"/>
+                                        </p:tgtEl>
+                                      </p:cBhvr>
+                                    </p:animEffect>
+                                  </p:childTnLst>
+                                </p:cTn>
+                              </p:par>
+                              <p:par>
+                                <p:cTn id="22" presetID="10" presetClass="entr" presetSubtype="0" fill="hold" grpId="0" nodeType="withEffect">
+                                  <p:stCondLst>
+                                    <p:cond delay="0"/>
+                                  </p:stCondLst>
+                                  <p:childTnLst>
+                                    <p:set>
+                                      <p:cBhvr>
+                                        <p:cTn id="23" dur="1" fill="hold">
+                                          <p:stCondLst>
+                                            <p:cond delay="0"/>
+                                          </p:stCondLst>
+                                        </p:cTn>
+                                        <p:tgtEl>
+                                          <p:spTgt spid="8"/>
+                                        </p:tgtEl>
+                                        <p:attrNameLst>
+                                          <p:attrName>style.visibility</p:attrName>
+                                        </p:attrNameLst>
+                                      </p:cBhvr>
+                                      <p:to>
+                                        <p:strVal val="visible"/>
+                                      </p:to>
+                                    </p:set>
+                                    <p:animEffect transition="in" filter="fade">
+                                      <p:cBhvr>
+                                        <p:cTn id="24" dur="500"/>
+                                        <p:tgtEl>
+                                          <p:spTgt spid="8"/>
+                                        </p:tgtEl>
+                                      </p:cBhvr>
+                                    </p:animEffect>
+                                  </p:childTnLst>
+                                </p:cTn>
+                              </p:par>
+                              <p:par>
+                                <p:cTn id="25" presetID="10" presetClass="entr" presetSubtype="0" fill="hold" grpId="0" nodeType="withEffect">
+                                  <p:stCondLst>
+                                    <p:cond delay="0"/>
+                                  </p:stCondLst>
+                                  <p:childTnLst>
+                                    <p:set>
+                                      <p:cBhvr>
+                                        <p:cTn id="26" dur="1" fill="hold">
+                                          <p:stCondLst>
+                                            <p:cond delay="0"/>
+                                          </p:stCondLst>
+                                        </p:cTn>
+                                        <p:tgtEl>
+                                          <p:spTgt spid="10"/>
+                                        </p:tgtEl>
+                                        <p:attrNameLst>
+                                          <p:attrName>style.visibility</p:attrName>
+                                        </p:attrNameLst>
+                                      </p:cBhvr>
+                                      <p:to>
+                                        <p:strVal val="visible"/>
+                                      </p:to>
+                                    </p:set>
+                                    <p:animEffect transition="in" filter="fade">
+                                      <p:cBhvr>
+                                        <p:cTn id="27" dur="500"/>
+                                        <p:tgtEl>
+                                          <p:spTgt spid="10"/>
+                                        </p:tgtEl>
+                                      </p:cBhvr>
+                                    </p:animEffect>
+                                  </p:childTnLst>
+                                </p:cTn>
+                              </p:par>
+                              <p:par>
+                                <p:cTn id="28" presetID="10" presetClass="entr" presetSubtype="0" fill="hold" grpId="0" nodeType="withEffect">
+                                  <p:stCondLst>
+                                    <p:cond delay="0"/>
+                                  </p:stCondLst>
+                                  <p:childTnLst>
+                                    <p:set>
+                                      <p:cBhvr>
+                                        <p:cTn id="29" dur="1" fill="hold">
+                                          <p:stCondLst>
+                                            <p:cond delay="0"/>
+                                          </p:stCondLst>
+                                        </p:cTn>
+                                        <p:tgtEl>
+                                          <p:spTgt spid="11"/>
+                                        </p:tgtEl>
+                                        <p:attrNameLst>
+                                          <p:attrName>style.visibility</p:attrName>
+                                        </p:attrNameLst>
+                                      </p:cBhvr>
+                                      <p:to>
+                                        <p:strVal val="visible"/>
+                                      </p:to>
+                                    </p:set>
+                                    <p:animEffect transition="in" filter="fade">
+                                      <p:cBhvr>
+                                        <p:cTn id="30" dur="500"/>
+                                        <p:tgtEl>
+                                          <p:spTgt spid="11"/>
+                                        </p:tgtEl>
+                                      </p:cBhvr>
+                                    </p:animEffect>
+                                  </p:childTnLst>
+                                </p:cTn>
+                              </p:par>
+                              <p:par>
+                                <p:cTn id="31" presetID="10" presetClass="entr" presetSubtype="0" fill="hold" grpId="0" nodeType="withEffect">
+                                  <p:stCondLst>
+                                    <p:cond delay="0"/>
+                                  </p:stCondLst>
+                                  <p:childTnLst>
+                                    <p:set>
+                                      <p:cBhvr>
+                                        <p:cTn id="32" dur="1" fill="hold">
+                                          <p:stCondLst>
+                                            <p:cond delay="0"/>
+                                          </p:stCondLst>
+                                        </p:cTn>
+                                        <p:tgtEl>
+                                          <p:spTgt spid="12"/>
+                                        </p:tgtEl>
+                                        <p:attrNameLst>
+                                          <p:attrName>style.visibility</p:attrName>
+                                        </p:attrNameLst>
+                                      </p:cBhvr>
+                                      <p:to>
+                                        <p:strVal val="visible"/>
+                                      </p:to>
+                                    </p:set>
+                                    <p:animEffect transition="in" filter="fade">
+                                      <p:cBhvr>
+                                        <p:cTn id="33" dur="500"/>
+                                        <p:tgtEl>
+                                          <p:spTgt spid="12"/>
+                                        </p:tgtEl>
+                                      </p:cBhvr>
+                                    </p:animEffect>
+                                  </p:childTnLst>
+                                </p:cTn>
+                              </p:par>
+                              <p:par>
+                                <p:cTn id="34" presetID="10" presetClass="entr" presetSubtype="0" fill="hold" grpId="0" nodeType="withEffect">
+                                  <p:stCondLst>
+                                    <p:cond delay="0"/>
+                                  </p:stCondLst>
+                                  <p:childTnLst>
+                                    <p:set>
+                                      <p:cBhvr>
+                                        <p:cTn id="35" dur="1" fill="hold">
+                                          <p:stCondLst>
+                                            <p:cond delay="0"/>
+                                          </p:stCondLst>
+                                        </p:cTn>
+                                        <p:tgtEl>
+                                          <p:spTgt spid="14"/>
+                                        </p:tgtEl>
+                                        <p:attrNameLst>
+                                          <p:attrName>style.visibility</p:attrName>
+                                        </p:attrNameLst>
+                                      </p:cBhvr>
+                                      <p:to>
+                                        <p:strVal val="visible"/>
+                                      </p:to>
+                                    </p:set>
+                                    <p:animEffect transition="in" filter="fade">
+                                      <p:cBhvr>
+                                        <p:cTn id="36" dur="500"/>
+                                        <p:tgtEl>
+                                          <p:spTgt spid="14"/>
+                                        </p:tgtEl>
+                                      </p:cBhvr>
+                                    </p:animEffect>
+                                  </p:childTnLst>
+                                </p:cTn>
+                              </p:par>
+                              <p:par>
+                                <p:cTn id="37" presetID="10" presetClass="entr" presetSubtype="0" fill="hold" grpId="0" nodeType="withEffect">
+                                  <p:stCondLst>
+                                    <p:cond delay="0"/>
+                                  </p:stCondLst>
+                                  <p:childTnLst>
+                                    <p:set>
+                                      <p:cBhvr>
+                                        <p:cTn id="38" dur="1" fill="hold">
+                                          <p:stCondLst>
+                                            <p:cond delay="0"/>
+                                          </p:stCondLst>
+                                        </p:cTn>
+                                        <p:tgtEl>
+                                          <p:spTgt spid="15"/>
+                                        </p:tgtEl>
+                                        <p:attrNameLst>
+                                          <p:attrName>style.visibility</p:attrName>
+                                        </p:attrNameLst>
+                                      </p:cBhvr>
+                                      <p:to>
+                                        <p:strVal val="visible"/>
+                                      </p:to>
+                                    </p:set>
+                                    <p:animEffect transition="in" filter="fade">
+                                      <p:cBhvr>
+                                        <p:cTn id="39" dur="500"/>
+                                        <p:tgtEl>
+                                          <p:spTgt spid="15"/>
+                                        </p:tgtEl>
+                                      </p:cBhvr>
+                                    </p:animEffect>
+                                  </p:childTnLst>
+                                </p:cTn>
+                              </p:par>
+                              <p:par>
+                                <p:cTn id="40" presetID="10" presetClass="entr" presetSubtype="0" fill="hold" grpId="0" nodeType="withEffect">
+                                  <p:stCondLst>
+                                    <p:cond delay="0"/>
+                                  </p:stCondLst>
+                                  <p:childTnLst>
+                                    <p:set>
+                                      <p:cBhvr>
+                                        <p:cTn id="41" dur="1" fill="hold">
+                                          <p:stCondLst>
+                                            <p:cond delay="0"/>
+                                          </p:stCondLst>
+                                        </p:cTn>
+                                        <p:tgtEl>
+                                          <p:spTgt spid="16"/>
+                                        </p:tgtEl>
+                                        <p:attrNameLst>
+                                          <p:attrName>style.visibility</p:attrName>
+                                        </p:attrNameLst>
+                                      </p:cBhvr>
+                                      <p:to>
+                                        <p:strVal val="visible"/>
+                                      </p:to>
+                                    </p:set>
+                                    <p:animEffect transition="in" filter="fade">
+                                      <p:cBhvr>
+                                        <p:cTn id="42" dur="500"/>
+                                        <p:tgtEl>
+                                          <p:spTgt spid="16"/>
+                                        </p:tgtEl>
+                                      </p:cBhvr>
+                                    </p:animEffect>
+                                  </p:childTnLst>
+                                </p:cTn>
+                              </p:par>
+                              <p:par>
+                                <p:cTn id="43" presetID="10" presetClass="entr" presetSubtype="0" fill="hold" grpId="0" nodeType="withEffect">
+                                  <p:stCondLst>
+                                    <p:cond delay="0"/>
+                                  </p:stCondLst>
+                                  <p:childTnLst>
+                                    <p:set>
+                                      <p:cBhvr>
+                                        <p:cTn id="44" dur="1" fill="hold">
+                                          <p:stCondLst>
+                                            <p:cond delay="0"/>
+                                          </p:stCondLst>
+                                        </p:cTn>
+                                        <p:tgtEl>
+                                          <p:spTgt spid="17"/>
+                                        </p:tgtEl>
+                                        <p:attrNameLst>
+                                          <p:attrName>style.visibility</p:attrName>
+                                        </p:attrNameLst>
+                                      </p:cBhvr>
+                                      <p:to>
+                                        <p:strVal val="visible"/>
+                                      </p:to>
+                                    </p:set>
+                                    <p:animEffect transition="in" filter="fade">
+                                      <p:cBhvr>
+                                        <p:cTn id="45" dur="500"/>
+                                        <p:tgtEl>
+                                          <p:spTgt spid="17"/>
+                                        </p:tgtEl>
+                                      </p:cBhvr>
+                                    </p:animEffect>
+                                  </p:childTnLst>
+                                </p:cTn>
+                              </p:par>
+                              <p:par>
+                                <p:cTn id="46" presetID="10" presetClass="entr" presetSubtype="0" fill="hold" grpId="0" nodeType="withEffect">
+                                  <p:stCondLst>
+                                    <p:cond delay="0"/>
+                                  </p:stCondLst>
+                                  <p:childTnLst>
+                                    <p:set>
+                                      <p:cBhvr>
+                                        <p:cTn id="47" dur="1" fill="hold">
+                                          <p:stCondLst>
+                                            <p:cond delay="0"/>
+                                          </p:stCondLst>
+                                        </p:cTn>
+                                        <p:tgtEl>
+                                          <p:spTgt spid="18"/>
+                                        </p:tgtEl>
+                                        <p:attrNameLst>
+                                          <p:attrName>style.visibility</p:attrName>
+                                        </p:attrNameLst>
+                                      </p:cBhvr>
+                                      <p:to>
+                                        <p:strVal val="visible"/>
+                                      </p:to>
+                                    </p:set>
+                                    <p:animEffect transition="in" filter="fade">
+                                      <p:cBhvr>
+                                        <p:cTn id="48" dur="500"/>
+                                        <p:tgtEl>
+                                          <p:spTgt spid="18"/>
+                                        </p:tgtEl>
+                                      </p:cBhvr>
+                                    </p:animEffect>
+                                  </p:childTnLst>
+                                </p:cTn>
+                              </p:par>
+                              <p:par>
+                                <p:cTn id="49" presetID="10" presetClass="entr" presetSubtype="0" fill="hold" grpId="0" nodeType="withEffect">
+                                  <p:stCondLst>
+                                    <p:cond delay="0"/>
+                                  </p:stCondLst>
+                                  <p:childTnLst>
+                                    <p:set>
+                                      <p:cBhvr>
+                                        <p:cTn id="50" dur="1" fill="hold">
+                                          <p:stCondLst>
+                                            <p:cond delay="0"/>
+                                          </p:stCondLst>
+                                        </p:cTn>
+                                        <p:tgtEl>
+                                          <p:spTgt spid="19"/>
+                                        </p:tgtEl>
+                                        <p:attrNameLst>
+                                          <p:attrName>style.visibility</p:attrName>
+                                        </p:attrNameLst>
+                                      </p:cBhvr>
+                                      <p:to>
+                                        <p:strVal val="visible"/>
+                                      </p:to>
+                                    </p:set>
+                                    <p:animEffect transition="in" filter="fade">
+                                      <p:cBhvr>
+                                        <p:cTn id="51" dur="500"/>
+                                        <p:tgtEl>
+                                          <p:spTgt spid="19"/>
+                                        </p:tgtEl>
+                                      </p:cBhvr>
+                                    </p:animEffect>
+                                  </p:childTnLst>
+                                </p:cTn>
+                              </p:par>
+                            </p:childTnLst>
+                          </p:cTn>
+                        </p:par>
+                      </p:childTnLst>
+                    </p:cTn>
+                  </p:par>
+                  <p:par>
+                    <p:cTn id="52" fill="hold">
+                      <p:stCondLst>
+                        <p:cond delay="indefinite"/>
+                      </p:stCondLst>
+                      <p:childTnLst>
+                        <p:par>
+                          <p:cTn id="53" fill="hold">
+                            <p:stCondLst>
+                              <p:cond delay="0"/>
+                            </p:stCondLst>
+                            <p:childTnLst>
+                              <p:par>
+                                <p:cTn id="54" presetID="10" presetClass="entr" presetSubtype="0" fill="hold" grpId="0" nodeType="clickEffect">
+                                  <p:stCondLst>
+                                    <p:cond delay="0"/>
+                                  </p:stCondLst>
+                                  <p:childTnLst>
+                                    <p:set>
+                                      <p:cBhvr>
+                                        <p:cTn id="55" dur="1" fill="hold">
+                                          <p:stCondLst>
+                                            <p:cond delay="0"/>
+                                          </p:stCondLst>
+                                        </p:cTn>
+                                        <p:tgtEl>
+                                          <p:spTgt spid="25"/>
+                                        </p:tgtEl>
+                                        <p:attrNameLst>
+                                          <p:attrName>style.visibility</p:attrName>
+                                        </p:attrNameLst>
+                                      </p:cBhvr>
+                                      <p:to>
+                                        <p:strVal val="visible"/>
+                                      </p:to>
+                                    </p:set>
+                                    <p:animEffect transition="in" filter="fade">
+                                      <p:cBhvr>
+                                        <p:cTn id="56" dur="500"/>
+                                        <p:tgtEl>
+                                          <p:spTgt spid="25"/>
+                                        </p:tgtEl>
+                                      </p:cBhvr>
+                                    </p:animEffect>
+                                  </p:childTnLst>
+                                </p:cTn>
+                              </p:par>
+                              <p:par>
+                                <p:cTn id="57" presetID="10" presetClass="entr" presetSubtype="0" fill="hold" grpId="0" nodeType="withEffect">
+                                  <p:stCondLst>
+                                    <p:cond delay="0"/>
+                                  </p:stCondLst>
+                                  <p:childTnLst>
+                                    <p:set>
+                                      <p:cBhvr>
+                                        <p:cTn id="58" dur="1" fill="hold">
+                                          <p:stCondLst>
+                                            <p:cond delay="0"/>
+                                          </p:stCondLst>
+                                        </p:cTn>
+                                        <p:tgtEl>
+                                          <p:spTgt spid="26"/>
+                                        </p:tgtEl>
+                                        <p:attrNameLst>
+                                          <p:attrName>style.visibility</p:attrName>
+                                        </p:attrNameLst>
+                                      </p:cBhvr>
+                                      <p:to>
+                                        <p:strVal val="visible"/>
+                                      </p:to>
+                                    </p:set>
+                                    <p:animEffect transition="in" filter="fade">
+                                      <p:cBhvr>
+                                        <p:cTn id="59" dur="500"/>
+                                        <p:tgtEl>
+                                          <p:spTgt spid="26"/>
+                                        </p:tgtEl>
+                                      </p:cBhvr>
+                                    </p:animEffect>
+                                  </p:childTnLst>
+                                </p:cTn>
+                              </p:par>
+                            </p:childTnLst>
+                          </p:cTn>
+                        </p:par>
+                      </p:childTnLst>
+                    </p:cTn>
+                  </p:par>
+                  <p:par>
+                    <p:cTn id="60" fill="hold">
+                      <p:stCondLst>
+                        <p:cond delay="indefinite"/>
+                      </p:stCondLst>
+                      <p:childTnLst>
+                        <p:par>
+                          <p:cTn id="61" fill="hold">
+                            <p:stCondLst>
+                              <p:cond delay="0"/>
+                            </p:stCondLst>
+                            <p:childTnLst>
+                              <p:par>
+                                <p:cTn id="62" presetID="10" presetClass="entr" presetSubtype="0" fill="hold" grpId="0" nodeType="clickEffect">
+                                  <p:stCondLst>
+                                    <p:cond delay="0"/>
+                                  </p:stCondLst>
+                                  <p:childTnLst>
+                                    <p:set>
+                                      <p:cBhvr>
+                                        <p:cTn id="63" dur="1" fill="hold">
+                                          <p:stCondLst>
+                                            <p:cond delay="0"/>
+                                          </p:stCondLst>
+                                        </p:cTn>
+                                        <p:tgtEl>
+                                          <p:spTgt spid="21"/>
+                                        </p:tgtEl>
+                                        <p:attrNameLst>
+                                          <p:attrName>style.visibility</p:attrName>
+                                        </p:attrNameLst>
+                                      </p:cBhvr>
+                                      <p:to>
+                                        <p:strVal val="visible"/>
+                                      </p:to>
+                                    </p:set>
+                                    <p:animEffect transition="in" filter="fade">
+                                      <p:cBhvr>
+                                        <p:cTn id="64" dur="500"/>
+                                        <p:tgtEl>
+                                          <p:spTgt spid="21"/>
+                                        </p:tgtEl>
+                                      </p:cBhvr>
+                                    </p:animEffect>
+                                  </p:childTnLst>
+                                </p:cTn>
+                              </p:par>
+                              <p:par>
+                                <p:cTn id="65" presetID="10" presetClass="entr" presetSubtype="0" fill="hold" grpId="0" nodeType="withEffect">
+                                  <p:stCondLst>
+                                    <p:cond delay="0"/>
+                                  </p:stCondLst>
+                                  <p:childTnLst>
+                                    <p:set>
+                                      <p:cBhvr>
+                                        <p:cTn id="66" dur="1" fill="hold">
+                                          <p:stCondLst>
+                                            <p:cond delay="0"/>
+                                          </p:stCondLst>
+                                        </p:cTn>
+                                        <p:tgtEl>
+                                          <p:spTgt spid="24"/>
+                                        </p:tgtEl>
+                                        <p:attrNameLst>
+                                          <p:attrName>style.visibility</p:attrName>
+                                        </p:attrNameLst>
+                                      </p:cBhvr>
+                                      <p:to>
+                                        <p:strVal val="visible"/>
+                                      </p:to>
+                                    </p:set>
+                                    <p:animEffect transition="in" filter="fade">
+                                      <p:cBhvr>
+                                        <p:cTn id="67" dur="500"/>
+                                        <p:tgtEl>
+                                          <p:spTgt spid="24"/>
+                                        </p:tgtEl>
+                                      </p:cBhvr>
+                                    </p:animEffect>
+                                  </p:childTnLst>
+                                </p:cTn>
+                              </p:par>
+                            </p:childTnLst>
+                          </p:cTn>
+                        </p:par>
+                      </p:childTnLst>
+                    </p:cTn>
+                  </p:par>
+                  <p:par>
+                    <p:cTn id="68" fill="hold">
+                      <p:stCondLst>
+                        <p:cond delay="indefinite"/>
+                      </p:stCondLst>
+                      <p:childTnLst>
+                        <p:par>
+                          <p:cTn id="69" fill="hold">
+                            <p:stCondLst>
+                              <p:cond delay="0"/>
+                            </p:stCondLst>
+                            <p:childTnLst>
+                              <p:par>
+                                <p:cTn id="70" presetID="10" presetClass="entr" presetSubtype="0" fill="hold" grpId="0" nodeType="clickEffect">
+                                  <p:stCondLst>
+                                    <p:cond delay="0"/>
+                                  </p:stCondLst>
+                                  <p:childTnLst>
+                                    <p:set>
+                                      <p:cBhvr>
+                                        <p:cTn id="71" dur="1" fill="hold">
+                                          <p:stCondLst>
+                                            <p:cond delay="0"/>
+                                          </p:stCondLst>
+                                        </p:cTn>
+                                        <p:tgtEl>
+                                          <p:spTgt spid="30"/>
+                                        </p:tgtEl>
+                                        <p:attrNameLst>
+                                          <p:attrName>style.visibility</p:attrName>
+                                        </p:attrNameLst>
+                                      </p:cBhvr>
+                                      <p:to>
+                                        <p:strVal val="visible"/>
+                                      </p:to>
+                                    </p:set>
+                                    <p:animEffect transition="in" filter="fade">
+                                      <p:cBhvr>
+                                        <p:cTn id="72" dur="500"/>
+                                        <p:tgtEl>
+                                          <p:spTgt spid="30"/>
+                                        </p:tgtEl>
+                                      </p:cBhvr>
+                                    </p:animEffect>
+                                  </p:childTnLst>
+                                </p:cTn>
+                              </p:par>
+                              <p:par>
+                                <p:cTn id="73" presetID="10" presetClass="entr" presetSubtype="0" fill="hold" grpId="0" nodeType="withEffect">
+                                  <p:stCondLst>
+                                    <p:cond delay="0"/>
+                                  </p:stCondLst>
+                                  <p:childTnLst>
+                                    <p:set>
+                                      <p:cBhvr>
+                                        <p:cTn id="74" dur="1" fill="hold">
+                                          <p:stCondLst>
+                                            <p:cond delay="0"/>
+                                          </p:stCondLst>
+                                        </p:cTn>
+                                        <p:tgtEl>
+                                          <p:spTgt spid="29"/>
+                                        </p:tgtEl>
+                                        <p:attrNameLst>
+                                          <p:attrName>style.visibility</p:attrName>
+                                        </p:attrNameLst>
+                                      </p:cBhvr>
+                                      <p:to>
+                                        <p:strVal val="visible"/>
+                                      </p:to>
+                                    </p:set>
+                                    <p:animEffect transition="in" filter="fade">
+                                      <p:cBhvr>
+                                        <p:cTn id="75" dur="500"/>
+                                        <p:tgtEl>
+                                          <p:spTgt spid="29"/>
+                                        </p:tgtEl>
+                                      </p:cBhvr>
+                                    </p:animEffect>
+                                  </p:childTnLst>
+                                </p:cTn>
+                              </p:par>
+                            </p:childTnLst>
+                          </p:cTn>
+                        </p:par>
+                      </p:childTnLst>
+                    </p:cTn>
+                  </p:par>
+                  <p:par>
+                    <p:cTn id="76" fill="hold">
+                      <p:stCondLst>
+                        <p:cond delay="indefinite"/>
+                      </p:stCondLst>
+                      <p:childTnLst>
+                        <p:par>
+                          <p:cTn id="77" fill="hold">
+                            <p:stCondLst>
+                              <p:cond delay="0"/>
+                            </p:stCondLst>
+                            <p:childTnLst>
+                              <p:par>
+                                <p:cTn id="78" presetID="10" presetClass="entr" presetSubtype="0" fill="hold" grpId="0" nodeType="clickEffect">
+                                  <p:stCondLst>
+                                    <p:cond delay="0"/>
+                                  </p:stCondLst>
+                                  <p:childTnLst>
+                                    <p:set>
+                                      <p:cBhvr>
+                                        <p:cTn id="79" dur="1" fill="hold">
+                                          <p:stCondLst>
+                                            <p:cond delay="0"/>
+                                          </p:stCondLst>
+                                        </p:cTn>
+                                        <p:tgtEl>
+                                          <p:spTgt spid="36"/>
+                                        </p:tgtEl>
+                                        <p:attrNameLst>
+                                          <p:attrName>style.visibility</p:attrName>
+                                        </p:attrNameLst>
+                                      </p:cBhvr>
+                                      <p:to>
+                                        <p:strVal val="visible"/>
+                                      </p:to>
+                                    </p:set>
+                                    <p:animEffect transition="in" filter="fade">
+                                      <p:cBhvr>
+                                        <p:cTn id="80" dur="500"/>
+                                        <p:tgtEl>
+                                          <p:spTgt spid="36"/>
+                                        </p:tgtEl>
+                                      </p:cBhvr>
+                                    </p:animEffect>
+                                  </p:childTnLst>
+                                </p:cTn>
+                              </p:par>
+                              <p:par>
+                                <p:cTn id="81" presetID="10" presetClass="entr" presetSubtype="0" fill="hold" grpId="0" nodeType="withEffect">
+                                  <p:stCondLst>
+                                    <p:cond delay="0"/>
+                                  </p:stCondLst>
+                                  <p:childTnLst>
+                                    <p:set>
+                                      <p:cBhvr>
+                                        <p:cTn id="82" dur="1" fill="hold">
+                                          <p:stCondLst>
+                                            <p:cond delay="0"/>
+                                          </p:stCondLst>
+                                        </p:cTn>
+                                        <p:tgtEl>
+                                          <p:spTgt spid="35"/>
+                                        </p:tgtEl>
+                                        <p:attrNameLst>
+                                          <p:attrName>style.visibility</p:attrName>
+                                        </p:attrNameLst>
+                                      </p:cBhvr>
+                                      <p:to>
+                                        <p:strVal val="visible"/>
+                                      </p:to>
+                                    </p:set>
+                                    <p:animEffect transition="in" filter="fade">
+                                      <p:cBhvr>
+                                        <p:cTn id="83" dur="500"/>
+                                        <p:tgtEl>
+                                          <p:spTgt spid="35"/>
+                                        </p:tgtEl>
+                                      </p:cBhvr>
+                                    </p:animEffect>
+                                  </p:childTnLst>
+                                </p:cTn>
+                              </p:par>
+                            </p:childTnLst>
+                          </p:cTn>
+                        </p:par>
+                      </p:childTnLst>
+                    </p:cTn>
+                  </p:par>
+                </p:childTnLst>
+              </p:cTn>
+              <p:prevCondLst>
+                <p:cond evt="onPrev" delay="0">
+                  <p:tgtEl>
+                    <p:sldTgt/>
+                  </p:tgtEl>
+                </p:cond>
+              </p:prevCondLst>
+              <p:nextCondLst>
+                <p:cond evt="onNext" delay="0">
+                  <p:tgtEl>
+                    <p:sldTgt/>
+                  </p:tgtEl>
+                </p:cond>
+              </p:nextCondLst>
+            </p:seq>
+          </p:childTnLst>
+        </p:cTn>
+      </p:par>
+    </p:tnLst>
+    <p:bldLst>
+      <p:bldP spid="3" grpId="0" build="p"/>
+      <p:bldP spid="4" grpId="0" animBg="1"/>
+      <p:bldP spid="5" grpId="0" animBg="1"/>
+      <p:bldP spid="6" grpId="0" animBg="1"/>
+      <p:bldP spid="7" grpId="0" animBg="1"/>
+      <p:bldP spid="8" grpId="0"/>
+      <p:bldP spid="10" grpId="0"/>
+      <p:bldP spid="11" grpId="0"/>
+      <p:bldP spid="12" grpId="0"/>
+      <p:bldP spid="14" grpId="0"/>
+      <p:bldP spid="15" grpId="0"/>
+      <p:bldP spid="16" grpId="0"/>
+      <p:bldP spid="17" grpId="0"/>
+      <p:bldP spid="18" grpId="0"/>
+      <p:bldP spid="19" grpId="0"/>
+      <p:bldP spid="21" grpId="0" animBg="1"/>
+      <p:bldP spid="24" grpId="0"/>
+      <p:bldP spid="25" grpId="0" animBg="1"/>
+      <p:bldP spid="26" grpId="0"/>
+      <p:bldP spid="29" grpId="0" animBg="1"/>
+      <p:bldP spid="30" grpId="0"/>
+      <p:bldP spid="35" grpId="0" animBg="1"/>
+      <p:bldP spid="36" grpId="0"/>
+    </p:bldLst>
+  </p:timing>
 </p:sld>
 </file>
 
@@ -11564,6 +16171,368 @@
   <p:clrMapOvr>
     <a:masterClrMapping/>
   </p:clrMapOvr>
+  <p:timing>
+    <p:tnLst>
+      <p:par>
+        <p:cTn id="1" dur="indefinite" restart="never" nodeType="tmRoot">
+          <p:childTnLst>
+            <p:seq concurrent="1" nextAc="seek">
+              <p:cTn id="2" dur="indefinite" nodeType="mainSeq">
+                <p:childTnLst>
+                  <p:par>
+                    <p:cTn id="3" fill="hold">
+                      <p:stCondLst>
+                        <p:cond delay="indefinite"/>
+                      </p:stCondLst>
+                      <p:childTnLst>
+                        <p:par>
+                          <p:cTn id="4" fill="hold">
+                            <p:stCondLst>
+                              <p:cond delay="0"/>
+                            </p:stCondLst>
+                            <p:childTnLst>
+                              <p:par>
+                                <p:cTn id="5" presetID="10" presetClass="entr" presetSubtype="0" fill="hold" nodeType="clickEffect">
+                                  <p:stCondLst>
+                                    <p:cond delay="0"/>
+                                  </p:stCondLst>
+                                  <p:childTnLst>
+                                    <p:set>
+                                      <p:cBhvr>
+                                        <p:cTn id="6" dur="1" fill="hold">
+                                          <p:stCondLst>
+                                            <p:cond delay="0"/>
+                                          </p:stCondLst>
+                                        </p:cTn>
+                                        <p:tgtEl>
+                                          <p:spTgt spid="3">
+                                            <p:txEl>
+                                              <p:pRg st="0" end="0"/>
+                                            </p:txEl>
+                                          </p:spTgt>
+                                        </p:tgtEl>
+                                        <p:attrNameLst>
+                                          <p:attrName>style.visibility</p:attrName>
+                                        </p:attrNameLst>
+                                      </p:cBhvr>
+                                      <p:to>
+                                        <p:strVal val="visible"/>
+                                      </p:to>
+                                    </p:set>
+                                    <p:animEffect transition="in" filter="fade">
+                                      <p:cBhvr>
+                                        <p:cTn id="7" dur="500"/>
+                                        <p:tgtEl>
+                                          <p:spTgt spid="3">
+                                            <p:txEl>
+                                              <p:pRg st="0" end="0"/>
+                                            </p:txEl>
+                                          </p:spTgt>
+                                        </p:tgtEl>
+                                      </p:cBhvr>
+                                    </p:animEffect>
+                                  </p:childTnLst>
+                                </p:cTn>
+                              </p:par>
+                            </p:childTnLst>
+                          </p:cTn>
+                        </p:par>
+                      </p:childTnLst>
+                    </p:cTn>
+                  </p:par>
+                  <p:par>
+                    <p:cTn id="8" fill="hold">
+                      <p:stCondLst>
+                        <p:cond delay="indefinite"/>
+                      </p:stCondLst>
+                      <p:childTnLst>
+                        <p:par>
+                          <p:cTn id="9" fill="hold">
+                            <p:stCondLst>
+                              <p:cond delay="0"/>
+                            </p:stCondLst>
+                            <p:childTnLst>
+                              <p:par>
+                                <p:cTn id="10" presetID="10" presetClass="entr" presetSubtype="0" fill="hold" nodeType="clickEffect">
+                                  <p:stCondLst>
+                                    <p:cond delay="0"/>
+                                  </p:stCondLst>
+                                  <p:childTnLst>
+                                    <p:set>
+                                      <p:cBhvr>
+                                        <p:cTn id="11" dur="1" fill="hold">
+                                          <p:stCondLst>
+                                            <p:cond delay="0"/>
+                                          </p:stCondLst>
+                                        </p:cTn>
+                                        <p:tgtEl>
+                                          <p:spTgt spid="3">
+                                            <p:txEl>
+                                              <p:pRg st="1" end="1"/>
+                                            </p:txEl>
+                                          </p:spTgt>
+                                        </p:tgtEl>
+                                        <p:attrNameLst>
+                                          <p:attrName>style.visibility</p:attrName>
+                                        </p:attrNameLst>
+                                      </p:cBhvr>
+                                      <p:to>
+                                        <p:strVal val="visible"/>
+                                      </p:to>
+                                    </p:set>
+                                    <p:animEffect transition="in" filter="fade">
+                                      <p:cBhvr>
+                                        <p:cTn id="12" dur="500"/>
+                                        <p:tgtEl>
+                                          <p:spTgt spid="3">
+                                            <p:txEl>
+                                              <p:pRg st="1" end="1"/>
+                                            </p:txEl>
+                                          </p:spTgt>
+                                        </p:tgtEl>
+                                      </p:cBhvr>
+                                    </p:animEffect>
+                                  </p:childTnLst>
+                                </p:cTn>
+                              </p:par>
+                            </p:childTnLst>
+                          </p:cTn>
+                        </p:par>
+                      </p:childTnLst>
+                    </p:cTn>
+                  </p:par>
+                  <p:par>
+                    <p:cTn id="13" fill="hold">
+                      <p:stCondLst>
+                        <p:cond delay="indefinite"/>
+                      </p:stCondLst>
+                      <p:childTnLst>
+                        <p:par>
+                          <p:cTn id="14" fill="hold">
+                            <p:stCondLst>
+                              <p:cond delay="0"/>
+                            </p:stCondLst>
+                            <p:childTnLst>
+                              <p:par>
+                                <p:cTn id="15" presetID="10" presetClass="entr" presetSubtype="0" fill="hold" nodeType="clickEffect">
+                                  <p:stCondLst>
+                                    <p:cond delay="0"/>
+                                  </p:stCondLst>
+                                  <p:childTnLst>
+                                    <p:set>
+                                      <p:cBhvr>
+                                        <p:cTn id="16" dur="1" fill="hold">
+                                          <p:stCondLst>
+                                            <p:cond delay="0"/>
+                                          </p:stCondLst>
+                                        </p:cTn>
+                                        <p:tgtEl>
+                                          <p:spTgt spid="3">
+                                            <p:txEl>
+                                              <p:pRg st="2" end="2"/>
+                                            </p:txEl>
+                                          </p:spTgt>
+                                        </p:tgtEl>
+                                        <p:attrNameLst>
+                                          <p:attrName>style.visibility</p:attrName>
+                                        </p:attrNameLst>
+                                      </p:cBhvr>
+                                      <p:to>
+                                        <p:strVal val="visible"/>
+                                      </p:to>
+                                    </p:set>
+                                    <p:animEffect transition="in" filter="fade">
+                                      <p:cBhvr>
+                                        <p:cTn id="17" dur="500"/>
+                                        <p:tgtEl>
+                                          <p:spTgt spid="3">
+                                            <p:txEl>
+                                              <p:pRg st="2" end="2"/>
+                                            </p:txEl>
+                                          </p:spTgt>
+                                        </p:tgtEl>
+                                      </p:cBhvr>
+                                    </p:animEffect>
+                                  </p:childTnLst>
+                                </p:cTn>
+                              </p:par>
+                            </p:childTnLst>
+                          </p:cTn>
+                        </p:par>
+                      </p:childTnLst>
+                    </p:cTn>
+                  </p:par>
+                  <p:par>
+                    <p:cTn id="18" fill="hold">
+                      <p:stCondLst>
+                        <p:cond delay="indefinite"/>
+                      </p:stCondLst>
+                      <p:childTnLst>
+                        <p:par>
+                          <p:cTn id="19" fill="hold">
+                            <p:stCondLst>
+                              <p:cond delay="0"/>
+                            </p:stCondLst>
+                            <p:childTnLst>
+                              <p:par>
+                                <p:cTn id="20" presetID="10" presetClass="entr" presetSubtype="0" fill="hold" nodeType="clickEffect">
+                                  <p:stCondLst>
+                                    <p:cond delay="0"/>
+                                  </p:stCondLst>
+                                  <p:childTnLst>
+                                    <p:set>
+                                      <p:cBhvr>
+                                        <p:cTn id="21" dur="1" fill="hold">
+                                          <p:stCondLst>
+                                            <p:cond delay="0"/>
+                                          </p:stCondLst>
+                                        </p:cTn>
+                                        <p:tgtEl>
+                                          <p:spTgt spid="3">
+                                            <p:txEl>
+                                              <p:pRg st="3" end="3"/>
+                                            </p:txEl>
+                                          </p:spTgt>
+                                        </p:tgtEl>
+                                        <p:attrNameLst>
+                                          <p:attrName>style.visibility</p:attrName>
+                                        </p:attrNameLst>
+                                      </p:cBhvr>
+                                      <p:to>
+                                        <p:strVal val="visible"/>
+                                      </p:to>
+                                    </p:set>
+                                    <p:animEffect transition="in" filter="fade">
+                                      <p:cBhvr>
+                                        <p:cTn id="22" dur="500"/>
+                                        <p:tgtEl>
+                                          <p:spTgt spid="3">
+                                            <p:txEl>
+                                              <p:pRg st="3" end="3"/>
+                                            </p:txEl>
+                                          </p:spTgt>
+                                        </p:tgtEl>
+                                      </p:cBhvr>
+                                    </p:animEffect>
+                                  </p:childTnLst>
+                                </p:cTn>
+                              </p:par>
+                            </p:childTnLst>
+                          </p:cTn>
+                        </p:par>
+                      </p:childTnLst>
+                    </p:cTn>
+                  </p:par>
+                  <p:par>
+                    <p:cTn id="23" fill="hold">
+                      <p:stCondLst>
+                        <p:cond delay="indefinite"/>
+                      </p:stCondLst>
+                      <p:childTnLst>
+                        <p:par>
+                          <p:cTn id="24" fill="hold">
+                            <p:stCondLst>
+                              <p:cond delay="0"/>
+                            </p:stCondLst>
+                            <p:childTnLst>
+                              <p:par>
+                                <p:cTn id="25" presetID="10" presetClass="entr" presetSubtype="0" fill="hold" nodeType="clickEffect">
+                                  <p:stCondLst>
+                                    <p:cond delay="0"/>
+                                  </p:stCondLst>
+                                  <p:childTnLst>
+                                    <p:set>
+                                      <p:cBhvr>
+                                        <p:cTn id="26" dur="1" fill="hold">
+                                          <p:stCondLst>
+                                            <p:cond delay="0"/>
+                                          </p:stCondLst>
+                                        </p:cTn>
+                                        <p:tgtEl>
+                                          <p:spTgt spid="4"/>
+                                        </p:tgtEl>
+                                        <p:attrNameLst>
+                                          <p:attrName>style.visibility</p:attrName>
+                                        </p:attrNameLst>
+                                      </p:cBhvr>
+                                      <p:to>
+                                        <p:strVal val="visible"/>
+                                      </p:to>
+                                    </p:set>
+                                    <p:animEffect transition="in" filter="fade">
+                                      <p:cBhvr>
+                                        <p:cTn id="27" dur="500"/>
+                                        <p:tgtEl>
+                                          <p:spTgt spid="4"/>
+                                        </p:tgtEl>
+                                      </p:cBhvr>
+                                    </p:animEffect>
+                                  </p:childTnLst>
+                                </p:cTn>
+                              </p:par>
+                              <p:par>
+                                <p:cTn id="28" presetID="10" presetClass="entr" presetSubtype="0" fill="hold" nodeType="withEffect">
+                                  <p:stCondLst>
+                                    <p:cond delay="0"/>
+                                  </p:stCondLst>
+                                  <p:childTnLst>
+                                    <p:set>
+                                      <p:cBhvr>
+                                        <p:cTn id="29" dur="1" fill="hold">
+                                          <p:stCondLst>
+                                            <p:cond delay="0"/>
+                                          </p:stCondLst>
+                                        </p:cTn>
+                                        <p:tgtEl>
+                                          <p:spTgt spid="32"/>
+                                        </p:tgtEl>
+                                        <p:attrNameLst>
+                                          <p:attrName>style.visibility</p:attrName>
+                                        </p:attrNameLst>
+                                      </p:cBhvr>
+                                      <p:to>
+                                        <p:strVal val="visible"/>
+                                      </p:to>
+                                    </p:set>
+                                    <p:animEffect transition="in" filter="fade">
+                                      <p:cBhvr>
+                                        <p:cTn id="30" dur="500"/>
+                                        <p:tgtEl>
+                                          <p:spTgt spid="32"/>
+                                        </p:tgtEl>
+                                      </p:cBhvr>
+                                    </p:animEffect>
+                                  </p:childTnLst>
+                                </p:cTn>
+                              </p:par>
+                            </p:childTnLst>
+                          </p:cTn>
+                        </p:par>
+                      </p:childTnLst>
+                    </p:cTn>
+                  </p:par>
+                </p:childTnLst>
+              </p:cTn>
+              <p:prevCondLst>
+                <p:cond evt="onPrev" delay="0">
+                  <p:tgtEl>
+                    <p:sldTgt/>
+                  </p:tgtEl>
+                </p:cond>
+              </p:prevCondLst>
+              <p:nextCondLst>
+                <p:cond evt="onNext" delay="0">
+                  <p:tgtEl>
+                    <p:sldTgt/>
+                  </p:tgtEl>
+                </p:cond>
+              </p:nextCondLst>
+            </p:seq>
+          </p:childTnLst>
+        </p:cTn>
+      </p:par>
+    </p:tnLst>
+  </p:timing>
 </p:sld>
 </file>
 
@@ -12399,6 +17368,928 @@
   <p:clrMapOvr>
     <a:masterClrMapping/>
   </p:clrMapOvr>
+  <p:timing>
+    <p:tnLst>
+      <p:par>
+        <p:cTn id="1" dur="indefinite" restart="never" nodeType="tmRoot">
+          <p:childTnLst>
+            <p:seq concurrent="1" nextAc="seek">
+              <p:cTn id="2" dur="indefinite" nodeType="mainSeq">
+                <p:childTnLst>
+                  <p:par>
+                    <p:cTn id="3" fill="hold">
+                      <p:stCondLst>
+                        <p:cond delay="indefinite"/>
+                      </p:stCondLst>
+                      <p:childTnLst>
+                        <p:par>
+                          <p:cTn id="4" fill="hold">
+                            <p:stCondLst>
+                              <p:cond delay="0"/>
+                            </p:stCondLst>
+                            <p:childTnLst>
+                              <p:par>
+                                <p:cTn id="5" presetID="10" presetClass="entr" presetSubtype="0" fill="hold" grpId="0" nodeType="clickEffect">
+                                  <p:stCondLst>
+                                    <p:cond delay="0"/>
+                                  </p:stCondLst>
+                                  <p:childTnLst>
+                                    <p:set>
+                                      <p:cBhvr>
+                                        <p:cTn id="6" dur="1" fill="hold">
+                                          <p:stCondLst>
+                                            <p:cond delay="0"/>
+                                          </p:stCondLst>
+                                        </p:cTn>
+                                        <p:tgtEl>
+                                          <p:spTgt spid="3">
+                                            <p:txEl>
+                                              <p:pRg st="0" end="0"/>
+                                            </p:txEl>
+                                          </p:spTgt>
+                                        </p:tgtEl>
+                                        <p:attrNameLst>
+                                          <p:attrName>style.visibility</p:attrName>
+                                        </p:attrNameLst>
+                                      </p:cBhvr>
+                                      <p:to>
+                                        <p:strVal val="visible"/>
+                                      </p:to>
+                                    </p:set>
+                                    <p:animEffect transition="in" filter="fade">
+                                      <p:cBhvr>
+                                        <p:cTn id="7" dur="500"/>
+                                        <p:tgtEl>
+                                          <p:spTgt spid="3">
+                                            <p:txEl>
+                                              <p:pRg st="0" end="0"/>
+                                            </p:txEl>
+                                          </p:spTgt>
+                                        </p:tgtEl>
+                                      </p:cBhvr>
+                                    </p:animEffect>
+                                  </p:childTnLst>
+                                </p:cTn>
+                              </p:par>
+                            </p:childTnLst>
+                          </p:cTn>
+                        </p:par>
+                      </p:childTnLst>
+                    </p:cTn>
+                  </p:par>
+                  <p:par>
+                    <p:cTn id="8" fill="hold">
+                      <p:stCondLst>
+                        <p:cond delay="indefinite"/>
+                      </p:stCondLst>
+                      <p:childTnLst>
+                        <p:par>
+                          <p:cTn id="9" fill="hold">
+                            <p:stCondLst>
+                              <p:cond delay="0"/>
+                            </p:stCondLst>
+                            <p:childTnLst>
+                              <p:par>
+                                <p:cTn id="10" presetID="10" presetClass="entr" presetSubtype="0" fill="hold" grpId="0" nodeType="clickEffect">
+                                  <p:stCondLst>
+                                    <p:cond delay="0"/>
+                                  </p:stCondLst>
+                                  <p:childTnLst>
+                                    <p:set>
+                                      <p:cBhvr>
+                                        <p:cTn id="11" dur="1" fill="hold">
+                                          <p:stCondLst>
+                                            <p:cond delay="0"/>
+                                          </p:stCondLst>
+                                        </p:cTn>
+                                        <p:tgtEl>
+                                          <p:spTgt spid="4"/>
+                                        </p:tgtEl>
+                                        <p:attrNameLst>
+                                          <p:attrName>style.visibility</p:attrName>
+                                        </p:attrNameLst>
+                                      </p:cBhvr>
+                                      <p:to>
+                                        <p:strVal val="visible"/>
+                                      </p:to>
+                                    </p:set>
+                                    <p:animEffect transition="in" filter="fade">
+                                      <p:cBhvr>
+                                        <p:cTn id="12" dur="500"/>
+                                        <p:tgtEl>
+                                          <p:spTgt spid="4"/>
+                                        </p:tgtEl>
+                                      </p:cBhvr>
+                                    </p:animEffect>
+                                  </p:childTnLst>
+                                </p:cTn>
+                              </p:par>
+                            </p:childTnLst>
+                          </p:cTn>
+                        </p:par>
+                      </p:childTnLst>
+                    </p:cTn>
+                  </p:par>
+                  <p:par>
+                    <p:cTn id="13" fill="hold">
+                      <p:stCondLst>
+                        <p:cond delay="indefinite"/>
+                      </p:stCondLst>
+                      <p:childTnLst>
+                        <p:par>
+                          <p:cTn id="14" fill="hold">
+                            <p:stCondLst>
+                              <p:cond delay="0"/>
+                            </p:stCondLst>
+                            <p:childTnLst>
+                              <p:par>
+                                <p:cTn id="15" presetID="10" presetClass="entr" presetSubtype="0" fill="hold" grpId="0" nodeType="clickEffect">
+                                  <p:stCondLst>
+                                    <p:cond delay="0"/>
+                                  </p:stCondLst>
+                                  <p:childTnLst>
+                                    <p:set>
+                                      <p:cBhvr>
+                                        <p:cTn id="16" dur="1" fill="hold">
+                                          <p:stCondLst>
+                                            <p:cond delay="0"/>
+                                          </p:stCondLst>
+                                        </p:cTn>
+                                        <p:tgtEl>
+                                          <p:spTgt spid="6"/>
+                                        </p:tgtEl>
+                                        <p:attrNameLst>
+                                          <p:attrName>style.visibility</p:attrName>
+                                        </p:attrNameLst>
+                                      </p:cBhvr>
+                                      <p:to>
+                                        <p:strVal val="visible"/>
+                                      </p:to>
+                                    </p:set>
+                                    <p:animEffect transition="in" filter="fade">
+                                      <p:cBhvr>
+                                        <p:cTn id="17" dur="500"/>
+                                        <p:tgtEl>
+                                          <p:spTgt spid="6"/>
+                                        </p:tgtEl>
+                                      </p:cBhvr>
+                                    </p:animEffect>
+                                  </p:childTnLst>
+                                </p:cTn>
+                              </p:par>
+                              <p:par>
+                                <p:cTn id="18" presetID="10" presetClass="entr" presetSubtype="0" fill="hold" grpId="0" nodeType="withEffect">
+                                  <p:stCondLst>
+                                    <p:cond delay="0"/>
+                                  </p:stCondLst>
+                                  <p:childTnLst>
+                                    <p:set>
+                                      <p:cBhvr>
+                                        <p:cTn id="19" dur="1" fill="hold">
+                                          <p:stCondLst>
+                                            <p:cond delay="0"/>
+                                          </p:stCondLst>
+                                        </p:cTn>
+                                        <p:tgtEl>
+                                          <p:spTgt spid="7"/>
+                                        </p:tgtEl>
+                                        <p:attrNameLst>
+                                          <p:attrName>style.visibility</p:attrName>
+                                        </p:attrNameLst>
+                                      </p:cBhvr>
+                                      <p:to>
+                                        <p:strVal val="visible"/>
+                                      </p:to>
+                                    </p:set>
+                                    <p:animEffect transition="in" filter="fade">
+                                      <p:cBhvr>
+                                        <p:cTn id="20" dur="500"/>
+                                        <p:tgtEl>
+                                          <p:spTgt spid="7"/>
+                                        </p:tgtEl>
+                                      </p:cBhvr>
+                                    </p:animEffect>
+                                  </p:childTnLst>
+                                </p:cTn>
+                              </p:par>
+                            </p:childTnLst>
+                          </p:cTn>
+                        </p:par>
+                      </p:childTnLst>
+                    </p:cTn>
+                  </p:par>
+                  <p:par>
+                    <p:cTn id="21" fill="hold">
+                      <p:stCondLst>
+                        <p:cond delay="indefinite"/>
+                      </p:stCondLst>
+                      <p:childTnLst>
+                        <p:par>
+                          <p:cTn id="22" fill="hold">
+                            <p:stCondLst>
+                              <p:cond delay="0"/>
+                            </p:stCondLst>
+                            <p:childTnLst>
+                              <p:par>
+                                <p:cTn id="23" presetID="10" presetClass="entr" presetSubtype="0" fill="hold" grpId="0" nodeType="clickEffect">
+                                  <p:stCondLst>
+                                    <p:cond delay="0"/>
+                                  </p:stCondLst>
+                                  <p:childTnLst>
+                                    <p:set>
+                                      <p:cBhvr>
+                                        <p:cTn id="24" dur="1" fill="hold">
+                                          <p:stCondLst>
+                                            <p:cond delay="0"/>
+                                          </p:stCondLst>
+                                        </p:cTn>
+                                        <p:tgtEl>
+                                          <p:spTgt spid="8"/>
+                                        </p:tgtEl>
+                                        <p:attrNameLst>
+                                          <p:attrName>style.visibility</p:attrName>
+                                        </p:attrNameLst>
+                                      </p:cBhvr>
+                                      <p:to>
+                                        <p:strVal val="visible"/>
+                                      </p:to>
+                                    </p:set>
+                                    <p:animEffect transition="in" filter="fade">
+                                      <p:cBhvr>
+                                        <p:cTn id="25" dur="500"/>
+                                        <p:tgtEl>
+                                          <p:spTgt spid="8"/>
+                                        </p:tgtEl>
+                                      </p:cBhvr>
+                                    </p:animEffect>
+                                  </p:childTnLst>
+                                </p:cTn>
+                              </p:par>
+                              <p:par>
+                                <p:cTn id="26" presetID="10" presetClass="entr" presetSubtype="0" fill="hold" grpId="0" nodeType="withEffect">
+                                  <p:stCondLst>
+                                    <p:cond delay="0"/>
+                                  </p:stCondLst>
+                                  <p:childTnLst>
+                                    <p:set>
+                                      <p:cBhvr>
+                                        <p:cTn id="27" dur="1" fill="hold">
+                                          <p:stCondLst>
+                                            <p:cond delay="0"/>
+                                          </p:stCondLst>
+                                        </p:cTn>
+                                        <p:tgtEl>
+                                          <p:spTgt spid="9"/>
+                                        </p:tgtEl>
+                                        <p:attrNameLst>
+                                          <p:attrName>style.visibility</p:attrName>
+                                        </p:attrNameLst>
+                                      </p:cBhvr>
+                                      <p:to>
+                                        <p:strVal val="visible"/>
+                                      </p:to>
+                                    </p:set>
+                                    <p:animEffect transition="in" filter="fade">
+                                      <p:cBhvr>
+                                        <p:cTn id="28" dur="500"/>
+                                        <p:tgtEl>
+                                          <p:spTgt spid="9"/>
+                                        </p:tgtEl>
+                                      </p:cBhvr>
+                                    </p:animEffect>
+                                  </p:childTnLst>
+                                </p:cTn>
+                              </p:par>
+                            </p:childTnLst>
+                          </p:cTn>
+                        </p:par>
+                      </p:childTnLst>
+                    </p:cTn>
+                  </p:par>
+                  <p:par>
+                    <p:cTn id="29" fill="hold">
+                      <p:stCondLst>
+                        <p:cond delay="indefinite"/>
+                      </p:stCondLst>
+                      <p:childTnLst>
+                        <p:par>
+                          <p:cTn id="30" fill="hold">
+                            <p:stCondLst>
+                              <p:cond delay="0"/>
+                            </p:stCondLst>
+                            <p:childTnLst>
+                              <p:par>
+                                <p:cTn id="31" presetID="10" presetClass="entr" presetSubtype="0" fill="hold" grpId="0" nodeType="clickEffect">
+                                  <p:stCondLst>
+                                    <p:cond delay="0"/>
+                                  </p:stCondLst>
+                                  <p:childTnLst>
+                                    <p:set>
+                                      <p:cBhvr>
+                                        <p:cTn id="32" dur="1" fill="hold">
+                                          <p:stCondLst>
+                                            <p:cond delay="0"/>
+                                          </p:stCondLst>
+                                        </p:cTn>
+                                        <p:tgtEl>
+                                          <p:spTgt spid="10"/>
+                                        </p:tgtEl>
+                                        <p:attrNameLst>
+                                          <p:attrName>style.visibility</p:attrName>
+                                        </p:attrNameLst>
+                                      </p:cBhvr>
+                                      <p:to>
+                                        <p:strVal val="visible"/>
+                                      </p:to>
+                                    </p:set>
+                                    <p:animEffect transition="in" filter="fade">
+                                      <p:cBhvr>
+                                        <p:cTn id="33" dur="500"/>
+                                        <p:tgtEl>
+                                          <p:spTgt spid="10"/>
+                                        </p:tgtEl>
+                                      </p:cBhvr>
+                                    </p:animEffect>
+                                  </p:childTnLst>
+                                </p:cTn>
+                              </p:par>
+                              <p:par>
+                                <p:cTn id="34" presetID="10" presetClass="entr" presetSubtype="0" fill="hold" grpId="0" nodeType="withEffect">
+                                  <p:stCondLst>
+                                    <p:cond delay="0"/>
+                                  </p:stCondLst>
+                                  <p:childTnLst>
+                                    <p:set>
+                                      <p:cBhvr>
+                                        <p:cTn id="35" dur="1" fill="hold">
+                                          <p:stCondLst>
+                                            <p:cond delay="0"/>
+                                          </p:stCondLst>
+                                        </p:cTn>
+                                        <p:tgtEl>
+                                          <p:spTgt spid="11"/>
+                                        </p:tgtEl>
+                                        <p:attrNameLst>
+                                          <p:attrName>style.visibility</p:attrName>
+                                        </p:attrNameLst>
+                                      </p:cBhvr>
+                                      <p:to>
+                                        <p:strVal val="visible"/>
+                                      </p:to>
+                                    </p:set>
+                                    <p:animEffect transition="in" filter="fade">
+                                      <p:cBhvr>
+                                        <p:cTn id="36" dur="500"/>
+                                        <p:tgtEl>
+                                          <p:spTgt spid="11"/>
+                                        </p:tgtEl>
+                                      </p:cBhvr>
+                                    </p:animEffect>
+                                  </p:childTnLst>
+                                </p:cTn>
+                              </p:par>
+                            </p:childTnLst>
+                          </p:cTn>
+                        </p:par>
+                      </p:childTnLst>
+                    </p:cTn>
+                  </p:par>
+                  <p:par>
+                    <p:cTn id="37" fill="hold">
+                      <p:stCondLst>
+                        <p:cond delay="indefinite"/>
+                      </p:stCondLst>
+                      <p:childTnLst>
+                        <p:par>
+                          <p:cTn id="38" fill="hold">
+                            <p:stCondLst>
+                              <p:cond delay="0"/>
+                            </p:stCondLst>
+                            <p:childTnLst>
+                              <p:par>
+                                <p:cTn id="39" presetID="10" presetClass="entr" presetSubtype="0" fill="hold" grpId="0" nodeType="clickEffect">
+                                  <p:stCondLst>
+                                    <p:cond delay="0"/>
+                                  </p:stCondLst>
+                                  <p:childTnLst>
+                                    <p:set>
+                                      <p:cBhvr>
+                                        <p:cTn id="40" dur="1" fill="hold">
+                                          <p:stCondLst>
+                                            <p:cond delay="0"/>
+                                          </p:stCondLst>
+                                        </p:cTn>
+                                        <p:tgtEl>
+                                          <p:spTgt spid="20"/>
+                                        </p:tgtEl>
+                                        <p:attrNameLst>
+                                          <p:attrName>style.visibility</p:attrName>
+                                        </p:attrNameLst>
+                                      </p:cBhvr>
+                                      <p:to>
+                                        <p:strVal val="visible"/>
+                                      </p:to>
+                                    </p:set>
+                                    <p:animEffect transition="in" filter="fade">
+                                      <p:cBhvr>
+                                        <p:cTn id="41" dur="500"/>
+                                        <p:tgtEl>
+                                          <p:spTgt spid="20"/>
+                                        </p:tgtEl>
+                                      </p:cBhvr>
+                                    </p:animEffect>
+                                  </p:childTnLst>
+                                </p:cTn>
+                              </p:par>
+                              <p:par>
+                                <p:cTn id="42" presetID="10" presetClass="entr" presetSubtype="0" fill="hold" grpId="0" nodeType="withEffect">
+                                  <p:stCondLst>
+                                    <p:cond delay="0"/>
+                                  </p:stCondLst>
+                                  <p:childTnLst>
+                                    <p:set>
+                                      <p:cBhvr>
+                                        <p:cTn id="43" dur="1" fill="hold">
+                                          <p:stCondLst>
+                                            <p:cond delay="0"/>
+                                          </p:stCondLst>
+                                        </p:cTn>
+                                        <p:tgtEl>
+                                          <p:spTgt spid="21"/>
+                                        </p:tgtEl>
+                                        <p:attrNameLst>
+                                          <p:attrName>style.visibility</p:attrName>
+                                        </p:attrNameLst>
+                                      </p:cBhvr>
+                                      <p:to>
+                                        <p:strVal val="visible"/>
+                                      </p:to>
+                                    </p:set>
+                                    <p:animEffect transition="in" filter="fade">
+                                      <p:cBhvr>
+                                        <p:cTn id="44" dur="500"/>
+                                        <p:tgtEl>
+                                          <p:spTgt spid="21"/>
+                                        </p:tgtEl>
+                                      </p:cBhvr>
+                                    </p:animEffect>
+                                  </p:childTnLst>
+                                </p:cTn>
+                              </p:par>
+                            </p:childTnLst>
+                          </p:cTn>
+                        </p:par>
+                      </p:childTnLst>
+                    </p:cTn>
+                  </p:par>
+                  <p:par>
+                    <p:cTn id="45" fill="hold">
+                      <p:stCondLst>
+                        <p:cond delay="indefinite"/>
+                      </p:stCondLst>
+                      <p:childTnLst>
+                        <p:par>
+                          <p:cTn id="46" fill="hold">
+                            <p:stCondLst>
+                              <p:cond delay="0"/>
+                            </p:stCondLst>
+                            <p:childTnLst>
+                              <p:par>
+                                <p:cTn id="47" presetID="10" presetClass="entr" presetSubtype="0" fill="hold" grpId="0" nodeType="clickEffect">
+                                  <p:stCondLst>
+                                    <p:cond delay="0"/>
+                                  </p:stCondLst>
+                                  <p:childTnLst>
+                                    <p:set>
+                                      <p:cBhvr>
+                                        <p:cTn id="48" dur="1" fill="hold">
+                                          <p:stCondLst>
+                                            <p:cond delay="0"/>
+                                          </p:stCondLst>
+                                        </p:cTn>
+                                        <p:tgtEl>
+                                          <p:spTgt spid="5"/>
+                                        </p:tgtEl>
+                                        <p:attrNameLst>
+                                          <p:attrName>style.visibility</p:attrName>
+                                        </p:attrNameLst>
+                                      </p:cBhvr>
+                                      <p:to>
+                                        <p:strVal val="visible"/>
+                                      </p:to>
+                                    </p:set>
+                                    <p:animEffect transition="in" filter="fade">
+                                      <p:cBhvr>
+                                        <p:cTn id="49" dur="500"/>
+                                        <p:tgtEl>
+                                          <p:spTgt spid="5"/>
+                                        </p:tgtEl>
+                                      </p:cBhvr>
+                                    </p:animEffect>
+                                  </p:childTnLst>
+                                </p:cTn>
+                              </p:par>
+                            </p:childTnLst>
+                          </p:cTn>
+                        </p:par>
+                      </p:childTnLst>
+                    </p:cTn>
+                  </p:par>
+                  <p:par>
+                    <p:cTn id="50" fill="hold">
+                      <p:stCondLst>
+                        <p:cond delay="indefinite"/>
+                      </p:stCondLst>
+                      <p:childTnLst>
+                        <p:par>
+                          <p:cTn id="51" fill="hold">
+                            <p:stCondLst>
+                              <p:cond delay="0"/>
+                            </p:stCondLst>
+                            <p:childTnLst>
+                              <p:par>
+                                <p:cTn id="52" presetID="10" presetClass="entr" presetSubtype="0" fill="hold" grpId="0" nodeType="clickEffect">
+                                  <p:stCondLst>
+                                    <p:cond delay="0"/>
+                                  </p:stCondLst>
+                                  <p:childTnLst>
+                                    <p:set>
+                                      <p:cBhvr>
+                                        <p:cTn id="53" dur="1" fill="hold">
+                                          <p:stCondLst>
+                                            <p:cond delay="0"/>
+                                          </p:stCondLst>
+                                        </p:cTn>
+                                        <p:tgtEl>
+                                          <p:spTgt spid="12"/>
+                                        </p:tgtEl>
+                                        <p:attrNameLst>
+                                          <p:attrName>style.visibility</p:attrName>
+                                        </p:attrNameLst>
+                                      </p:cBhvr>
+                                      <p:to>
+                                        <p:strVal val="visible"/>
+                                      </p:to>
+                                    </p:set>
+                                    <p:animEffect transition="in" filter="fade">
+                                      <p:cBhvr>
+                                        <p:cTn id="54" dur="500"/>
+                                        <p:tgtEl>
+                                          <p:spTgt spid="12"/>
+                                        </p:tgtEl>
+                                      </p:cBhvr>
+                                    </p:animEffect>
+                                  </p:childTnLst>
+                                </p:cTn>
+                              </p:par>
+                              <p:par>
+                                <p:cTn id="55" presetID="10" presetClass="entr" presetSubtype="0" fill="hold" grpId="0" nodeType="withEffect">
+                                  <p:stCondLst>
+                                    <p:cond delay="0"/>
+                                  </p:stCondLst>
+                                  <p:childTnLst>
+                                    <p:set>
+                                      <p:cBhvr>
+                                        <p:cTn id="56" dur="1" fill="hold">
+                                          <p:stCondLst>
+                                            <p:cond delay="0"/>
+                                          </p:stCondLst>
+                                        </p:cTn>
+                                        <p:tgtEl>
+                                          <p:spTgt spid="13"/>
+                                        </p:tgtEl>
+                                        <p:attrNameLst>
+                                          <p:attrName>style.visibility</p:attrName>
+                                        </p:attrNameLst>
+                                      </p:cBhvr>
+                                      <p:to>
+                                        <p:strVal val="visible"/>
+                                      </p:to>
+                                    </p:set>
+                                    <p:animEffect transition="in" filter="fade">
+                                      <p:cBhvr>
+                                        <p:cTn id="57" dur="500"/>
+                                        <p:tgtEl>
+                                          <p:spTgt spid="13"/>
+                                        </p:tgtEl>
+                                      </p:cBhvr>
+                                    </p:animEffect>
+                                  </p:childTnLst>
+                                </p:cTn>
+                              </p:par>
+                            </p:childTnLst>
+                          </p:cTn>
+                        </p:par>
+                      </p:childTnLst>
+                    </p:cTn>
+                  </p:par>
+                  <p:par>
+                    <p:cTn id="58" fill="hold">
+                      <p:stCondLst>
+                        <p:cond delay="indefinite"/>
+                      </p:stCondLst>
+                      <p:childTnLst>
+                        <p:par>
+                          <p:cTn id="59" fill="hold">
+                            <p:stCondLst>
+                              <p:cond delay="0"/>
+                            </p:stCondLst>
+                            <p:childTnLst>
+                              <p:par>
+                                <p:cTn id="60" presetID="10" presetClass="entr" presetSubtype="0" fill="hold" grpId="0" nodeType="clickEffect">
+                                  <p:stCondLst>
+                                    <p:cond delay="0"/>
+                                  </p:stCondLst>
+                                  <p:childTnLst>
+                                    <p:set>
+                                      <p:cBhvr>
+                                        <p:cTn id="61" dur="1" fill="hold">
+                                          <p:stCondLst>
+                                            <p:cond delay="0"/>
+                                          </p:stCondLst>
+                                        </p:cTn>
+                                        <p:tgtEl>
+                                          <p:spTgt spid="16"/>
+                                        </p:tgtEl>
+                                        <p:attrNameLst>
+                                          <p:attrName>style.visibility</p:attrName>
+                                        </p:attrNameLst>
+                                      </p:cBhvr>
+                                      <p:to>
+                                        <p:strVal val="visible"/>
+                                      </p:to>
+                                    </p:set>
+                                    <p:animEffect transition="in" filter="fade">
+                                      <p:cBhvr>
+                                        <p:cTn id="62" dur="500"/>
+                                        <p:tgtEl>
+                                          <p:spTgt spid="16"/>
+                                        </p:tgtEl>
+                                      </p:cBhvr>
+                                    </p:animEffect>
+                                  </p:childTnLst>
+                                </p:cTn>
+                              </p:par>
+                              <p:par>
+                                <p:cTn id="63" presetID="10" presetClass="entr" presetSubtype="0" fill="hold" grpId="0" nodeType="withEffect">
+                                  <p:stCondLst>
+                                    <p:cond delay="0"/>
+                                  </p:stCondLst>
+                                  <p:childTnLst>
+                                    <p:set>
+                                      <p:cBhvr>
+                                        <p:cTn id="64" dur="1" fill="hold">
+                                          <p:stCondLst>
+                                            <p:cond delay="0"/>
+                                          </p:stCondLst>
+                                        </p:cTn>
+                                        <p:tgtEl>
+                                          <p:spTgt spid="17"/>
+                                        </p:tgtEl>
+                                        <p:attrNameLst>
+                                          <p:attrName>style.visibility</p:attrName>
+                                        </p:attrNameLst>
+                                      </p:cBhvr>
+                                      <p:to>
+                                        <p:strVal val="visible"/>
+                                      </p:to>
+                                    </p:set>
+                                    <p:animEffect transition="in" filter="fade">
+                                      <p:cBhvr>
+                                        <p:cTn id="65" dur="500"/>
+                                        <p:tgtEl>
+                                          <p:spTgt spid="17"/>
+                                        </p:tgtEl>
+                                      </p:cBhvr>
+                                    </p:animEffect>
+                                  </p:childTnLst>
+                                </p:cTn>
+                              </p:par>
+                            </p:childTnLst>
+                          </p:cTn>
+                        </p:par>
+                      </p:childTnLst>
+                    </p:cTn>
+                  </p:par>
+                  <p:par>
+                    <p:cTn id="66" fill="hold">
+                      <p:stCondLst>
+                        <p:cond delay="indefinite"/>
+                      </p:stCondLst>
+                      <p:childTnLst>
+                        <p:par>
+                          <p:cTn id="67" fill="hold">
+                            <p:stCondLst>
+                              <p:cond delay="0"/>
+                            </p:stCondLst>
+                            <p:childTnLst>
+                              <p:par>
+                                <p:cTn id="68" presetID="10" presetClass="entr" presetSubtype="0" fill="hold" grpId="0" nodeType="clickEffect">
+                                  <p:stCondLst>
+                                    <p:cond delay="0"/>
+                                  </p:stCondLst>
+                                  <p:childTnLst>
+                                    <p:set>
+                                      <p:cBhvr>
+                                        <p:cTn id="69" dur="1" fill="hold">
+                                          <p:stCondLst>
+                                            <p:cond delay="0"/>
+                                          </p:stCondLst>
+                                        </p:cTn>
+                                        <p:tgtEl>
+                                          <p:spTgt spid="18"/>
+                                        </p:tgtEl>
+                                        <p:attrNameLst>
+                                          <p:attrName>style.visibility</p:attrName>
+                                        </p:attrNameLst>
+                                      </p:cBhvr>
+                                      <p:to>
+                                        <p:strVal val="visible"/>
+                                      </p:to>
+                                    </p:set>
+                                    <p:animEffect transition="in" filter="fade">
+                                      <p:cBhvr>
+                                        <p:cTn id="70" dur="500"/>
+                                        <p:tgtEl>
+                                          <p:spTgt spid="18"/>
+                                        </p:tgtEl>
+                                      </p:cBhvr>
+                                    </p:animEffect>
+                                  </p:childTnLst>
+                                </p:cTn>
+                              </p:par>
+                              <p:par>
+                                <p:cTn id="71" presetID="10" presetClass="entr" presetSubtype="0" fill="hold" grpId="0" nodeType="withEffect">
+                                  <p:stCondLst>
+                                    <p:cond delay="0"/>
+                                  </p:stCondLst>
+                                  <p:childTnLst>
+                                    <p:set>
+                                      <p:cBhvr>
+                                        <p:cTn id="72" dur="1" fill="hold">
+                                          <p:stCondLst>
+                                            <p:cond delay="0"/>
+                                          </p:stCondLst>
+                                        </p:cTn>
+                                        <p:tgtEl>
+                                          <p:spTgt spid="19"/>
+                                        </p:tgtEl>
+                                        <p:attrNameLst>
+                                          <p:attrName>style.visibility</p:attrName>
+                                        </p:attrNameLst>
+                                      </p:cBhvr>
+                                      <p:to>
+                                        <p:strVal val="visible"/>
+                                      </p:to>
+                                    </p:set>
+                                    <p:animEffect transition="in" filter="fade">
+                                      <p:cBhvr>
+                                        <p:cTn id="73" dur="500"/>
+                                        <p:tgtEl>
+                                          <p:spTgt spid="19"/>
+                                        </p:tgtEl>
+                                      </p:cBhvr>
+                                    </p:animEffect>
+                                  </p:childTnLst>
+                                </p:cTn>
+                              </p:par>
+                            </p:childTnLst>
+                          </p:cTn>
+                        </p:par>
+                      </p:childTnLst>
+                    </p:cTn>
+                  </p:par>
+                  <p:par>
+                    <p:cTn id="74" fill="hold">
+                      <p:stCondLst>
+                        <p:cond delay="indefinite"/>
+                      </p:stCondLst>
+                      <p:childTnLst>
+                        <p:par>
+                          <p:cTn id="75" fill="hold">
+                            <p:stCondLst>
+                              <p:cond delay="0"/>
+                            </p:stCondLst>
+                            <p:childTnLst>
+                              <p:par>
+                                <p:cTn id="76" presetID="10" presetClass="entr" presetSubtype="0" fill="hold" grpId="0" nodeType="clickEffect">
+                                  <p:stCondLst>
+                                    <p:cond delay="0"/>
+                                  </p:stCondLst>
+                                  <p:childTnLst>
+                                    <p:set>
+                                      <p:cBhvr>
+                                        <p:cTn id="77" dur="1" fill="hold">
+                                          <p:stCondLst>
+                                            <p:cond delay="0"/>
+                                          </p:stCondLst>
+                                        </p:cTn>
+                                        <p:tgtEl>
+                                          <p:spTgt spid="22"/>
+                                        </p:tgtEl>
+                                        <p:attrNameLst>
+                                          <p:attrName>style.visibility</p:attrName>
+                                        </p:attrNameLst>
+                                      </p:cBhvr>
+                                      <p:to>
+                                        <p:strVal val="visible"/>
+                                      </p:to>
+                                    </p:set>
+                                    <p:animEffect transition="in" filter="fade">
+                                      <p:cBhvr>
+                                        <p:cTn id="78" dur="500"/>
+                                        <p:tgtEl>
+                                          <p:spTgt spid="22"/>
+                                        </p:tgtEl>
+                                      </p:cBhvr>
+                                    </p:animEffect>
+                                  </p:childTnLst>
+                                </p:cTn>
+                              </p:par>
+                              <p:par>
+                                <p:cTn id="79" presetID="10" presetClass="entr" presetSubtype="0" fill="hold" grpId="0" nodeType="withEffect">
+                                  <p:stCondLst>
+                                    <p:cond delay="0"/>
+                                  </p:stCondLst>
+                                  <p:childTnLst>
+                                    <p:set>
+                                      <p:cBhvr>
+                                        <p:cTn id="80" dur="1" fill="hold">
+                                          <p:stCondLst>
+                                            <p:cond delay="0"/>
+                                          </p:stCondLst>
+                                        </p:cTn>
+                                        <p:tgtEl>
+                                          <p:spTgt spid="23"/>
+                                        </p:tgtEl>
+                                        <p:attrNameLst>
+                                          <p:attrName>style.visibility</p:attrName>
+                                        </p:attrNameLst>
+                                      </p:cBhvr>
+                                      <p:to>
+                                        <p:strVal val="visible"/>
+                                      </p:to>
+                                    </p:set>
+                                    <p:animEffect transition="in" filter="fade">
+                                      <p:cBhvr>
+                                        <p:cTn id="81" dur="500"/>
+                                        <p:tgtEl>
+                                          <p:spTgt spid="23"/>
+                                        </p:tgtEl>
+                                      </p:cBhvr>
+                                    </p:animEffect>
+                                  </p:childTnLst>
+                                </p:cTn>
+                              </p:par>
+                            </p:childTnLst>
+                          </p:cTn>
+                        </p:par>
+                      </p:childTnLst>
+                    </p:cTn>
+                  </p:par>
+                </p:childTnLst>
+              </p:cTn>
+              <p:prevCondLst>
+                <p:cond evt="onPrev" delay="0">
+                  <p:tgtEl>
+                    <p:sldTgt/>
+                  </p:tgtEl>
+                </p:cond>
+              </p:prevCondLst>
+              <p:nextCondLst>
+                <p:cond evt="onNext" delay="0">
+                  <p:tgtEl>
+                    <p:sldTgt/>
+                  </p:tgtEl>
+                </p:cond>
+              </p:nextCondLst>
+            </p:seq>
+          </p:childTnLst>
+        </p:cTn>
+      </p:par>
+    </p:tnLst>
+    <p:bldLst>
+      <p:bldP spid="3" grpId="0" build="p"/>
+      <p:bldP spid="4" grpId="0"/>
+      <p:bldP spid="5" grpId="0"/>
+      <p:bldP spid="6" grpId="0" animBg="1"/>
+      <p:bldP spid="7" grpId="0"/>
+      <p:bldP spid="8" grpId="0" animBg="1"/>
+      <p:bldP spid="9" grpId="0"/>
+      <p:bldP spid="10" grpId="0" animBg="1"/>
+      <p:bldP spid="11" grpId="0"/>
+      <p:bldP spid="12" grpId="0" animBg="1"/>
+      <p:bldP spid="13" grpId="0"/>
+      <p:bldP spid="16" grpId="0" animBg="1"/>
+      <p:bldP spid="17" grpId="0"/>
+      <p:bldP spid="18" grpId="0" animBg="1"/>
+      <p:bldP spid="19" grpId="0"/>
+      <p:bldP spid="20" grpId="0" animBg="1"/>
+      <p:bldP spid="21" grpId="0"/>
+      <p:bldP spid="22" grpId="0" animBg="1"/>
+      <p:bldP spid="23" grpId="0"/>
+    </p:bldLst>
+  </p:timing>
 </p:sld>
 </file>
 
@@ -12462,7 +18353,11 @@
             </a:pPr>
             <a:r>
               <a:rPr lang="en-US" smtClean="0"/>
-              <a:t>You MUST initialize an array to use the memory allocated to it.</a:t>
+              <a:t>Don’t forget to initialize </a:t>
+            </a:r>
+            <a:r>
+              <a:rPr lang="en-US" smtClean="0"/>
+              <a:t>an array to use the memory allocated to it.</a:t>
             </a:r>
           </a:p>
           <a:p>
@@ -13618,6 +19513,417 @@
   <p:clrMapOvr>
     <a:masterClrMapping/>
   </p:clrMapOvr>
+  <p:timing>
+    <p:tnLst>
+      <p:par>
+        <p:cTn id="1" dur="indefinite" restart="never" nodeType="tmRoot">
+          <p:childTnLst>
+            <p:seq concurrent="1" nextAc="seek">
+              <p:cTn id="2" dur="indefinite" nodeType="mainSeq">
+                <p:childTnLst>
+                  <p:par>
+                    <p:cTn id="3" fill="hold">
+                      <p:stCondLst>
+                        <p:cond delay="indefinite"/>
+                      </p:stCondLst>
+                      <p:childTnLst>
+                        <p:par>
+                          <p:cTn id="4" fill="hold">
+                            <p:stCondLst>
+                              <p:cond delay="0"/>
+                            </p:stCondLst>
+                            <p:childTnLst>
+                              <p:par>
+                                <p:cTn id="5" presetID="10" presetClass="entr" presetSubtype="0" fill="hold" grpId="0" nodeType="clickEffect">
+                                  <p:stCondLst>
+                                    <p:cond delay="0"/>
+                                  </p:stCondLst>
+                                  <p:childTnLst>
+                                    <p:set>
+                                      <p:cBhvr>
+                                        <p:cTn id="6" dur="1" fill="hold">
+                                          <p:stCondLst>
+                                            <p:cond delay="0"/>
+                                          </p:stCondLst>
+                                        </p:cTn>
+                                        <p:tgtEl>
+                                          <p:spTgt spid="3">
+                                            <p:txEl>
+                                              <p:pRg st="0" end="0"/>
+                                            </p:txEl>
+                                          </p:spTgt>
+                                        </p:tgtEl>
+                                        <p:attrNameLst>
+                                          <p:attrName>style.visibility</p:attrName>
+                                        </p:attrNameLst>
+                                      </p:cBhvr>
+                                      <p:to>
+                                        <p:strVal val="visible"/>
+                                      </p:to>
+                                    </p:set>
+                                    <p:animEffect transition="in" filter="fade">
+                                      <p:cBhvr>
+                                        <p:cTn id="7" dur="500"/>
+                                        <p:tgtEl>
+                                          <p:spTgt spid="3">
+                                            <p:txEl>
+                                              <p:pRg st="0" end="0"/>
+                                            </p:txEl>
+                                          </p:spTgt>
+                                        </p:tgtEl>
+                                      </p:cBhvr>
+                                    </p:animEffect>
+                                  </p:childTnLst>
+                                </p:cTn>
+                              </p:par>
+                            </p:childTnLst>
+                          </p:cTn>
+                        </p:par>
+                      </p:childTnLst>
+                    </p:cTn>
+                  </p:par>
+                  <p:par>
+                    <p:cTn id="8" fill="hold">
+                      <p:stCondLst>
+                        <p:cond delay="indefinite"/>
+                      </p:stCondLst>
+                      <p:childTnLst>
+                        <p:par>
+                          <p:cTn id="9" fill="hold">
+                            <p:stCondLst>
+                              <p:cond delay="0"/>
+                            </p:stCondLst>
+                            <p:childTnLst>
+                              <p:par>
+                                <p:cTn id="10" presetID="10" presetClass="entr" presetSubtype="0" fill="hold" nodeType="clickEffect">
+                                  <p:stCondLst>
+                                    <p:cond delay="0"/>
+                                  </p:stCondLst>
+                                  <p:childTnLst>
+                                    <p:set>
+                                      <p:cBhvr>
+                                        <p:cTn id="11" dur="1" fill="hold">
+                                          <p:stCondLst>
+                                            <p:cond delay="0"/>
+                                          </p:stCondLst>
+                                        </p:cTn>
+                                        <p:tgtEl>
+                                          <p:spTgt spid="4"/>
+                                        </p:tgtEl>
+                                        <p:attrNameLst>
+                                          <p:attrName>style.visibility</p:attrName>
+                                        </p:attrNameLst>
+                                      </p:cBhvr>
+                                      <p:to>
+                                        <p:strVal val="visible"/>
+                                      </p:to>
+                                    </p:set>
+                                    <p:animEffect transition="in" filter="fade">
+                                      <p:cBhvr>
+                                        <p:cTn id="12" dur="500"/>
+                                        <p:tgtEl>
+                                          <p:spTgt spid="4"/>
+                                        </p:tgtEl>
+                                      </p:cBhvr>
+                                    </p:animEffect>
+                                  </p:childTnLst>
+                                </p:cTn>
+                              </p:par>
+                            </p:childTnLst>
+                          </p:cTn>
+                        </p:par>
+                      </p:childTnLst>
+                    </p:cTn>
+                  </p:par>
+                  <p:par>
+                    <p:cTn id="13" fill="hold">
+                      <p:stCondLst>
+                        <p:cond delay="indefinite"/>
+                      </p:stCondLst>
+                      <p:childTnLst>
+                        <p:par>
+                          <p:cTn id="14" fill="hold">
+                            <p:stCondLst>
+                              <p:cond delay="0"/>
+                            </p:stCondLst>
+                            <p:childTnLst>
+                              <p:par>
+                                <p:cTn id="15" presetID="10" presetClass="entr" presetSubtype="0" fill="hold" nodeType="clickEffect">
+                                  <p:stCondLst>
+                                    <p:cond delay="0"/>
+                                  </p:stCondLst>
+                                  <p:childTnLst>
+                                    <p:set>
+                                      <p:cBhvr>
+                                        <p:cTn id="16" dur="1" fill="hold">
+                                          <p:stCondLst>
+                                            <p:cond delay="0"/>
+                                          </p:stCondLst>
+                                        </p:cTn>
+                                        <p:tgtEl>
+                                          <p:spTgt spid="6"/>
+                                        </p:tgtEl>
+                                        <p:attrNameLst>
+                                          <p:attrName>style.visibility</p:attrName>
+                                        </p:attrNameLst>
+                                      </p:cBhvr>
+                                      <p:to>
+                                        <p:strVal val="visible"/>
+                                      </p:to>
+                                    </p:set>
+                                    <p:animEffect transition="in" filter="fade">
+                                      <p:cBhvr>
+                                        <p:cTn id="17" dur="500"/>
+                                        <p:tgtEl>
+                                          <p:spTgt spid="6"/>
+                                        </p:tgtEl>
+                                      </p:cBhvr>
+                                    </p:animEffect>
+                                  </p:childTnLst>
+                                </p:cTn>
+                              </p:par>
+                              <p:par>
+                                <p:cTn id="18" presetID="10" presetClass="entr" presetSubtype="0" fill="hold" nodeType="withEffect">
+                                  <p:stCondLst>
+                                    <p:cond delay="0"/>
+                                  </p:stCondLst>
+                                  <p:childTnLst>
+                                    <p:set>
+                                      <p:cBhvr>
+                                        <p:cTn id="19" dur="1" fill="hold">
+                                          <p:stCondLst>
+                                            <p:cond delay="0"/>
+                                          </p:stCondLst>
+                                        </p:cTn>
+                                        <p:tgtEl>
+                                          <p:spTgt spid="14"/>
+                                        </p:tgtEl>
+                                        <p:attrNameLst>
+                                          <p:attrName>style.visibility</p:attrName>
+                                        </p:attrNameLst>
+                                      </p:cBhvr>
+                                      <p:to>
+                                        <p:strVal val="visible"/>
+                                      </p:to>
+                                    </p:set>
+                                    <p:animEffect transition="in" filter="fade">
+                                      <p:cBhvr>
+                                        <p:cTn id="20" dur="500"/>
+                                        <p:tgtEl>
+                                          <p:spTgt spid="14"/>
+                                        </p:tgtEl>
+                                      </p:cBhvr>
+                                    </p:animEffect>
+                                  </p:childTnLst>
+                                </p:cTn>
+                              </p:par>
+                            </p:childTnLst>
+                          </p:cTn>
+                        </p:par>
+                      </p:childTnLst>
+                    </p:cTn>
+                  </p:par>
+                  <p:par>
+                    <p:cTn id="21" fill="hold">
+                      <p:stCondLst>
+                        <p:cond delay="indefinite"/>
+                      </p:stCondLst>
+                      <p:childTnLst>
+                        <p:par>
+                          <p:cTn id="22" fill="hold">
+                            <p:stCondLst>
+                              <p:cond delay="0"/>
+                            </p:stCondLst>
+                            <p:childTnLst>
+                              <p:par>
+                                <p:cTn id="23" presetID="10" presetClass="entr" presetSubtype="0" fill="hold" nodeType="clickEffect">
+                                  <p:stCondLst>
+                                    <p:cond delay="0"/>
+                                  </p:stCondLst>
+                                  <p:childTnLst>
+                                    <p:set>
+                                      <p:cBhvr>
+                                        <p:cTn id="24" dur="1" fill="hold">
+                                          <p:stCondLst>
+                                            <p:cond delay="0"/>
+                                          </p:stCondLst>
+                                        </p:cTn>
+                                        <p:tgtEl>
+                                          <p:spTgt spid="15"/>
+                                        </p:tgtEl>
+                                        <p:attrNameLst>
+                                          <p:attrName>style.visibility</p:attrName>
+                                        </p:attrNameLst>
+                                      </p:cBhvr>
+                                      <p:to>
+                                        <p:strVal val="visible"/>
+                                      </p:to>
+                                    </p:set>
+                                    <p:animEffect transition="in" filter="fade">
+                                      <p:cBhvr>
+                                        <p:cTn id="25" dur="500"/>
+                                        <p:tgtEl>
+                                          <p:spTgt spid="15"/>
+                                        </p:tgtEl>
+                                      </p:cBhvr>
+                                    </p:animEffect>
+                                  </p:childTnLst>
+                                </p:cTn>
+                              </p:par>
+                              <p:par>
+                                <p:cTn id="26" presetID="10" presetClass="entr" presetSubtype="0" fill="hold" nodeType="withEffect">
+                                  <p:stCondLst>
+                                    <p:cond delay="0"/>
+                                  </p:stCondLst>
+                                  <p:childTnLst>
+                                    <p:set>
+                                      <p:cBhvr>
+                                        <p:cTn id="27" dur="1" fill="hold">
+                                          <p:stCondLst>
+                                            <p:cond delay="0"/>
+                                          </p:stCondLst>
+                                        </p:cTn>
+                                        <p:tgtEl>
+                                          <p:spTgt spid="16"/>
+                                        </p:tgtEl>
+                                        <p:attrNameLst>
+                                          <p:attrName>style.visibility</p:attrName>
+                                        </p:attrNameLst>
+                                      </p:cBhvr>
+                                      <p:to>
+                                        <p:strVal val="visible"/>
+                                      </p:to>
+                                    </p:set>
+                                    <p:animEffect transition="in" filter="fade">
+                                      <p:cBhvr>
+                                        <p:cTn id="28" dur="500"/>
+                                        <p:tgtEl>
+                                          <p:spTgt spid="16"/>
+                                        </p:tgtEl>
+                                      </p:cBhvr>
+                                    </p:animEffect>
+                                  </p:childTnLst>
+                                </p:cTn>
+                              </p:par>
+                            </p:childTnLst>
+                          </p:cTn>
+                        </p:par>
+                      </p:childTnLst>
+                    </p:cTn>
+                  </p:par>
+                  <p:par>
+                    <p:cTn id="29" fill="hold">
+                      <p:stCondLst>
+                        <p:cond delay="indefinite"/>
+                      </p:stCondLst>
+                      <p:childTnLst>
+                        <p:par>
+                          <p:cTn id="30" fill="hold">
+                            <p:stCondLst>
+                              <p:cond delay="0"/>
+                            </p:stCondLst>
+                            <p:childTnLst>
+                              <p:par>
+                                <p:cTn id="31" presetID="10" presetClass="entr" presetSubtype="0" fill="hold" nodeType="clickEffect">
+                                  <p:stCondLst>
+                                    <p:cond delay="0"/>
+                                  </p:stCondLst>
+                                  <p:childTnLst>
+                                    <p:set>
+                                      <p:cBhvr>
+                                        <p:cTn id="32" dur="1" fill="hold">
+                                          <p:stCondLst>
+                                            <p:cond delay="0"/>
+                                          </p:stCondLst>
+                                        </p:cTn>
+                                        <p:tgtEl>
+                                          <p:spTgt spid="32"/>
+                                        </p:tgtEl>
+                                        <p:attrNameLst>
+                                          <p:attrName>style.visibility</p:attrName>
+                                        </p:attrNameLst>
+                                      </p:cBhvr>
+                                      <p:to>
+                                        <p:strVal val="visible"/>
+                                      </p:to>
+                                    </p:set>
+                                    <p:animEffect transition="in" filter="fade">
+                                      <p:cBhvr>
+                                        <p:cTn id="33" dur="500"/>
+                                        <p:tgtEl>
+                                          <p:spTgt spid="32"/>
+                                        </p:tgtEl>
+                                      </p:cBhvr>
+                                    </p:animEffect>
+                                  </p:childTnLst>
+                                </p:cTn>
+                              </p:par>
+                              <p:par>
+                                <p:cTn id="34" presetID="10" presetClass="entr" presetSubtype="0" fill="hold" nodeType="withEffect">
+                                  <p:stCondLst>
+                                    <p:cond delay="0"/>
+                                  </p:stCondLst>
+                                  <p:childTnLst>
+                                    <p:set>
+                                      <p:cBhvr>
+                                        <p:cTn id="35" dur="1" fill="hold">
+                                          <p:stCondLst>
+                                            <p:cond delay="0"/>
+                                          </p:stCondLst>
+                                        </p:cTn>
+                                        <p:tgtEl>
+                                          <p:spTgt spid="33"/>
+                                        </p:tgtEl>
+                                        <p:attrNameLst>
+                                          <p:attrName>style.visibility</p:attrName>
+                                        </p:attrNameLst>
+                                      </p:cBhvr>
+                                      <p:to>
+                                        <p:strVal val="visible"/>
+                                      </p:to>
+                                    </p:set>
+                                    <p:animEffect transition="in" filter="fade">
+                                      <p:cBhvr>
+                                        <p:cTn id="36" dur="500"/>
+                                        <p:tgtEl>
+                                          <p:spTgt spid="33"/>
+                                        </p:tgtEl>
+                                      </p:cBhvr>
+                                    </p:animEffect>
+                                  </p:childTnLst>
+                                </p:cTn>
+                              </p:par>
+                            </p:childTnLst>
+                          </p:cTn>
+                        </p:par>
+                      </p:childTnLst>
+                    </p:cTn>
+                  </p:par>
+                </p:childTnLst>
+              </p:cTn>
+              <p:prevCondLst>
+                <p:cond evt="onPrev" delay="0">
+                  <p:tgtEl>
+                    <p:sldTgt/>
+                  </p:tgtEl>
+                </p:cond>
+              </p:prevCondLst>
+              <p:nextCondLst>
+                <p:cond evt="onNext" delay="0">
+                  <p:tgtEl>
+                    <p:sldTgt/>
+                  </p:tgtEl>
+                </p:cond>
+              </p:nextCondLst>
+            </p:seq>
+          </p:childTnLst>
+        </p:cTn>
+      </p:par>
+    </p:tnLst>
+    <p:bldLst>
+      <p:bldP spid="3" grpId="0" build="p"/>
+    </p:bldLst>
+  </p:timing>
 </p:sld>
 </file>
 
@@ -13681,8 +19987,17 @@
             </a:pPr>
             <a:r>
               <a:rPr lang="en-US" smtClean="0"/>
-              <a:t>You MUST initialize an array to use the memory allocated to it.</a:t>
-            </a:r>
+              <a:t>Initialization using * and </a:t>
+            </a:r>
+            <a:r>
+              <a:rPr lang="en-US" i="1" smtClean="0"/>
+              <a:t>new</a:t>
+            </a:r>
+            <a:r>
+              <a:rPr lang="en-US" smtClean="0"/>
+              <a:t>:</a:t>
+            </a:r>
+            <a:endParaRPr lang="en-US" smtClean="0"/>
           </a:p>
           <a:p>
             <a:pPr marL="0" indent="0">
@@ -14509,6 +20824,329 @@
   <p:clrMapOvr>
     <a:masterClrMapping/>
   </p:clrMapOvr>
+  <p:timing>
+    <p:tnLst>
+      <p:par>
+        <p:cTn id="1" dur="indefinite" restart="never" nodeType="tmRoot">
+          <p:childTnLst>
+            <p:seq concurrent="1" nextAc="seek">
+              <p:cTn id="2" dur="indefinite" nodeType="mainSeq">
+                <p:childTnLst>
+                  <p:par>
+                    <p:cTn id="3" fill="hold">
+                      <p:stCondLst>
+                        <p:cond delay="indefinite"/>
+                      </p:stCondLst>
+                      <p:childTnLst>
+                        <p:par>
+                          <p:cTn id="4" fill="hold">
+                            <p:stCondLst>
+                              <p:cond delay="0"/>
+                            </p:stCondLst>
+                            <p:childTnLst>
+                              <p:par>
+                                <p:cTn id="5" presetID="10" presetClass="entr" presetSubtype="0" fill="hold" grpId="0" nodeType="clickEffect">
+                                  <p:stCondLst>
+                                    <p:cond delay="0"/>
+                                  </p:stCondLst>
+                                  <p:childTnLst>
+                                    <p:set>
+                                      <p:cBhvr>
+                                        <p:cTn id="6" dur="1" fill="hold">
+                                          <p:stCondLst>
+                                            <p:cond delay="0"/>
+                                          </p:stCondLst>
+                                        </p:cTn>
+                                        <p:tgtEl>
+                                          <p:spTgt spid="3">
+                                            <p:txEl>
+                                              <p:pRg st="0" end="0"/>
+                                            </p:txEl>
+                                          </p:spTgt>
+                                        </p:tgtEl>
+                                        <p:attrNameLst>
+                                          <p:attrName>style.visibility</p:attrName>
+                                        </p:attrNameLst>
+                                      </p:cBhvr>
+                                      <p:to>
+                                        <p:strVal val="visible"/>
+                                      </p:to>
+                                    </p:set>
+                                    <p:animEffect transition="in" filter="fade">
+                                      <p:cBhvr>
+                                        <p:cTn id="7" dur="500"/>
+                                        <p:tgtEl>
+                                          <p:spTgt spid="3">
+                                            <p:txEl>
+                                              <p:pRg st="0" end="0"/>
+                                            </p:txEl>
+                                          </p:spTgt>
+                                        </p:tgtEl>
+                                      </p:cBhvr>
+                                    </p:animEffect>
+                                  </p:childTnLst>
+                                </p:cTn>
+                              </p:par>
+                            </p:childTnLst>
+                          </p:cTn>
+                        </p:par>
+                      </p:childTnLst>
+                    </p:cTn>
+                  </p:par>
+                  <p:par>
+                    <p:cTn id="8" fill="hold">
+                      <p:stCondLst>
+                        <p:cond delay="indefinite"/>
+                      </p:stCondLst>
+                      <p:childTnLst>
+                        <p:par>
+                          <p:cTn id="9" fill="hold">
+                            <p:stCondLst>
+                              <p:cond delay="0"/>
+                            </p:stCondLst>
+                            <p:childTnLst>
+                              <p:par>
+                                <p:cTn id="10" presetID="10" presetClass="entr" presetSubtype="0" fill="hold" nodeType="clickEffect">
+                                  <p:stCondLst>
+                                    <p:cond delay="0"/>
+                                  </p:stCondLst>
+                                  <p:childTnLst>
+                                    <p:set>
+                                      <p:cBhvr>
+                                        <p:cTn id="11" dur="1" fill="hold">
+                                          <p:stCondLst>
+                                            <p:cond delay="0"/>
+                                          </p:stCondLst>
+                                        </p:cTn>
+                                        <p:tgtEl>
+                                          <p:spTgt spid="4"/>
+                                        </p:tgtEl>
+                                        <p:attrNameLst>
+                                          <p:attrName>style.visibility</p:attrName>
+                                        </p:attrNameLst>
+                                      </p:cBhvr>
+                                      <p:to>
+                                        <p:strVal val="visible"/>
+                                      </p:to>
+                                    </p:set>
+                                    <p:animEffect transition="in" filter="fade">
+                                      <p:cBhvr>
+                                        <p:cTn id="12" dur="500"/>
+                                        <p:tgtEl>
+                                          <p:spTgt spid="4"/>
+                                        </p:tgtEl>
+                                      </p:cBhvr>
+                                    </p:animEffect>
+                                  </p:childTnLst>
+                                </p:cTn>
+                              </p:par>
+                            </p:childTnLst>
+                          </p:cTn>
+                        </p:par>
+                      </p:childTnLst>
+                    </p:cTn>
+                  </p:par>
+                  <p:par>
+                    <p:cTn id="13" fill="hold">
+                      <p:stCondLst>
+                        <p:cond delay="indefinite"/>
+                      </p:stCondLst>
+                      <p:childTnLst>
+                        <p:par>
+                          <p:cTn id="14" fill="hold">
+                            <p:stCondLst>
+                              <p:cond delay="0"/>
+                            </p:stCondLst>
+                            <p:childTnLst>
+                              <p:par>
+                                <p:cTn id="15" presetID="10" presetClass="entr" presetSubtype="0" fill="hold" nodeType="clickEffect">
+                                  <p:stCondLst>
+                                    <p:cond delay="0"/>
+                                  </p:stCondLst>
+                                  <p:childTnLst>
+                                    <p:set>
+                                      <p:cBhvr>
+                                        <p:cTn id="16" dur="1" fill="hold">
+                                          <p:stCondLst>
+                                            <p:cond delay="0"/>
+                                          </p:stCondLst>
+                                        </p:cTn>
+                                        <p:tgtEl>
+                                          <p:spTgt spid="6"/>
+                                        </p:tgtEl>
+                                        <p:attrNameLst>
+                                          <p:attrName>style.visibility</p:attrName>
+                                        </p:attrNameLst>
+                                      </p:cBhvr>
+                                      <p:to>
+                                        <p:strVal val="visible"/>
+                                      </p:to>
+                                    </p:set>
+                                    <p:animEffect transition="in" filter="fade">
+                                      <p:cBhvr>
+                                        <p:cTn id="17" dur="500"/>
+                                        <p:tgtEl>
+                                          <p:spTgt spid="6"/>
+                                        </p:tgtEl>
+                                      </p:cBhvr>
+                                    </p:animEffect>
+                                  </p:childTnLst>
+                                </p:cTn>
+                              </p:par>
+                              <p:par>
+                                <p:cTn id="18" presetID="10" presetClass="entr" presetSubtype="0" fill="hold" nodeType="withEffect">
+                                  <p:stCondLst>
+                                    <p:cond delay="0"/>
+                                  </p:stCondLst>
+                                  <p:childTnLst>
+                                    <p:set>
+                                      <p:cBhvr>
+                                        <p:cTn id="19" dur="1" fill="hold">
+                                          <p:stCondLst>
+                                            <p:cond delay="0"/>
+                                          </p:stCondLst>
+                                        </p:cTn>
+                                        <p:tgtEl>
+                                          <p:spTgt spid="14"/>
+                                        </p:tgtEl>
+                                        <p:attrNameLst>
+                                          <p:attrName>style.visibility</p:attrName>
+                                        </p:attrNameLst>
+                                      </p:cBhvr>
+                                      <p:to>
+                                        <p:strVal val="visible"/>
+                                      </p:to>
+                                    </p:set>
+                                    <p:animEffect transition="in" filter="fade">
+                                      <p:cBhvr>
+                                        <p:cTn id="20" dur="500"/>
+                                        <p:tgtEl>
+                                          <p:spTgt spid="14"/>
+                                        </p:tgtEl>
+                                      </p:cBhvr>
+                                    </p:animEffect>
+                                  </p:childTnLst>
+                                </p:cTn>
+                              </p:par>
+                            </p:childTnLst>
+                          </p:cTn>
+                        </p:par>
+                      </p:childTnLst>
+                    </p:cTn>
+                  </p:par>
+                  <p:par>
+                    <p:cTn id="21" fill="hold">
+                      <p:stCondLst>
+                        <p:cond delay="indefinite"/>
+                      </p:stCondLst>
+                      <p:childTnLst>
+                        <p:par>
+                          <p:cTn id="22" fill="hold">
+                            <p:stCondLst>
+                              <p:cond delay="0"/>
+                            </p:stCondLst>
+                            <p:childTnLst>
+                              <p:par>
+                                <p:cTn id="23" presetID="10" presetClass="entr" presetSubtype="0" fill="hold" nodeType="clickEffect">
+                                  <p:stCondLst>
+                                    <p:cond delay="0"/>
+                                  </p:stCondLst>
+                                  <p:childTnLst>
+                                    <p:set>
+                                      <p:cBhvr>
+                                        <p:cTn id="24" dur="1" fill="hold">
+                                          <p:stCondLst>
+                                            <p:cond delay="0"/>
+                                          </p:stCondLst>
+                                        </p:cTn>
+                                        <p:tgtEl>
+                                          <p:spTgt spid="32"/>
+                                        </p:tgtEl>
+                                        <p:attrNameLst>
+                                          <p:attrName>style.visibility</p:attrName>
+                                        </p:attrNameLst>
+                                      </p:cBhvr>
+                                      <p:to>
+                                        <p:strVal val="visible"/>
+                                      </p:to>
+                                    </p:set>
+                                    <p:animEffect transition="in" filter="fade">
+                                      <p:cBhvr>
+                                        <p:cTn id="25" dur="500"/>
+                                        <p:tgtEl>
+                                          <p:spTgt spid="32"/>
+                                        </p:tgtEl>
+                                      </p:cBhvr>
+                                    </p:animEffect>
+                                  </p:childTnLst>
+                                </p:cTn>
+                              </p:par>
+                              <p:par>
+                                <p:cTn id="26" presetID="10" presetClass="entr" presetSubtype="0" fill="hold" nodeType="withEffect">
+                                  <p:stCondLst>
+                                    <p:cond delay="0"/>
+                                  </p:stCondLst>
+                                  <p:childTnLst>
+                                    <p:set>
+                                      <p:cBhvr>
+                                        <p:cTn id="27" dur="1" fill="hold">
+                                          <p:stCondLst>
+                                            <p:cond delay="0"/>
+                                          </p:stCondLst>
+                                        </p:cTn>
+                                        <p:tgtEl>
+                                          <p:spTgt spid="33"/>
+                                        </p:tgtEl>
+                                        <p:attrNameLst>
+                                          <p:attrName>style.visibility</p:attrName>
+                                        </p:attrNameLst>
+                                      </p:cBhvr>
+                                      <p:to>
+                                        <p:strVal val="visible"/>
+                                      </p:to>
+                                    </p:set>
+                                    <p:animEffect transition="in" filter="fade">
+                                      <p:cBhvr>
+                                        <p:cTn id="28" dur="500"/>
+                                        <p:tgtEl>
+                                          <p:spTgt spid="33"/>
+                                        </p:tgtEl>
+                                      </p:cBhvr>
+                                    </p:animEffect>
+                                  </p:childTnLst>
+                                </p:cTn>
+                              </p:par>
+                            </p:childTnLst>
+                          </p:cTn>
+                        </p:par>
+                      </p:childTnLst>
+                    </p:cTn>
+                  </p:par>
+                </p:childTnLst>
+              </p:cTn>
+              <p:prevCondLst>
+                <p:cond evt="onPrev" delay="0">
+                  <p:tgtEl>
+                    <p:sldTgt/>
+                  </p:tgtEl>
+                </p:cond>
+              </p:prevCondLst>
+              <p:nextCondLst>
+                <p:cond evt="onNext" delay="0">
+                  <p:tgtEl>
+                    <p:sldTgt/>
+                  </p:tgtEl>
+                </p:cond>
+              </p:nextCondLst>
+            </p:seq>
+          </p:childTnLst>
+        </p:cTn>
+      </p:par>
+    </p:tnLst>
+    <p:bldLst>
+      <p:bldP spid="3" grpId="0" build="p"/>
+    </p:bldLst>
+  </p:timing>
 </p:sld>
 </file>
 
@@ -15088,8 +21726,8 @@
         </p:nvSpPr>
         <p:spPr>
           <a:xfrm>
-            <a:off x="838200" y="4382926"/>
-            <a:ext cx="10515600" cy="1471222"/>
+            <a:off x="838200" y="4382924"/>
+            <a:ext cx="10515600" cy="1865475"/>
           </a:xfrm>
           <a:prstGeom prst="rect">
             <a:avLst/>
@@ -15310,8 +21948,27 @@
           <a:p>
             <a:r>
               <a:rPr lang="en-US" smtClean="0"/>
-              <a:t>Allows for quick, direct access to memory through mathematical addition</a:t>
-            </a:r>
+              <a:t>Allows for quick, direct access to memory through mathematical </a:t>
+            </a:r>
+            <a:r>
+              <a:rPr lang="en-US" smtClean="0"/>
+              <a:t>addition</a:t>
+            </a:r>
+          </a:p>
+          <a:p>
+            <a:r>
+              <a:rPr lang="en-US" smtClean="0">
+                <a:solidFill>
+                  <a:srgbClr val="FF0000"/>
+                </a:solidFill>
+              </a:rPr>
+              <a:t>NOTE: C++ does not perform array bounds checking!</a:t>
+            </a:r>
+            <a:endParaRPr lang="en-US" smtClean="0">
+              <a:solidFill>
+                <a:srgbClr val="FF0000"/>
+              </a:solidFill>
+            </a:endParaRPr>
           </a:p>
         </p:txBody>
       </p:sp>
@@ -15325,6 +21982,1013 @@
   <p:clrMapOvr>
     <a:masterClrMapping/>
   </p:clrMapOvr>
+  <p:timing>
+    <p:tnLst>
+      <p:par>
+        <p:cTn id="1" dur="indefinite" restart="never" nodeType="tmRoot">
+          <p:childTnLst>
+            <p:seq concurrent="1" nextAc="seek">
+              <p:cTn id="2" dur="indefinite" nodeType="mainSeq">
+                <p:childTnLst>
+                  <p:par>
+                    <p:cTn id="3" fill="hold">
+                      <p:stCondLst>
+                        <p:cond delay="indefinite"/>
+                      </p:stCondLst>
+                      <p:childTnLst>
+                        <p:par>
+                          <p:cTn id="4" fill="hold">
+                            <p:stCondLst>
+                              <p:cond delay="0"/>
+                            </p:stCondLst>
+                            <p:childTnLst>
+                              <p:par>
+                                <p:cTn id="5" presetID="10" presetClass="entr" presetSubtype="0" fill="hold" grpId="0" nodeType="clickEffect">
+                                  <p:stCondLst>
+                                    <p:cond delay="0"/>
+                                  </p:stCondLst>
+                                  <p:childTnLst>
+                                    <p:set>
+                                      <p:cBhvr>
+                                        <p:cTn id="6" dur="1" fill="hold">
+                                          <p:stCondLst>
+                                            <p:cond delay="0"/>
+                                          </p:stCondLst>
+                                        </p:cTn>
+                                        <p:tgtEl>
+                                          <p:spTgt spid="3">
+                                            <p:txEl>
+                                              <p:pRg st="0" end="0"/>
+                                            </p:txEl>
+                                          </p:spTgt>
+                                        </p:tgtEl>
+                                        <p:attrNameLst>
+                                          <p:attrName>style.visibility</p:attrName>
+                                        </p:attrNameLst>
+                                      </p:cBhvr>
+                                      <p:to>
+                                        <p:strVal val="visible"/>
+                                      </p:to>
+                                    </p:set>
+                                    <p:animEffect transition="in" filter="fade">
+                                      <p:cBhvr>
+                                        <p:cTn id="7" dur="500"/>
+                                        <p:tgtEl>
+                                          <p:spTgt spid="3">
+                                            <p:txEl>
+                                              <p:pRg st="0" end="0"/>
+                                            </p:txEl>
+                                          </p:spTgt>
+                                        </p:tgtEl>
+                                      </p:cBhvr>
+                                    </p:animEffect>
+                                  </p:childTnLst>
+                                </p:cTn>
+                              </p:par>
+                            </p:childTnLst>
+                          </p:cTn>
+                        </p:par>
+                      </p:childTnLst>
+                    </p:cTn>
+                  </p:par>
+                  <p:par>
+                    <p:cTn id="8" fill="hold">
+                      <p:stCondLst>
+                        <p:cond delay="indefinite"/>
+                      </p:stCondLst>
+                      <p:childTnLst>
+                        <p:par>
+                          <p:cTn id="9" fill="hold">
+                            <p:stCondLst>
+                              <p:cond delay="0"/>
+                            </p:stCondLst>
+                            <p:childTnLst>
+                              <p:par>
+                                <p:cTn id="10" presetID="10" presetClass="entr" presetSubtype="0" fill="hold" grpId="0" nodeType="clickEffect">
+                                  <p:stCondLst>
+                                    <p:cond delay="0"/>
+                                  </p:stCondLst>
+                                  <p:childTnLst>
+                                    <p:set>
+                                      <p:cBhvr>
+                                        <p:cTn id="11" dur="1" fill="hold">
+                                          <p:stCondLst>
+                                            <p:cond delay="0"/>
+                                          </p:stCondLst>
+                                        </p:cTn>
+                                        <p:tgtEl>
+                                          <p:spTgt spid="3">
+                                            <p:txEl>
+                                              <p:pRg st="1" end="1"/>
+                                            </p:txEl>
+                                          </p:spTgt>
+                                        </p:tgtEl>
+                                        <p:attrNameLst>
+                                          <p:attrName>style.visibility</p:attrName>
+                                        </p:attrNameLst>
+                                      </p:cBhvr>
+                                      <p:to>
+                                        <p:strVal val="visible"/>
+                                      </p:to>
+                                    </p:set>
+                                    <p:animEffect transition="in" filter="fade">
+                                      <p:cBhvr>
+                                        <p:cTn id="12" dur="500"/>
+                                        <p:tgtEl>
+                                          <p:spTgt spid="3">
+                                            <p:txEl>
+                                              <p:pRg st="1" end="1"/>
+                                            </p:txEl>
+                                          </p:spTgt>
+                                        </p:tgtEl>
+                                      </p:cBhvr>
+                                    </p:animEffect>
+                                  </p:childTnLst>
+                                </p:cTn>
+                              </p:par>
+                            </p:childTnLst>
+                          </p:cTn>
+                        </p:par>
+                      </p:childTnLst>
+                    </p:cTn>
+                  </p:par>
+                  <p:par>
+                    <p:cTn id="13" fill="hold">
+                      <p:stCondLst>
+                        <p:cond delay="indefinite"/>
+                      </p:stCondLst>
+                      <p:childTnLst>
+                        <p:par>
+                          <p:cTn id="14" fill="hold">
+                            <p:stCondLst>
+                              <p:cond delay="0"/>
+                            </p:stCondLst>
+                            <p:childTnLst>
+                              <p:par>
+                                <p:cTn id="15" presetID="10" presetClass="entr" presetSubtype="0" fill="hold" grpId="0" nodeType="clickEffect">
+                                  <p:stCondLst>
+                                    <p:cond delay="0"/>
+                                  </p:stCondLst>
+                                  <p:childTnLst>
+                                    <p:set>
+                                      <p:cBhvr>
+                                        <p:cTn id="16" dur="1" fill="hold">
+                                          <p:stCondLst>
+                                            <p:cond delay="0"/>
+                                          </p:stCondLst>
+                                        </p:cTn>
+                                        <p:tgtEl>
+                                          <p:spTgt spid="3">
+                                            <p:txEl>
+                                              <p:pRg st="2" end="2"/>
+                                            </p:txEl>
+                                          </p:spTgt>
+                                        </p:tgtEl>
+                                        <p:attrNameLst>
+                                          <p:attrName>style.visibility</p:attrName>
+                                        </p:attrNameLst>
+                                      </p:cBhvr>
+                                      <p:to>
+                                        <p:strVal val="visible"/>
+                                      </p:to>
+                                    </p:set>
+                                    <p:animEffect transition="in" filter="fade">
+                                      <p:cBhvr>
+                                        <p:cTn id="17" dur="500"/>
+                                        <p:tgtEl>
+                                          <p:spTgt spid="3">
+                                            <p:txEl>
+                                              <p:pRg st="2" end="2"/>
+                                            </p:txEl>
+                                          </p:spTgt>
+                                        </p:tgtEl>
+                                      </p:cBhvr>
+                                    </p:animEffect>
+                                  </p:childTnLst>
+                                </p:cTn>
+                              </p:par>
+                            </p:childTnLst>
+                          </p:cTn>
+                        </p:par>
+                      </p:childTnLst>
+                    </p:cTn>
+                  </p:par>
+                  <p:par>
+                    <p:cTn id="18" fill="hold">
+                      <p:stCondLst>
+                        <p:cond delay="indefinite"/>
+                      </p:stCondLst>
+                      <p:childTnLst>
+                        <p:par>
+                          <p:cTn id="19" fill="hold">
+                            <p:stCondLst>
+                              <p:cond delay="0"/>
+                            </p:stCondLst>
+                            <p:childTnLst>
+                              <p:par>
+                                <p:cTn id="20" presetID="10" presetClass="entr" presetSubtype="0" fill="hold" grpId="0" nodeType="clickEffect">
+                                  <p:stCondLst>
+                                    <p:cond delay="0"/>
+                                  </p:stCondLst>
+                                  <p:childTnLst>
+                                    <p:set>
+                                      <p:cBhvr>
+                                        <p:cTn id="21" dur="1" fill="hold">
+                                          <p:stCondLst>
+                                            <p:cond delay="0"/>
+                                          </p:stCondLst>
+                                        </p:cTn>
+                                        <p:tgtEl>
+                                          <p:spTgt spid="26"/>
+                                        </p:tgtEl>
+                                        <p:attrNameLst>
+                                          <p:attrName>style.visibility</p:attrName>
+                                        </p:attrNameLst>
+                                      </p:cBhvr>
+                                      <p:to>
+                                        <p:strVal val="visible"/>
+                                      </p:to>
+                                    </p:set>
+                                    <p:animEffect transition="in" filter="fade">
+                                      <p:cBhvr>
+                                        <p:cTn id="22" dur="500"/>
+                                        <p:tgtEl>
+                                          <p:spTgt spid="26"/>
+                                        </p:tgtEl>
+                                      </p:cBhvr>
+                                    </p:animEffect>
+                                  </p:childTnLst>
+                                </p:cTn>
+                              </p:par>
+                              <p:par>
+                                <p:cTn id="23" presetID="10" presetClass="entr" presetSubtype="0" fill="hold" grpId="0" nodeType="withEffect">
+                                  <p:stCondLst>
+                                    <p:cond delay="0"/>
+                                  </p:stCondLst>
+                                  <p:childTnLst>
+                                    <p:set>
+                                      <p:cBhvr>
+                                        <p:cTn id="24" dur="1" fill="hold">
+                                          <p:stCondLst>
+                                            <p:cond delay="0"/>
+                                          </p:stCondLst>
+                                        </p:cTn>
+                                        <p:tgtEl>
+                                          <p:spTgt spid="27"/>
+                                        </p:tgtEl>
+                                        <p:attrNameLst>
+                                          <p:attrName>style.visibility</p:attrName>
+                                        </p:attrNameLst>
+                                      </p:cBhvr>
+                                      <p:to>
+                                        <p:strVal val="visible"/>
+                                      </p:to>
+                                    </p:set>
+                                    <p:animEffect transition="in" filter="fade">
+                                      <p:cBhvr>
+                                        <p:cTn id="25" dur="500"/>
+                                        <p:tgtEl>
+                                          <p:spTgt spid="27"/>
+                                        </p:tgtEl>
+                                      </p:cBhvr>
+                                    </p:animEffect>
+                                  </p:childTnLst>
+                                </p:cTn>
+                              </p:par>
+                              <p:par>
+                                <p:cTn id="26" presetID="10" presetClass="entr" presetSubtype="0" fill="hold" grpId="0" nodeType="withEffect">
+                                  <p:stCondLst>
+                                    <p:cond delay="0"/>
+                                  </p:stCondLst>
+                                  <p:childTnLst>
+                                    <p:set>
+                                      <p:cBhvr>
+                                        <p:cTn id="27" dur="1" fill="hold">
+                                          <p:stCondLst>
+                                            <p:cond delay="0"/>
+                                          </p:stCondLst>
+                                        </p:cTn>
+                                        <p:tgtEl>
+                                          <p:spTgt spid="28"/>
+                                        </p:tgtEl>
+                                        <p:attrNameLst>
+                                          <p:attrName>style.visibility</p:attrName>
+                                        </p:attrNameLst>
+                                      </p:cBhvr>
+                                      <p:to>
+                                        <p:strVal val="visible"/>
+                                      </p:to>
+                                    </p:set>
+                                    <p:animEffect transition="in" filter="fade">
+                                      <p:cBhvr>
+                                        <p:cTn id="28" dur="500"/>
+                                        <p:tgtEl>
+                                          <p:spTgt spid="28"/>
+                                        </p:tgtEl>
+                                      </p:cBhvr>
+                                    </p:animEffect>
+                                  </p:childTnLst>
+                                </p:cTn>
+                              </p:par>
+                              <p:par>
+                                <p:cTn id="29" presetID="10" presetClass="entr" presetSubtype="0" fill="hold" grpId="0" nodeType="withEffect">
+                                  <p:stCondLst>
+                                    <p:cond delay="0"/>
+                                  </p:stCondLst>
+                                  <p:childTnLst>
+                                    <p:set>
+                                      <p:cBhvr>
+                                        <p:cTn id="30" dur="1" fill="hold">
+                                          <p:stCondLst>
+                                            <p:cond delay="0"/>
+                                          </p:stCondLst>
+                                        </p:cTn>
+                                        <p:tgtEl>
+                                          <p:spTgt spid="29"/>
+                                        </p:tgtEl>
+                                        <p:attrNameLst>
+                                          <p:attrName>style.visibility</p:attrName>
+                                        </p:attrNameLst>
+                                      </p:cBhvr>
+                                      <p:to>
+                                        <p:strVal val="visible"/>
+                                      </p:to>
+                                    </p:set>
+                                    <p:animEffect transition="in" filter="fade">
+                                      <p:cBhvr>
+                                        <p:cTn id="31" dur="500"/>
+                                        <p:tgtEl>
+                                          <p:spTgt spid="29"/>
+                                        </p:tgtEl>
+                                      </p:cBhvr>
+                                    </p:animEffect>
+                                  </p:childTnLst>
+                                </p:cTn>
+                              </p:par>
+                              <p:par>
+                                <p:cTn id="32" presetID="10" presetClass="entr" presetSubtype="0" fill="hold" grpId="0" nodeType="withEffect">
+                                  <p:stCondLst>
+                                    <p:cond delay="0"/>
+                                  </p:stCondLst>
+                                  <p:childTnLst>
+                                    <p:set>
+                                      <p:cBhvr>
+                                        <p:cTn id="33" dur="1" fill="hold">
+                                          <p:stCondLst>
+                                            <p:cond delay="0"/>
+                                          </p:stCondLst>
+                                        </p:cTn>
+                                        <p:tgtEl>
+                                          <p:spTgt spid="30"/>
+                                        </p:tgtEl>
+                                        <p:attrNameLst>
+                                          <p:attrName>style.visibility</p:attrName>
+                                        </p:attrNameLst>
+                                      </p:cBhvr>
+                                      <p:to>
+                                        <p:strVal val="visible"/>
+                                      </p:to>
+                                    </p:set>
+                                    <p:animEffect transition="in" filter="fade">
+                                      <p:cBhvr>
+                                        <p:cTn id="34" dur="500"/>
+                                        <p:tgtEl>
+                                          <p:spTgt spid="30"/>
+                                        </p:tgtEl>
+                                      </p:cBhvr>
+                                    </p:animEffect>
+                                  </p:childTnLst>
+                                </p:cTn>
+                              </p:par>
+                              <p:par>
+                                <p:cTn id="35" presetID="10" presetClass="entr" presetSubtype="0" fill="hold" grpId="0" nodeType="withEffect">
+                                  <p:stCondLst>
+                                    <p:cond delay="0"/>
+                                  </p:stCondLst>
+                                  <p:childTnLst>
+                                    <p:set>
+                                      <p:cBhvr>
+                                        <p:cTn id="36" dur="1" fill="hold">
+                                          <p:stCondLst>
+                                            <p:cond delay="0"/>
+                                          </p:stCondLst>
+                                        </p:cTn>
+                                        <p:tgtEl>
+                                          <p:spTgt spid="31"/>
+                                        </p:tgtEl>
+                                        <p:attrNameLst>
+                                          <p:attrName>style.visibility</p:attrName>
+                                        </p:attrNameLst>
+                                      </p:cBhvr>
+                                      <p:to>
+                                        <p:strVal val="visible"/>
+                                      </p:to>
+                                    </p:set>
+                                    <p:animEffect transition="in" filter="fade">
+                                      <p:cBhvr>
+                                        <p:cTn id="37" dur="500"/>
+                                        <p:tgtEl>
+                                          <p:spTgt spid="31"/>
+                                        </p:tgtEl>
+                                      </p:cBhvr>
+                                    </p:animEffect>
+                                  </p:childTnLst>
+                                </p:cTn>
+                              </p:par>
+                              <p:par>
+                                <p:cTn id="38" presetID="10" presetClass="entr" presetSubtype="0" fill="hold" grpId="0" nodeType="withEffect">
+                                  <p:stCondLst>
+                                    <p:cond delay="0"/>
+                                  </p:stCondLst>
+                                  <p:childTnLst>
+                                    <p:set>
+                                      <p:cBhvr>
+                                        <p:cTn id="39" dur="1" fill="hold">
+                                          <p:stCondLst>
+                                            <p:cond delay="0"/>
+                                          </p:stCondLst>
+                                        </p:cTn>
+                                        <p:tgtEl>
+                                          <p:spTgt spid="32"/>
+                                        </p:tgtEl>
+                                        <p:attrNameLst>
+                                          <p:attrName>style.visibility</p:attrName>
+                                        </p:attrNameLst>
+                                      </p:cBhvr>
+                                      <p:to>
+                                        <p:strVal val="visible"/>
+                                      </p:to>
+                                    </p:set>
+                                    <p:animEffect transition="in" filter="fade">
+                                      <p:cBhvr>
+                                        <p:cTn id="40" dur="500"/>
+                                        <p:tgtEl>
+                                          <p:spTgt spid="32"/>
+                                        </p:tgtEl>
+                                      </p:cBhvr>
+                                    </p:animEffect>
+                                  </p:childTnLst>
+                                </p:cTn>
+                              </p:par>
+                              <p:par>
+                                <p:cTn id="41" presetID="10" presetClass="entr" presetSubtype="0" fill="hold" grpId="0" nodeType="withEffect">
+                                  <p:stCondLst>
+                                    <p:cond delay="0"/>
+                                  </p:stCondLst>
+                                  <p:childTnLst>
+                                    <p:set>
+                                      <p:cBhvr>
+                                        <p:cTn id="42" dur="1" fill="hold">
+                                          <p:stCondLst>
+                                            <p:cond delay="0"/>
+                                          </p:stCondLst>
+                                        </p:cTn>
+                                        <p:tgtEl>
+                                          <p:spTgt spid="33"/>
+                                        </p:tgtEl>
+                                        <p:attrNameLst>
+                                          <p:attrName>style.visibility</p:attrName>
+                                        </p:attrNameLst>
+                                      </p:cBhvr>
+                                      <p:to>
+                                        <p:strVal val="visible"/>
+                                      </p:to>
+                                    </p:set>
+                                    <p:animEffect transition="in" filter="fade">
+                                      <p:cBhvr>
+                                        <p:cTn id="43" dur="500"/>
+                                        <p:tgtEl>
+                                          <p:spTgt spid="33"/>
+                                        </p:tgtEl>
+                                      </p:cBhvr>
+                                    </p:animEffect>
+                                  </p:childTnLst>
+                                </p:cTn>
+                              </p:par>
+                              <p:par>
+                                <p:cTn id="44" presetID="10" presetClass="entr" presetSubtype="0" fill="hold" grpId="0" nodeType="withEffect">
+                                  <p:stCondLst>
+                                    <p:cond delay="0"/>
+                                  </p:stCondLst>
+                                  <p:childTnLst>
+                                    <p:set>
+                                      <p:cBhvr>
+                                        <p:cTn id="45" dur="1" fill="hold">
+                                          <p:stCondLst>
+                                            <p:cond delay="0"/>
+                                          </p:stCondLst>
+                                        </p:cTn>
+                                        <p:tgtEl>
+                                          <p:spTgt spid="34"/>
+                                        </p:tgtEl>
+                                        <p:attrNameLst>
+                                          <p:attrName>style.visibility</p:attrName>
+                                        </p:attrNameLst>
+                                      </p:cBhvr>
+                                      <p:to>
+                                        <p:strVal val="visible"/>
+                                      </p:to>
+                                    </p:set>
+                                    <p:animEffect transition="in" filter="fade">
+                                      <p:cBhvr>
+                                        <p:cTn id="46" dur="500"/>
+                                        <p:tgtEl>
+                                          <p:spTgt spid="34"/>
+                                        </p:tgtEl>
+                                      </p:cBhvr>
+                                    </p:animEffect>
+                                  </p:childTnLst>
+                                </p:cTn>
+                              </p:par>
+                              <p:par>
+                                <p:cTn id="47" presetID="10" presetClass="entr" presetSubtype="0" fill="hold" grpId="0" nodeType="withEffect">
+                                  <p:stCondLst>
+                                    <p:cond delay="0"/>
+                                  </p:stCondLst>
+                                  <p:childTnLst>
+                                    <p:set>
+                                      <p:cBhvr>
+                                        <p:cTn id="48" dur="1" fill="hold">
+                                          <p:stCondLst>
+                                            <p:cond delay="0"/>
+                                          </p:stCondLst>
+                                        </p:cTn>
+                                        <p:tgtEl>
+                                          <p:spTgt spid="35"/>
+                                        </p:tgtEl>
+                                        <p:attrNameLst>
+                                          <p:attrName>style.visibility</p:attrName>
+                                        </p:attrNameLst>
+                                      </p:cBhvr>
+                                      <p:to>
+                                        <p:strVal val="visible"/>
+                                      </p:to>
+                                    </p:set>
+                                    <p:animEffect transition="in" filter="fade">
+                                      <p:cBhvr>
+                                        <p:cTn id="49" dur="500"/>
+                                        <p:tgtEl>
+                                          <p:spTgt spid="35"/>
+                                        </p:tgtEl>
+                                      </p:cBhvr>
+                                    </p:animEffect>
+                                  </p:childTnLst>
+                                </p:cTn>
+                              </p:par>
+                              <p:par>
+                                <p:cTn id="50" presetID="10" presetClass="entr" presetSubtype="0" fill="hold" grpId="0" nodeType="withEffect">
+                                  <p:stCondLst>
+                                    <p:cond delay="0"/>
+                                  </p:stCondLst>
+                                  <p:childTnLst>
+                                    <p:set>
+                                      <p:cBhvr>
+                                        <p:cTn id="51" dur="1" fill="hold">
+                                          <p:stCondLst>
+                                            <p:cond delay="0"/>
+                                          </p:stCondLst>
+                                        </p:cTn>
+                                        <p:tgtEl>
+                                          <p:spTgt spid="36"/>
+                                        </p:tgtEl>
+                                        <p:attrNameLst>
+                                          <p:attrName>style.visibility</p:attrName>
+                                        </p:attrNameLst>
+                                      </p:cBhvr>
+                                      <p:to>
+                                        <p:strVal val="visible"/>
+                                      </p:to>
+                                    </p:set>
+                                    <p:animEffect transition="in" filter="fade">
+                                      <p:cBhvr>
+                                        <p:cTn id="52" dur="500"/>
+                                        <p:tgtEl>
+                                          <p:spTgt spid="36"/>
+                                        </p:tgtEl>
+                                      </p:cBhvr>
+                                    </p:animEffect>
+                                  </p:childTnLst>
+                                </p:cTn>
+                              </p:par>
+                              <p:par>
+                                <p:cTn id="53" presetID="10" presetClass="entr" presetSubtype="0" fill="hold" grpId="0" nodeType="withEffect">
+                                  <p:stCondLst>
+                                    <p:cond delay="0"/>
+                                  </p:stCondLst>
+                                  <p:childTnLst>
+                                    <p:set>
+                                      <p:cBhvr>
+                                        <p:cTn id="54" dur="1" fill="hold">
+                                          <p:stCondLst>
+                                            <p:cond delay="0"/>
+                                          </p:stCondLst>
+                                        </p:cTn>
+                                        <p:tgtEl>
+                                          <p:spTgt spid="37"/>
+                                        </p:tgtEl>
+                                        <p:attrNameLst>
+                                          <p:attrName>style.visibility</p:attrName>
+                                        </p:attrNameLst>
+                                      </p:cBhvr>
+                                      <p:to>
+                                        <p:strVal val="visible"/>
+                                      </p:to>
+                                    </p:set>
+                                    <p:animEffect transition="in" filter="fade">
+                                      <p:cBhvr>
+                                        <p:cTn id="55" dur="500"/>
+                                        <p:tgtEl>
+                                          <p:spTgt spid="37"/>
+                                        </p:tgtEl>
+                                      </p:cBhvr>
+                                    </p:animEffect>
+                                  </p:childTnLst>
+                                </p:cTn>
+                              </p:par>
+                              <p:par>
+                                <p:cTn id="56" presetID="10" presetClass="entr" presetSubtype="0" fill="hold" grpId="0" nodeType="withEffect">
+                                  <p:stCondLst>
+                                    <p:cond delay="0"/>
+                                  </p:stCondLst>
+                                  <p:childTnLst>
+                                    <p:set>
+                                      <p:cBhvr>
+                                        <p:cTn id="57" dur="1" fill="hold">
+                                          <p:stCondLst>
+                                            <p:cond delay="0"/>
+                                          </p:stCondLst>
+                                        </p:cTn>
+                                        <p:tgtEl>
+                                          <p:spTgt spid="38"/>
+                                        </p:tgtEl>
+                                        <p:attrNameLst>
+                                          <p:attrName>style.visibility</p:attrName>
+                                        </p:attrNameLst>
+                                      </p:cBhvr>
+                                      <p:to>
+                                        <p:strVal val="visible"/>
+                                      </p:to>
+                                    </p:set>
+                                    <p:animEffect transition="in" filter="fade">
+                                      <p:cBhvr>
+                                        <p:cTn id="58" dur="500"/>
+                                        <p:tgtEl>
+                                          <p:spTgt spid="38"/>
+                                        </p:tgtEl>
+                                      </p:cBhvr>
+                                    </p:animEffect>
+                                  </p:childTnLst>
+                                </p:cTn>
+                              </p:par>
+                              <p:par>
+                                <p:cTn id="59" presetID="10" presetClass="entr" presetSubtype="0" fill="hold" grpId="0" nodeType="withEffect">
+                                  <p:stCondLst>
+                                    <p:cond delay="0"/>
+                                  </p:stCondLst>
+                                  <p:childTnLst>
+                                    <p:set>
+                                      <p:cBhvr>
+                                        <p:cTn id="60" dur="1" fill="hold">
+                                          <p:stCondLst>
+                                            <p:cond delay="0"/>
+                                          </p:stCondLst>
+                                        </p:cTn>
+                                        <p:tgtEl>
+                                          <p:spTgt spid="39"/>
+                                        </p:tgtEl>
+                                        <p:attrNameLst>
+                                          <p:attrName>style.visibility</p:attrName>
+                                        </p:attrNameLst>
+                                      </p:cBhvr>
+                                      <p:to>
+                                        <p:strVal val="visible"/>
+                                      </p:to>
+                                    </p:set>
+                                    <p:animEffect transition="in" filter="fade">
+                                      <p:cBhvr>
+                                        <p:cTn id="61" dur="500"/>
+                                        <p:tgtEl>
+                                          <p:spTgt spid="39"/>
+                                        </p:tgtEl>
+                                      </p:cBhvr>
+                                    </p:animEffect>
+                                  </p:childTnLst>
+                                </p:cTn>
+                              </p:par>
+                            </p:childTnLst>
+                          </p:cTn>
+                        </p:par>
+                      </p:childTnLst>
+                    </p:cTn>
+                  </p:par>
+                  <p:par>
+                    <p:cTn id="62" fill="hold">
+                      <p:stCondLst>
+                        <p:cond delay="indefinite"/>
+                      </p:stCondLst>
+                      <p:childTnLst>
+                        <p:par>
+                          <p:cTn id="63" fill="hold">
+                            <p:stCondLst>
+                              <p:cond delay="0"/>
+                            </p:stCondLst>
+                            <p:childTnLst>
+                              <p:par>
+                                <p:cTn id="64" presetID="10" presetClass="entr" presetSubtype="0" fill="hold" nodeType="clickEffect">
+                                  <p:stCondLst>
+                                    <p:cond delay="0"/>
+                                  </p:stCondLst>
+                                  <p:childTnLst>
+                                    <p:set>
+                                      <p:cBhvr>
+                                        <p:cTn id="65" dur="1" fill="hold">
+                                          <p:stCondLst>
+                                            <p:cond delay="0"/>
+                                          </p:stCondLst>
+                                        </p:cTn>
+                                        <p:tgtEl>
+                                          <p:spTgt spid="48">
+                                            <p:txEl>
+                                              <p:pRg st="0" end="0"/>
+                                            </p:txEl>
+                                          </p:spTgt>
+                                        </p:tgtEl>
+                                        <p:attrNameLst>
+                                          <p:attrName>style.visibility</p:attrName>
+                                        </p:attrNameLst>
+                                      </p:cBhvr>
+                                      <p:to>
+                                        <p:strVal val="visible"/>
+                                      </p:to>
+                                    </p:set>
+                                    <p:animEffect transition="in" filter="fade">
+                                      <p:cBhvr>
+                                        <p:cTn id="66" dur="500"/>
+                                        <p:tgtEl>
+                                          <p:spTgt spid="48">
+                                            <p:txEl>
+                                              <p:pRg st="0" end="0"/>
+                                            </p:txEl>
+                                          </p:spTgt>
+                                        </p:tgtEl>
+                                      </p:cBhvr>
+                                    </p:animEffect>
+                                  </p:childTnLst>
+                                </p:cTn>
+                              </p:par>
+                              <p:par>
+                                <p:cTn id="67" presetID="10" presetClass="entr" presetSubtype="0" fill="hold" nodeType="withEffect">
+                                  <p:stCondLst>
+                                    <p:cond delay="0"/>
+                                  </p:stCondLst>
+                                  <p:childTnLst>
+                                    <p:set>
+                                      <p:cBhvr>
+                                        <p:cTn id="68" dur="1" fill="hold">
+                                          <p:stCondLst>
+                                            <p:cond delay="0"/>
+                                          </p:stCondLst>
+                                        </p:cTn>
+                                        <p:tgtEl>
+                                          <p:spTgt spid="48">
+                                            <p:txEl>
+                                              <p:pRg st="1" end="1"/>
+                                            </p:txEl>
+                                          </p:spTgt>
+                                        </p:tgtEl>
+                                        <p:attrNameLst>
+                                          <p:attrName>style.visibility</p:attrName>
+                                        </p:attrNameLst>
+                                      </p:cBhvr>
+                                      <p:to>
+                                        <p:strVal val="visible"/>
+                                      </p:to>
+                                    </p:set>
+                                    <p:animEffect transition="in" filter="fade">
+                                      <p:cBhvr>
+                                        <p:cTn id="69" dur="500"/>
+                                        <p:tgtEl>
+                                          <p:spTgt spid="48">
+                                            <p:txEl>
+                                              <p:pRg st="1" end="1"/>
+                                            </p:txEl>
+                                          </p:spTgt>
+                                        </p:tgtEl>
+                                      </p:cBhvr>
+                                    </p:animEffect>
+                                  </p:childTnLst>
+                                </p:cTn>
+                              </p:par>
+                              <p:par>
+                                <p:cTn id="70" presetID="10" presetClass="entr" presetSubtype="0" fill="hold" nodeType="withEffect">
+                                  <p:stCondLst>
+                                    <p:cond delay="0"/>
+                                  </p:stCondLst>
+                                  <p:childTnLst>
+                                    <p:set>
+                                      <p:cBhvr>
+                                        <p:cTn id="71" dur="1" fill="hold">
+                                          <p:stCondLst>
+                                            <p:cond delay="0"/>
+                                          </p:stCondLst>
+                                        </p:cTn>
+                                        <p:tgtEl>
+                                          <p:spTgt spid="48">
+                                            <p:txEl>
+                                              <p:pRg st="2" end="2"/>
+                                            </p:txEl>
+                                          </p:spTgt>
+                                        </p:tgtEl>
+                                        <p:attrNameLst>
+                                          <p:attrName>style.visibility</p:attrName>
+                                        </p:attrNameLst>
+                                      </p:cBhvr>
+                                      <p:to>
+                                        <p:strVal val="visible"/>
+                                      </p:to>
+                                    </p:set>
+                                    <p:animEffect transition="in" filter="fade">
+                                      <p:cBhvr>
+                                        <p:cTn id="72" dur="500"/>
+                                        <p:tgtEl>
+                                          <p:spTgt spid="48">
+                                            <p:txEl>
+                                              <p:pRg st="2" end="2"/>
+                                            </p:txEl>
+                                          </p:spTgt>
+                                        </p:tgtEl>
+                                      </p:cBhvr>
+                                    </p:animEffect>
+                                  </p:childTnLst>
+                                </p:cTn>
+                              </p:par>
+                            </p:childTnLst>
+                          </p:cTn>
+                        </p:par>
+                      </p:childTnLst>
+                    </p:cTn>
+                  </p:par>
+                  <p:par>
+                    <p:cTn id="73" fill="hold">
+                      <p:stCondLst>
+                        <p:cond delay="indefinite"/>
+                      </p:stCondLst>
+                      <p:childTnLst>
+                        <p:par>
+                          <p:cTn id="74" fill="hold">
+                            <p:stCondLst>
+                              <p:cond delay="0"/>
+                            </p:stCondLst>
+                            <p:childTnLst>
+                              <p:par>
+                                <p:cTn id="75" presetID="10" presetClass="entr" presetSubtype="0" fill="hold" nodeType="clickEffect">
+                                  <p:stCondLst>
+                                    <p:cond delay="0"/>
+                                  </p:stCondLst>
+                                  <p:childTnLst>
+                                    <p:set>
+                                      <p:cBhvr>
+                                        <p:cTn id="76" dur="1" fill="hold">
+                                          <p:stCondLst>
+                                            <p:cond delay="0"/>
+                                          </p:stCondLst>
+                                        </p:cTn>
+                                        <p:tgtEl>
+                                          <p:spTgt spid="48">
+                                            <p:txEl>
+                                              <p:pRg st="3" end="3"/>
+                                            </p:txEl>
+                                          </p:spTgt>
+                                        </p:tgtEl>
+                                        <p:attrNameLst>
+                                          <p:attrName>style.visibility</p:attrName>
+                                        </p:attrNameLst>
+                                      </p:cBhvr>
+                                      <p:to>
+                                        <p:strVal val="visible"/>
+                                      </p:to>
+                                    </p:set>
+                                    <p:animEffect transition="in" filter="fade">
+                                      <p:cBhvr>
+                                        <p:cTn id="77" dur="500"/>
+                                        <p:tgtEl>
+                                          <p:spTgt spid="48">
+                                            <p:txEl>
+                                              <p:pRg st="3" end="3"/>
+                                            </p:txEl>
+                                          </p:spTgt>
+                                        </p:tgtEl>
+                                      </p:cBhvr>
+                                    </p:animEffect>
+                                  </p:childTnLst>
+                                </p:cTn>
+                              </p:par>
+                            </p:childTnLst>
+                          </p:cTn>
+                        </p:par>
+                      </p:childTnLst>
+                    </p:cTn>
+                  </p:par>
+                  <p:par>
+                    <p:cTn id="78" fill="hold">
+                      <p:stCondLst>
+                        <p:cond delay="indefinite"/>
+                      </p:stCondLst>
+                      <p:childTnLst>
+                        <p:par>
+                          <p:cTn id="79" fill="hold">
+                            <p:stCondLst>
+                              <p:cond delay="0"/>
+                            </p:stCondLst>
+                            <p:childTnLst>
+                              <p:par>
+                                <p:cTn id="80" presetID="10" presetClass="entr" presetSubtype="0" fill="hold" nodeType="clickEffect">
+                                  <p:stCondLst>
+                                    <p:cond delay="0"/>
+                                  </p:stCondLst>
+                                  <p:childTnLst>
+                                    <p:set>
+                                      <p:cBhvr>
+                                        <p:cTn id="81" dur="1" fill="hold">
+                                          <p:stCondLst>
+                                            <p:cond delay="0"/>
+                                          </p:stCondLst>
+                                        </p:cTn>
+                                        <p:tgtEl>
+                                          <p:spTgt spid="48">
+                                            <p:txEl>
+                                              <p:pRg st="4" end="4"/>
+                                            </p:txEl>
+                                          </p:spTgt>
+                                        </p:tgtEl>
+                                        <p:attrNameLst>
+                                          <p:attrName>style.visibility</p:attrName>
+                                        </p:attrNameLst>
+                                      </p:cBhvr>
+                                      <p:to>
+                                        <p:strVal val="visible"/>
+                                      </p:to>
+                                    </p:set>
+                                    <p:animEffect transition="in" filter="fade">
+                                      <p:cBhvr>
+                                        <p:cTn id="82" dur="500"/>
+                                        <p:tgtEl>
+                                          <p:spTgt spid="48">
+                                            <p:txEl>
+                                              <p:pRg st="4" end="4"/>
+                                            </p:txEl>
+                                          </p:spTgt>
+                                        </p:tgtEl>
+                                      </p:cBhvr>
+                                    </p:animEffect>
+                                  </p:childTnLst>
+                                </p:cTn>
+                              </p:par>
+                            </p:childTnLst>
+                          </p:cTn>
+                        </p:par>
+                      </p:childTnLst>
+                    </p:cTn>
+                  </p:par>
+                </p:childTnLst>
+              </p:cTn>
+              <p:prevCondLst>
+                <p:cond evt="onPrev" delay="0">
+                  <p:tgtEl>
+                    <p:sldTgt/>
+                  </p:tgtEl>
+                </p:cond>
+              </p:prevCondLst>
+              <p:nextCondLst>
+                <p:cond evt="onNext" delay="0">
+                  <p:tgtEl>
+                    <p:sldTgt/>
+                  </p:tgtEl>
+                </p:cond>
+              </p:nextCondLst>
+            </p:seq>
+          </p:childTnLst>
+        </p:cTn>
+      </p:par>
+    </p:tnLst>
+    <p:bldLst>
+      <p:bldP spid="3" grpId="0" build="p"/>
+      <p:bldP spid="26" grpId="0" animBg="1"/>
+      <p:bldP spid="27" grpId="0" animBg="1"/>
+      <p:bldP spid="28" grpId="0" animBg="1"/>
+      <p:bldP spid="29" grpId="0" animBg="1"/>
+      <p:bldP spid="30" grpId="0"/>
+      <p:bldP spid="31" grpId="0"/>
+      <p:bldP spid="32" grpId="0"/>
+      <p:bldP spid="33" grpId="0"/>
+      <p:bldP spid="34" grpId="0"/>
+      <p:bldP spid="35" grpId="0"/>
+      <p:bldP spid="36" grpId="0"/>
+      <p:bldP spid="37" grpId="0"/>
+      <p:bldP spid="38" grpId="0"/>
+      <p:bldP spid="39" grpId="0"/>
+    </p:bldLst>
+  </p:timing>
 </p:sld>
 </file>
 

--- a/ARCC/intro_to_arrays_in_cpp/intro_to_arrays_in_cpp.pptx
+++ b/ARCC/intro_to_arrays_in_cpp/intro_to_arrays_in_cpp.pptx
@@ -5,7 +5,7 @@
     <p:sldMasterId id="2147483648" r:id="rId1"/>
   </p:sldMasterIdLst>
   <p:notesMasterIdLst>
-    <p:notesMasterId r:id="rId20"/>
+    <p:notesMasterId r:id="rId21"/>
   </p:notesMasterIdLst>
   <p:sldIdLst>
     <p:sldId id="256" r:id="rId2"/>
@@ -18,14 +18,15 @@
     <p:sldId id="263" r:id="rId9"/>
     <p:sldId id="264" r:id="rId10"/>
     <p:sldId id="265" r:id="rId11"/>
-    <p:sldId id="266" r:id="rId12"/>
-    <p:sldId id="267" r:id="rId13"/>
-    <p:sldId id="268" r:id="rId14"/>
-    <p:sldId id="269" r:id="rId15"/>
-    <p:sldId id="273" r:id="rId16"/>
-    <p:sldId id="270" r:id="rId17"/>
-    <p:sldId id="271" r:id="rId18"/>
-    <p:sldId id="272" r:id="rId19"/>
+    <p:sldId id="274" r:id="rId12"/>
+    <p:sldId id="266" r:id="rId13"/>
+    <p:sldId id="267" r:id="rId14"/>
+    <p:sldId id="268" r:id="rId15"/>
+    <p:sldId id="269" r:id="rId16"/>
+    <p:sldId id="273" r:id="rId17"/>
+    <p:sldId id="270" r:id="rId18"/>
+    <p:sldId id="271" r:id="rId19"/>
+    <p:sldId id="272" r:id="rId20"/>
   </p:sldIdLst>
   <p:sldSz cx="12192000" cy="6858000"/>
   <p:notesSz cx="6858000" cy="9144000"/>
@@ -214,7 +215,7 @@
           <a:p>
             <a:fld id="{6540A87B-23EA-4610-975C-A64FB63536A3}" type="datetimeFigureOut">
               <a:rPr lang="en-US" smtClean="0"/>
-              <a:t>12/27/2015</a:t>
+              <a:t>12/29/2015</a:t>
             </a:fld>
             <a:endParaRPr lang="en-US"/>
           </a:p>
@@ -528,11 +529,33 @@
           <a:p>
             <a:r>
               <a:rPr lang="en-US" smtClean="0"/>
-              <a:t>Offset operator</a:t>
+              <a:t>Indexes must be a “counting” type variable </a:t>
             </a:r>
             <a:r>
               <a:rPr lang="en-US" baseline="0" smtClean="0"/>
-              <a:t> is a special dereference operator.</a:t>
+              <a:t>int, long, or char, not double, string, etc.</a:t>
+            </a:r>
+            <a:endParaRPr lang="en-US" smtClean="0"/>
+          </a:p>
+          <a:p>
+            <a:endParaRPr lang="en-US" smtClean="0"/>
+          </a:p>
+          <a:p>
+            <a:r>
+              <a:rPr lang="en-US" smtClean="0"/>
+              <a:t>Offset </a:t>
+            </a:r>
+            <a:r>
+              <a:rPr lang="en-US" smtClean="0"/>
+              <a:t>operator</a:t>
+            </a:r>
+            <a:r>
+              <a:rPr lang="en-US" baseline="0" smtClean="0"/>
+              <a:t> is a special dereference operator</a:t>
+            </a:r>
+            <a:r>
+              <a:rPr lang="en-US" baseline="0" smtClean="0"/>
+              <a:t>.</a:t>
             </a:r>
             <a:endParaRPr lang="en-US"/>
           </a:p>
@@ -705,7 +728,7 @@
           <a:p>
             <a:fld id="{D852F0DB-ACE2-4427-8DE7-5959E4CEB239}" type="datetimeFigureOut">
               <a:rPr lang="en-US" smtClean="0"/>
-              <a:t>12/27/2015</a:t>
+              <a:t>12/29/2015</a:t>
             </a:fld>
             <a:endParaRPr lang="en-US"/>
           </a:p>
@@ -875,7 +898,7 @@
           <a:p>
             <a:fld id="{D852F0DB-ACE2-4427-8DE7-5959E4CEB239}" type="datetimeFigureOut">
               <a:rPr lang="en-US" smtClean="0"/>
-              <a:t>12/27/2015</a:t>
+              <a:t>12/29/2015</a:t>
             </a:fld>
             <a:endParaRPr lang="en-US"/>
           </a:p>
@@ -1055,7 +1078,7 @@
           <a:p>
             <a:fld id="{D852F0DB-ACE2-4427-8DE7-5959E4CEB239}" type="datetimeFigureOut">
               <a:rPr lang="en-US" smtClean="0"/>
-              <a:t>12/27/2015</a:t>
+              <a:t>12/29/2015</a:t>
             </a:fld>
             <a:endParaRPr lang="en-US"/>
           </a:p>
@@ -1225,7 +1248,7 @@
           <a:p>
             <a:fld id="{D852F0DB-ACE2-4427-8DE7-5959E4CEB239}" type="datetimeFigureOut">
               <a:rPr lang="en-US" smtClean="0"/>
-              <a:t>12/27/2015</a:t>
+              <a:t>12/29/2015</a:t>
             </a:fld>
             <a:endParaRPr lang="en-US"/>
           </a:p>
@@ -1471,7 +1494,7 @@
           <a:p>
             <a:fld id="{D852F0DB-ACE2-4427-8DE7-5959E4CEB239}" type="datetimeFigureOut">
               <a:rPr lang="en-US" smtClean="0"/>
-              <a:t>12/27/2015</a:t>
+              <a:t>12/29/2015</a:t>
             </a:fld>
             <a:endParaRPr lang="en-US"/>
           </a:p>
@@ -1703,7 +1726,7 @@
           <a:p>
             <a:fld id="{D852F0DB-ACE2-4427-8DE7-5959E4CEB239}" type="datetimeFigureOut">
               <a:rPr lang="en-US" smtClean="0"/>
-              <a:t>12/27/2015</a:t>
+              <a:t>12/29/2015</a:t>
             </a:fld>
             <a:endParaRPr lang="en-US"/>
           </a:p>
@@ -2070,7 +2093,7 @@
           <a:p>
             <a:fld id="{D852F0DB-ACE2-4427-8DE7-5959E4CEB239}" type="datetimeFigureOut">
               <a:rPr lang="en-US" smtClean="0"/>
-              <a:t>12/27/2015</a:t>
+              <a:t>12/29/2015</a:t>
             </a:fld>
             <a:endParaRPr lang="en-US"/>
           </a:p>
@@ -2188,7 +2211,7 @@
           <a:p>
             <a:fld id="{D852F0DB-ACE2-4427-8DE7-5959E4CEB239}" type="datetimeFigureOut">
               <a:rPr lang="en-US" smtClean="0"/>
-              <a:t>12/27/2015</a:t>
+              <a:t>12/29/2015</a:t>
             </a:fld>
             <a:endParaRPr lang="en-US"/>
           </a:p>
@@ -2283,7 +2306,7 @@
           <a:p>
             <a:fld id="{D852F0DB-ACE2-4427-8DE7-5959E4CEB239}" type="datetimeFigureOut">
               <a:rPr lang="en-US" smtClean="0"/>
-              <a:t>12/27/2015</a:t>
+              <a:t>12/29/2015</a:t>
             </a:fld>
             <a:endParaRPr lang="en-US"/>
           </a:p>
@@ -2560,7 +2583,7 @@
           <a:p>
             <a:fld id="{D852F0DB-ACE2-4427-8DE7-5959E4CEB239}" type="datetimeFigureOut">
               <a:rPr lang="en-US" smtClean="0"/>
-              <a:t>12/27/2015</a:t>
+              <a:t>12/29/2015</a:t>
             </a:fld>
             <a:endParaRPr lang="en-US"/>
           </a:p>
@@ -2813,7 +2836,7 @@
           <a:p>
             <a:fld id="{D852F0DB-ACE2-4427-8DE7-5959E4CEB239}" type="datetimeFigureOut">
               <a:rPr lang="en-US" smtClean="0"/>
-              <a:t>12/27/2015</a:t>
+              <a:t>12/29/2015</a:t>
             </a:fld>
             <a:endParaRPr lang="en-US"/>
           </a:p>
@@ -3026,7 +3049,7 @@
           <a:p>
             <a:fld id="{D852F0DB-ACE2-4427-8DE7-5959E4CEB239}" type="datetimeFigureOut">
               <a:rPr lang="en-US" smtClean="0"/>
-              <a:t>12/27/2015</a:t>
+              <a:t>12/29/2015</a:t>
             </a:fld>
             <a:endParaRPr lang="en-US"/>
           </a:p>
@@ -3495,6 +3518,13 @@
   <p:clrMapOvr>
     <a:masterClrMapping/>
   </p:clrMapOvr>
+  <p:timing>
+    <p:tnLst>
+      <p:par>
+        <p:cTn id="1" dur="indefinite" restart="never" nodeType="tmRoot"/>
+      </p:par>
+    </p:tnLst>
+  </p:timing>
 </p:sld>
 </file>
 
@@ -3551,7 +3581,7 @@
         <p:spPr/>
         <p:txBody>
           <a:bodyPr>
-            <a:normAutofit/>
+            <a:normAutofit fontScale="70000" lnSpcReduction="20000"/>
           </a:bodyPr>
           <a:lstStyle/>
           <a:p>
@@ -3574,11 +3604,103 @@
               <a:buNone/>
             </a:pPr>
             <a:r>
+              <a:rPr lang="en-US" sz="1400" b="1">
+                <a:solidFill>
+                  <a:srgbClr val="FF0000"/>
+                </a:solidFill>
+                <a:latin typeface="Courier New" panose="02070309020205020404" pitchFamily="49" charset="0"/>
+                <a:cs typeface="Courier New" panose="02070309020205020404" pitchFamily="49" charset="0"/>
+              </a:rPr>
+              <a:t>int intArray[4] = { 15, 30, 45, 100 };</a:t>
+            </a:r>
+          </a:p>
+          <a:p>
+            <a:pPr marL="0" indent="0">
+              <a:buNone/>
+            </a:pPr>
+            <a:r>
+              <a:rPr lang="en-US" sz="1400">
+                <a:latin typeface="Courier New" panose="02070309020205020404" pitchFamily="49" charset="0"/>
+                <a:cs typeface="Courier New" panose="02070309020205020404" pitchFamily="49" charset="0"/>
+              </a:rPr>
+              <a:t>int arraySize = 4;</a:t>
+            </a:r>
+          </a:p>
+          <a:p>
+            <a:pPr marL="0" indent="0">
+              <a:buNone/>
+            </a:pPr>
+            <a:r>
+              <a:rPr lang="en-US" sz="1400">
+                <a:latin typeface="Courier New" panose="02070309020205020404" pitchFamily="49" charset="0"/>
+                <a:cs typeface="Courier New" panose="02070309020205020404" pitchFamily="49" charset="0"/>
+              </a:rPr>
+              <a:t>int arraySum = 0;</a:t>
+            </a:r>
+          </a:p>
+          <a:p>
+            <a:pPr marL="0" indent="0">
+              <a:buNone/>
+            </a:pPr>
+            <a:r>
+              <a:rPr lang="en-US" sz="1400">
+                <a:latin typeface="Courier New" panose="02070309020205020404" pitchFamily="49" charset="0"/>
+                <a:cs typeface="Courier New" panose="02070309020205020404" pitchFamily="49" charset="0"/>
+              </a:rPr>
+              <a:t>cout &lt;&lt; "intArray values : {";</a:t>
+            </a:r>
+          </a:p>
+          <a:p>
+            <a:pPr marL="0" indent="0">
+              <a:buNone/>
+            </a:pPr>
+            <a:r>
+              <a:rPr lang="en-US" sz="1400">
+                <a:latin typeface="Courier New" panose="02070309020205020404" pitchFamily="49" charset="0"/>
+                <a:cs typeface="Courier New" panose="02070309020205020404" pitchFamily="49" charset="0"/>
+              </a:rPr>
+              <a:t>for (int i = 0; i &lt; arraySize; ++i)</a:t>
+            </a:r>
+          </a:p>
+          <a:p>
+            <a:pPr marL="0" indent="0">
+              <a:buNone/>
+            </a:pPr>
+            <a:r>
+              <a:rPr lang="en-US" sz="1400">
+                <a:latin typeface="Courier New" panose="02070309020205020404" pitchFamily="49" charset="0"/>
+                <a:cs typeface="Courier New" panose="02070309020205020404" pitchFamily="49" charset="0"/>
+              </a:rPr>
+              <a:t>{</a:t>
+            </a:r>
+          </a:p>
+          <a:p>
+            <a:pPr marL="0" indent="0">
+              <a:buNone/>
+            </a:pPr>
+            <a:r>
               <a:rPr lang="en-US" sz="1400" smtClean="0">
                 <a:latin typeface="Courier New" panose="02070309020205020404" pitchFamily="49" charset="0"/>
                 <a:cs typeface="Courier New" panose="02070309020205020404" pitchFamily="49" charset="0"/>
               </a:rPr>
-              <a:t>int intArray[4] = { 15, 30, 45, 100 };</a:t>
+              <a:t>    arraySum </a:t>
+            </a:r>
+            <a:r>
+              <a:rPr lang="en-US" sz="1400">
+                <a:latin typeface="Courier New" panose="02070309020205020404" pitchFamily="49" charset="0"/>
+                <a:cs typeface="Courier New" panose="02070309020205020404" pitchFamily="49" charset="0"/>
+              </a:rPr>
+              <a:t>+= </a:t>
+            </a:r>
+            <a:r>
+              <a:rPr lang="en-US" sz="1400" b="1">
+                <a:solidFill>
+                  <a:srgbClr val="FF0000"/>
+                </a:solidFill>
+                <a:latin typeface="Courier New" panose="02070309020205020404" pitchFamily="49" charset="0"/>
+                <a:cs typeface="Courier New" panose="02070309020205020404" pitchFamily="49" charset="0"/>
+              </a:rPr>
+              <a:t>intArray[i];</a:t>
             </a:r>
           </a:p>
           <a:p>
@@ -3590,7 +3712,24 @@
                 <a:latin typeface="Courier New" panose="02070309020205020404" pitchFamily="49" charset="0"/>
                 <a:cs typeface="Courier New" panose="02070309020205020404" pitchFamily="49" charset="0"/>
               </a:rPr>
-              <a:t>cout &lt;&lt; “intArray values: {“;</a:t>
+              <a:t>    cout </a:t>
+            </a:r>
+            <a:r>
+              <a:rPr lang="en-US" sz="1400">
+                <a:latin typeface="Courier New" panose="02070309020205020404" pitchFamily="49" charset="0"/>
+                <a:cs typeface="Courier New" panose="02070309020205020404" pitchFamily="49" charset="0"/>
+              </a:rPr>
+              <a:t>&lt;&lt; </a:t>
+            </a:r>
+            <a:r>
+              <a:rPr lang="en-US" sz="1400" b="1">
+                <a:solidFill>
+                  <a:srgbClr val="FF0000"/>
+                </a:solidFill>
+                <a:latin typeface="Courier New" panose="02070309020205020404" pitchFamily="49" charset="0"/>
+                <a:cs typeface="Courier New" panose="02070309020205020404" pitchFamily="49" charset="0"/>
+              </a:rPr>
+              <a:t>intArray[i];</a:t>
             </a:r>
           </a:p>
           <a:p>
@@ -3602,67 +3741,64 @@
                 <a:latin typeface="Courier New" panose="02070309020205020404" pitchFamily="49" charset="0"/>
                 <a:cs typeface="Courier New" panose="02070309020205020404" pitchFamily="49" charset="0"/>
               </a:rPr>
-              <a:t>for (size_t i = 0; i &lt; 4; ++i)</a:t>
+              <a:t>    if </a:t>
+            </a:r>
+            <a:r>
+              <a:rPr lang="en-US" sz="1400">
+                <a:latin typeface="Courier New" panose="02070309020205020404" pitchFamily="49" charset="0"/>
+                <a:cs typeface="Courier New" panose="02070309020205020404" pitchFamily="49" charset="0"/>
+              </a:rPr>
+              <a:t>(i &lt; arraySize - 1) cout &lt;&lt; " - ";</a:t>
             </a:r>
           </a:p>
           <a:p>
             <a:pPr marL="0" indent="0">
               <a:buNone/>
             </a:pPr>
+            <a:r>
+              <a:rPr lang="en-US" sz="1400">
+                <a:latin typeface="Courier New" panose="02070309020205020404" pitchFamily="49" charset="0"/>
+                <a:cs typeface="Courier New" panose="02070309020205020404" pitchFamily="49" charset="0"/>
+              </a:rPr>
+              <a:t>}</a:t>
+            </a:r>
+          </a:p>
+          <a:p>
+            <a:pPr marL="0" indent="0">
+              <a:buNone/>
+            </a:pPr>
+            <a:r>
+              <a:rPr lang="en-US" sz="1400">
+                <a:latin typeface="Courier New" panose="02070309020205020404" pitchFamily="49" charset="0"/>
+                <a:cs typeface="Courier New" panose="02070309020205020404" pitchFamily="49" charset="0"/>
+              </a:rPr>
+              <a:t>cout &lt;&lt; "}" &lt;&lt; endl;</a:t>
+            </a:r>
+          </a:p>
+          <a:p>
+            <a:pPr marL="0" indent="0">
+              <a:buNone/>
+            </a:pPr>
+            <a:r>
+              <a:rPr lang="en-US" sz="1400">
+                <a:latin typeface="Courier New" panose="02070309020205020404" pitchFamily="49" charset="0"/>
+                <a:cs typeface="Courier New" panose="02070309020205020404" pitchFamily="49" charset="0"/>
+              </a:rPr>
+              <a:t>cout &lt;&lt; "Sum of values : " &lt;&lt; arraySum &lt;&lt; </a:t>
+            </a:r>
+            <a:r>
+              <a:rPr lang="en-US" sz="1400">
+                <a:latin typeface="Courier New" panose="02070309020205020404" pitchFamily="49" charset="0"/>
+                <a:cs typeface="Courier New" panose="02070309020205020404" pitchFamily="49" charset="0"/>
+              </a:rPr>
+              <a:t>endl</a:t>
+            </a:r>
             <a:r>
               <a:rPr lang="en-US" sz="1400" smtClean="0">
                 <a:latin typeface="Courier New" panose="02070309020205020404" pitchFamily="49" charset="0"/>
                 <a:cs typeface="Courier New" panose="02070309020205020404" pitchFamily="49" charset="0"/>
               </a:rPr>
-              <a:t>{</a:t>
-            </a:r>
-          </a:p>
-          <a:p>
-            <a:pPr marL="0" indent="0">
-              <a:buNone/>
-            </a:pPr>
-            <a:r>
-              <a:rPr lang="en-US" sz="1400" smtClean="0">
-                <a:latin typeface="Courier New" panose="02070309020205020404" pitchFamily="49" charset="0"/>
-                <a:cs typeface="Courier New" panose="02070309020205020404" pitchFamily="49" charset="0"/>
-              </a:rPr>
-              <a:t>	cout &lt;&lt; intArray[i];</a:t>
-            </a:r>
-          </a:p>
-          <a:p>
-            <a:pPr marL="0" indent="0">
-              <a:buNone/>
-            </a:pPr>
-            <a:r>
-              <a:rPr lang="en-US" sz="1400" smtClean="0">
-                <a:latin typeface="Courier New" panose="02070309020205020404" pitchFamily="49" charset="0"/>
-                <a:cs typeface="Courier New" panose="02070309020205020404" pitchFamily="49" charset="0"/>
-              </a:rPr>
-              <a:t>	if (i &lt; arraySize - 1) cout &lt;&lt; “ – “;</a:t>
-            </a:r>
-          </a:p>
-          <a:p>
-            <a:pPr marL="0" indent="0">
-              <a:buNone/>
-            </a:pPr>
-            <a:r>
-              <a:rPr lang="en-US" sz="1400" smtClean="0">
-                <a:latin typeface="Courier New" panose="02070309020205020404" pitchFamily="49" charset="0"/>
-                <a:cs typeface="Courier New" panose="02070309020205020404" pitchFamily="49" charset="0"/>
-              </a:rPr>
-              <a:t>}</a:t>
-            </a:r>
-          </a:p>
-          <a:p>
-            <a:pPr marL="0" indent="0">
-              <a:buNone/>
-            </a:pPr>
-            <a:r>
-              <a:rPr lang="en-US" sz="1400" smtClean="0">
-                <a:latin typeface="Courier New" panose="02070309020205020404" pitchFamily="49" charset="0"/>
-                <a:cs typeface="Courier New" panose="02070309020205020404" pitchFamily="49" charset="0"/>
-              </a:rPr>
-              <a:t>cout &lt;&lt; "}" &lt;&lt; endl;</a:t>
+              <a:t>;</a:t>
             </a:r>
           </a:p>
           <a:p>
@@ -3683,7 +3819,14 @@
                 <a:latin typeface="Courier New" panose="02070309020205020404" pitchFamily="49" charset="0"/>
                 <a:cs typeface="Courier New" panose="02070309020205020404" pitchFamily="49" charset="0"/>
               </a:rPr>
-              <a:t>OUTPUT:</a:t>
+              <a:t>OUTPUT</a:t>
+            </a:r>
+            <a:r>
+              <a:rPr lang="en-US" sz="1400" b="1" smtClean="0">
+                <a:latin typeface="Courier New" panose="02070309020205020404" pitchFamily="49" charset="0"/>
+                <a:cs typeface="Courier New" panose="02070309020205020404" pitchFamily="49" charset="0"/>
+              </a:rPr>
+              <a:t>:</a:t>
             </a:r>
           </a:p>
           <a:p>
@@ -3691,11 +3834,23 @@
               <a:buNone/>
             </a:pPr>
             <a:r>
-              <a:rPr lang="en-US" sz="1400" smtClean="0">
+              <a:rPr lang="en-US" sz="1400">
                 <a:latin typeface="Courier New" panose="02070309020205020404" pitchFamily="49" charset="0"/>
                 <a:cs typeface="Courier New" panose="02070309020205020404" pitchFamily="49" charset="0"/>
               </a:rPr>
-              <a:t>intArray values: {15 – 30 – 45 – 100}</a:t>
+              <a:t>intArray values : {15 - 30 - 45 - 100}</a:t>
+            </a:r>
+          </a:p>
+          <a:p>
+            <a:pPr marL="0" indent="0">
+              <a:buNone/>
+            </a:pPr>
+            <a:r>
+              <a:rPr lang="en-US" sz="1400">
+                <a:latin typeface="Courier New" panose="02070309020205020404" pitchFamily="49" charset="0"/>
+                <a:cs typeface="Courier New" panose="02070309020205020404" pitchFamily="49" charset="0"/>
+              </a:rPr>
+              <a:t>Sum of values : 190</a:t>
             </a:r>
             <a:endParaRPr lang="en-US" sz="1400">
               <a:latin typeface="Courier New" panose="02070309020205020404" pitchFamily="49" charset="0"/>
@@ -3758,6 +3913,484 @@
           <a:p>
             <a:r>
               <a:rPr lang="en-US" smtClean="0"/>
+              <a:t>The Exam Scores Problem</a:t>
+            </a:r>
+            <a:endParaRPr lang="en-US"/>
+          </a:p>
+        </p:txBody>
+      </p:sp>
+      <p:sp>
+        <p:nvSpPr>
+          <p:cNvPr id="3" name="Content Placeholder 2"/>
+          <p:cNvSpPr>
+            <a:spLocks noGrp="1"/>
+          </p:cNvSpPr>
+          <p:nvPr>
+            <p:ph idx="1"/>
+          </p:nvPr>
+        </p:nvSpPr>
+        <p:spPr/>
+        <p:txBody>
+          <a:bodyPr>
+            <a:normAutofit fontScale="47500" lnSpcReduction="20000"/>
+          </a:bodyPr>
+          <a:lstStyle/>
+          <a:p>
+            <a:pPr marL="0" indent="0">
+              <a:spcBef>
+                <a:spcPts val="600"/>
+              </a:spcBef>
+              <a:buNone/>
+            </a:pPr>
+            <a:r>
+              <a:rPr lang="en-US">
+                <a:latin typeface="Courier New" panose="02070309020205020404" pitchFamily="49" charset="0"/>
+                <a:cs typeface="Courier New" panose="02070309020205020404" pitchFamily="49" charset="0"/>
+              </a:rPr>
+              <a:t>double averageExamScore = 0;</a:t>
+            </a:r>
+          </a:p>
+          <a:p>
+            <a:pPr marL="0" indent="0">
+              <a:spcBef>
+                <a:spcPts val="600"/>
+              </a:spcBef>
+              <a:buNone/>
+            </a:pPr>
+            <a:r>
+              <a:rPr lang="en-US">
+                <a:latin typeface="Courier New" panose="02070309020205020404" pitchFamily="49" charset="0"/>
+                <a:cs typeface="Courier New" panose="02070309020205020404" pitchFamily="49" charset="0"/>
+              </a:rPr>
+              <a:t>int examScoreSum = 0;</a:t>
+            </a:r>
+          </a:p>
+          <a:p>
+            <a:pPr marL="0" indent="0">
+              <a:spcBef>
+                <a:spcPts val="600"/>
+              </a:spcBef>
+              <a:buNone/>
+            </a:pPr>
+            <a:r>
+              <a:rPr lang="en-US" b="1">
+                <a:solidFill>
+                  <a:srgbClr val="FF0000"/>
+                </a:solidFill>
+                <a:latin typeface="Courier New" panose="02070309020205020404" pitchFamily="49" charset="0"/>
+                <a:cs typeface="Courier New" panose="02070309020205020404" pitchFamily="49" charset="0"/>
+              </a:rPr>
+              <a:t>int examScores[100] </a:t>
+            </a:r>
+            <a:r>
+              <a:rPr lang="en-US" b="1">
+                <a:solidFill>
+                  <a:srgbClr val="FF0000"/>
+                </a:solidFill>
+                <a:latin typeface="Courier New" panose="02070309020205020404" pitchFamily="49" charset="0"/>
+                <a:cs typeface="Courier New" panose="02070309020205020404" pitchFamily="49" charset="0"/>
+              </a:rPr>
+              <a:t>= </a:t>
+            </a:r>
+            <a:r>
+              <a:rPr lang="en-US" b="1" smtClean="0">
+                <a:solidFill>
+                  <a:srgbClr val="FF0000"/>
+                </a:solidFill>
+                <a:latin typeface="Courier New" panose="02070309020205020404" pitchFamily="49" charset="0"/>
+                <a:cs typeface="Courier New" panose="02070309020205020404" pitchFamily="49" charset="0"/>
+              </a:rPr>
+              <a:t>{};</a:t>
+            </a:r>
+          </a:p>
+          <a:p>
+            <a:pPr marL="0" indent="0">
+              <a:spcBef>
+                <a:spcPts val="600"/>
+              </a:spcBef>
+              <a:buNone/>
+            </a:pPr>
+            <a:endParaRPr lang="en-US" b="1" smtClean="0">
+              <a:solidFill>
+                <a:srgbClr val="FF0000"/>
+              </a:solidFill>
+              <a:latin typeface="Courier New" panose="02070309020205020404" pitchFamily="49" charset="0"/>
+              <a:cs typeface="Courier New" panose="02070309020205020404" pitchFamily="49" charset="0"/>
+            </a:endParaRPr>
+          </a:p>
+          <a:p>
+            <a:pPr marL="0" indent="0">
+              <a:spcBef>
+                <a:spcPts val="600"/>
+              </a:spcBef>
+              <a:buNone/>
+            </a:pPr>
+            <a:r>
+              <a:rPr lang="en-US" smtClean="0">
+                <a:latin typeface="Courier New" panose="02070309020205020404" pitchFamily="49" charset="0"/>
+                <a:cs typeface="Courier New" panose="02070309020205020404" pitchFamily="49" charset="0"/>
+              </a:rPr>
+              <a:t>// </a:t>
+            </a:r>
+            <a:r>
+              <a:rPr lang="en-US">
+                <a:latin typeface="Courier New" panose="02070309020205020404" pitchFamily="49" charset="0"/>
+                <a:cs typeface="Courier New" panose="02070309020205020404" pitchFamily="49" charset="0"/>
+              </a:rPr>
+              <a:t>random exam scores to simulate input of </a:t>
+            </a:r>
+            <a:r>
+              <a:rPr lang="en-US">
+                <a:latin typeface="Courier New" panose="02070309020205020404" pitchFamily="49" charset="0"/>
+                <a:cs typeface="Courier New" panose="02070309020205020404" pitchFamily="49" charset="0"/>
+              </a:rPr>
+              <a:t>A </a:t>
+            </a:r>
+            <a:r>
+              <a:rPr lang="en-US" smtClean="0">
+                <a:latin typeface="Courier New" panose="02070309020205020404" pitchFamily="49" charset="0"/>
+                <a:cs typeface="Courier New" panose="02070309020205020404" pitchFamily="49" charset="0"/>
+              </a:rPr>
+              <a:t>Student //</a:t>
+            </a:r>
+            <a:endParaRPr lang="en-US" b="1">
+              <a:solidFill>
+                <a:srgbClr val="FF0000"/>
+              </a:solidFill>
+              <a:latin typeface="Courier New" panose="02070309020205020404" pitchFamily="49" charset="0"/>
+              <a:cs typeface="Courier New" panose="02070309020205020404" pitchFamily="49" charset="0"/>
+            </a:endParaRPr>
+          </a:p>
+          <a:p>
+            <a:pPr marL="0" indent="0">
+              <a:spcBef>
+                <a:spcPts val="600"/>
+              </a:spcBef>
+              <a:buNone/>
+            </a:pPr>
+            <a:r>
+              <a:rPr lang="en-US">
+                <a:latin typeface="Courier New" panose="02070309020205020404" pitchFamily="49" charset="0"/>
+                <a:cs typeface="Courier New" panose="02070309020205020404" pitchFamily="49" charset="0"/>
+              </a:rPr>
+              <a:t>for (int i = 0; i &lt; 100; ++i)</a:t>
+            </a:r>
+          </a:p>
+          <a:p>
+            <a:pPr marL="0" indent="0">
+              <a:spcBef>
+                <a:spcPts val="600"/>
+              </a:spcBef>
+              <a:buNone/>
+            </a:pPr>
+            <a:r>
+              <a:rPr lang="en-US">
+                <a:latin typeface="Courier New" panose="02070309020205020404" pitchFamily="49" charset="0"/>
+                <a:cs typeface="Courier New" panose="02070309020205020404" pitchFamily="49" charset="0"/>
+              </a:rPr>
+              <a:t>{</a:t>
+            </a:r>
+          </a:p>
+          <a:p>
+            <a:pPr marL="0" indent="0">
+              <a:spcBef>
+                <a:spcPts val="600"/>
+              </a:spcBef>
+              <a:buNone/>
+            </a:pPr>
+            <a:r>
+              <a:rPr lang="en-US" smtClean="0">
+                <a:latin typeface="Courier New" panose="02070309020205020404" pitchFamily="49" charset="0"/>
+                <a:cs typeface="Courier New" panose="02070309020205020404" pitchFamily="49" charset="0"/>
+              </a:rPr>
+              <a:t>    examScores[i</a:t>
+            </a:r>
+            <a:r>
+              <a:rPr lang="en-US">
+                <a:latin typeface="Courier New" panose="02070309020205020404" pitchFamily="49" charset="0"/>
+                <a:cs typeface="Courier New" panose="02070309020205020404" pitchFamily="49" charset="0"/>
+              </a:rPr>
+              <a:t>] = 100 - (rand() % 10); </a:t>
+            </a:r>
+          </a:p>
+          <a:p>
+            <a:pPr marL="0" indent="0">
+              <a:spcBef>
+                <a:spcPts val="600"/>
+              </a:spcBef>
+              <a:buNone/>
+            </a:pPr>
+            <a:r>
+              <a:rPr lang="en-US">
+                <a:latin typeface="Courier New" panose="02070309020205020404" pitchFamily="49" charset="0"/>
+                <a:cs typeface="Courier New" panose="02070309020205020404" pitchFamily="49" charset="0"/>
+              </a:rPr>
+              <a:t>}</a:t>
+            </a:r>
+          </a:p>
+          <a:p>
+            <a:pPr marL="0" indent="0">
+              <a:spcBef>
+                <a:spcPts val="600"/>
+              </a:spcBef>
+              <a:buNone/>
+            </a:pPr>
+            <a:endParaRPr lang="en-US">
+              <a:latin typeface="Courier New" panose="02070309020205020404" pitchFamily="49" charset="0"/>
+              <a:cs typeface="Courier New" panose="02070309020205020404" pitchFamily="49" charset="0"/>
+            </a:endParaRPr>
+          </a:p>
+          <a:p>
+            <a:pPr marL="0" indent="0">
+              <a:spcBef>
+                <a:spcPts val="600"/>
+              </a:spcBef>
+              <a:buNone/>
+            </a:pPr>
+            <a:r>
+              <a:rPr lang="en-US" b="1">
+                <a:solidFill>
+                  <a:srgbClr val="FF0000"/>
+                </a:solidFill>
+                <a:latin typeface="Courier New" panose="02070309020205020404" pitchFamily="49" charset="0"/>
+                <a:cs typeface="Courier New" panose="02070309020205020404" pitchFamily="49" charset="0"/>
+              </a:rPr>
+              <a:t>for (int i = 0; i &lt; 100; ++i)</a:t>
+            </a:r>
+          </a:p>
+          <a:p>
+            <a:pPr marL="0" indent="0">
+              <a:spcBef>
+                <a:spcPts val="600"/>
+              </a:spcBef>
+              <a:buNone/>
+            </a:pPr>
+            <a:r>
+              <a:rPr lang="en-US" b="1">
+                <a:solidFill>
+                  <a:srgbClr val="FF0000"/>
+                </a:solidFill>
+                <a:latin typeface="Courier New" panose="02070309020205020404" pitchFamily="49" charset="0"/>
+                <a:cs typeface="Courier New" panose="02070309020205020404" pitchFamily="49" charset="0"/>
+              </a:rPr>
+              <a:t>{</a:t>
+            </a:r>
+          </a:p>
+          <a:p>
+            <a:pPr marL="0" indent="0">
+              <a:spcBef>
+                <a:spcPts val="600"/>
+              </a:spcBef>
+              <a:buNone/>
+            </a:pPr>
+            <a:r>
+              <a:rPr lang="en-US" b="1" smtClean="0">
+                <a:solidFill>
+                  <a:srgbClr val="FF0000"/>
+                </a:solidFill>
+                <a:latin typeface="Courier New" panose="02070309020205020404" pitchFamily="49" charset="0"/>
+                <a:cs typeface="Courier New" panose="02070309020205020404" pitchFamily="49" charset="0"/>
+              </a:rPr>
+              <a:t>    examScoreSum </a:t>
+            </a:r>
+            <a:r>
+              <a:rPr lang="en-US" b="1">
+                <a:solidFill>
+                  <a:srgbClr val="FF0000"/>
+                </a:solidFill>
+                <a:latin typeface="Courier New" panose="02070309020205020404" pitchFamily="49" charset="0"/>
+                <a:cs typeface="Courier New" panose="02070309020205020404" pitchFamily="49" charset="0"/>
+              </a:rPr>
+              <a:t>+= examScores[i];</a:t>
+            </a:r>
+          </a:p>
+          <a:p>
+            <a:pPr marL="0" indent="0">
+              <a:spcBef>
+                <a:spcPts val="600"/>
+              </a:spcBef>
+              <a:buNone/>
+            </a:pPr>
+            <a:r>
+              <a:rPr lang="en-US" b="1">
+                <a:solidFill>
+                  <a:srgbClr val="FF0000"/>
+                </a:solidFill>
+                <a:latin typeface="Courier New" panose="02070309020205020404" pitchFamily="49" charset="0"/>
+                <a:cs typeface="Courier New" panose="02070309020205020404" pitchFamily="49" charset="0"/>
+              </a:rPr>
+              <a:t>}</a:t>
+            </a:r>
+          </a:p>
+          <a:p>
+            <a:pPr marL="0" indent="0">
+              <a:spcBef>
+                <a:spcPts val="600"/>
+              </a:spcBef>
+              <a:buNone/>
+            </a:pPr>
+            <a:r>
+              <a:rPr lang="en-US">
+                <a:latin typeface="Courier New" panose="02070309020205020404" pitchFamily="49" charset="0"/>
+                <a:cs typeface="Courier New" panose="02070309020205020404" pitchFamily="49" charset="0"/>
+              </a:rPr>
+              <a:t>averageExamScore = </a:t>
+            </a:r>
+            <a:r>
+              <a:rPr lang="en-US" b="1">
+                <a:solidFill>
+                  <a:srgbClr val="FF0000"/>
+                </a:solidFill>
+                <a:latin typeface="Courier New" panose="02070309020205020404" pitchFamily="49" charset="0"/>
+                <a:cs typeface="Courier New" panose="02070309020205020404" pitchFamily="49" charset="0"/>
+              </a:rPr>
+              <a:t>examScoreSum</a:t>
+            </a:r>
+            <a:r>
+              <a:rPr lang="en-US">
+                <a:solidFill>
+                  <a:srgbClr val="FF0000"/>
+                </a:solidFill>
+                <a:latin typeface="Courier New" panose="02070309020205020404" pitchFamily="49" charset="0"/>
+                <a:cs typeface="Courier New" panose="02070309020205020404" pitchFamily="49" charset="0"/>
+              </a:rPr>
+              <a:t> </a:t>
+            </a:r>
+            <a:r>
+              <a:rPr lang="en-US">
+                <a:latin typeface="Courier New" panose="02070309020205020404" pitchFamily="49" charset="0"/>
+                <a:cs typeface="Courier New" panose="02070309020205020404" pitchFamily="49" charset="0"/>
+              </a:rPr>
+              <a:t>/ 100.0;</a:t>
+            </a:r>
+          </a:p>
+          <a:p>
+            <a:pPr marL="0" indent="0">
+              <a:spcBef>
+                <a:spcPts val="600"/>
+              </a:spcBef>
+              <a:buNone/>
+            </a:pPr>
+            <a:r>
+              <a:rPr lang="en-US">
+                <a:latin typeface="Courier New" panose="02070309020205020404" pitchFamily="49" charset="0"/>
+                <a:cs typeface="Courier New" panose="02070309020205020404" pitchFamily="49" charset="0"/>
+              </a:rPr>
+              <a:t>cout &lt;&lt; "Average Exam Score: " &lt;&lt; averageExamScore &lt;&lt; </a:t>
+            </a:r>
+            <a:r>
+              <a:rPr lang="en-US">
+                <a:latin typeface="Courier New" panose="02070309020205020404" pitchFamily="49" charset="0"/>
+                <a:cs typeface="Courier New" panose="02070309020205020404" pitchFamily="49" charset="0"/>
+              </a:rPr>
+              <a:t>endl</a:t>
+            </a:r>
+            <a:r>
+              <a:rPr lang="en-US" smtClean="0">
+                <a:latin typeface="Courier New" panose="02070309020205020404" pitchFamily="49" charset="0"/>
+                <a:cs typeface="Courier New" panose="02070309020205020404" pitchFamily="49" charset="0"/>
+              </a:rPr>
+              <a:t>;</a:t>
+            </a:r>
+          </a:p>
+          <a:p>
+            <a:pPr marL="0" indent="0">
+              <a:spcBef>
+                <a:spcPts val="600"/>
+              </a:spcBef>
+              <a:buNone/>
+            </a:pPr>
+            <a:endParaRPr lang="en-US">
+              <a:latin typeface="Courier New" panose="02070309020205020404" pitchFamily="49" charset="0"/>
+              <a:cs typeface="Courier New" panose="02070309020205020404" pitchFamily="49" charset="0"/>
+            </a:endParaRPr>
+          </a:p>
+          <a:p>
+            <a:pPr marL="0" indent="0">
+              <a:spcBef>
+                <a:spcPts val="600"/>
+              </a:spcBef>
+              <a:buNone/>
+            </a:pPr>
+            <a:r>
+              <a:rPr lang="en-US" sz="3400" b="1" smtClean="0">
+                <a:latin typeface="Courier New" panose="02070309020205020404" pitchFamily="49" charset="0"/>
+                <a:cs typeface="Courier New" panose="02070309020205020404" pitchFamily="49" charset="0"/>
+              </a:rPr>
+              <a:t>Output:</a:t>
+            </a:r>
+          </a:p>
+          <a:p>
+            <a:pPr marL="0" indent="0">
+              <a:spcBef>
+                <a:spcPts val="600"/>
+              </a:spcBef>
+              <a:buNone/>
+            </a:pPr>
+            <a:r>
+              <a:rPr lang="en-US">
+                <a:latin typeface="Courier New" panose="02070309020205020404" pitchFamily="49" charset="0"/>
+                <a:cs typeface="Courier New" panose="02070309020205020404" pitchFamily="49" charset="0"/>
+              </a:rPr>
+              <a:t>Average Exam Score: 95.52</a:t>
+            </a:r>
+          </a:p>
+        </p:txBody>
+      </p:sp>
+    </p:spTree>
+    <p:extLst>
+      <p:ext uri="{BB962C8B-B14F-4D97-AF65-F5344CB8AC3E}">
+        <p14:creationId xmlns:p14="http://schemas.microsoft.com/office/powerpoint/2010/main" val="430065080"/>
+      </p:ext>
+    </p:extLst>
+  </p:cSld>
+  <p:clrMapOvr>
+    <a:masterClrMapping/>
+  </p:clrMapOvr>
+  <p:timing>
+    <p:tnLst>
+      <p:par>
+        <p:cTn id="1" dur="indefinite" restart="never" nodeType="tmRoot"/>
+      </p:par>
+    </p:tnLst>
+  </p:timing>
+</p:sld>
+</file>
+
+<file path=ppt/slides/slide12.xml><?xml version="1.0" encoding="utf-8"?>
+<p:sld xmlns:a="http://schemas.openxmlformats.org/drawingml/2006/main" xmlns:r="http://schemas.openxmlformats.org/officeDocument/2006/relationships" xmlns:p="http://schemas.openxmlformats.org/presentationml/2006/main">
+  <p:cSld>
+    <p:spTree>
+      <p:nvGrpSpPr>
+        <p:cNvPr id="1" name=""/>
+        <p:cNvGrpSpPr/>
+        <p:nvPr/>
+      </p:nvGrpSpPr>
+      <p:grpSpPr>
+        <a:xfrm>
+          <a:off x="0" y="0"/>
+          <a:ext cx="0" cy="0"/>
+          <a:chOff x="0" y="0"/>
+          <a:chExt cx="0" cy="0"/>
+        </a:xfrm>
+      </p:grpSpPr>
+      <p:sp>
+        <p:nvSpPr>
+          <p:cNvPr id="2" name="Title 1"/>
+          <p:cNvSpPr>
+            <a:spLocks noGrp="1"/>
+          </p:cNvSpPr>
+          <p:nvPr>
+            <p:ph type="title"/>
+          </p:nvPr>
+        </p:nvSpPr>
+        <p:spPr/>
+        <p:txBody>
+          <a:bodyPr/>
+          <a:lstStyle/>
+          <a:p>
+            <a:r>
+              <a:rPr lang="en-US" smtClean="0"/>
               <a:t>Accessing Array Elements with *</a:t>
             </a:r>
             <a:endParaRPr lang="en-US"/>
@@ -5139,7 +5772,7 @@
 </p:sld>
 </file>
 
-<file path=ppt/slides/slide12.xml><?xml version="1.0" encoding="utf-8"?>
+<file path=ppt/slides/slide13.xml><?xml version="1.0" encoding="utf-8"?>
 <p:sld xmlns:a="http://schemas.openxmlformats.org/drawingml/2006/main" xmlns:r="http://schemas.openxmlformats.org/officeDocument/2006/relationships" xmlns:p="http://schemas.openxmlformats.org/presentationml/2006/main">
   <p:cSld>
     <p:spTree>
@@ -6004,7 +6637,7 @@
 </p:sld>
 </file>
 
-<file path=ppt/slides/slide13.xml><?xml version="1.0" encoding="utf-8"?>
+<file path=ppt/slides/slide14.xml><?xml version="1.0" encoding="utf-8"?>
 <p:sld xmlns:a="http://schemas.openxmlformats.org/drawingml/2006/main" xmlns:r="http://schemas.openxmlformats.org/officeDocument/2006/relationships" xmlns:p="http://schemas.openxmlformats.org/presentationml/2006/main">
   <p:cSld>
     <p:spTree>
@@ -6670,7 +7303,7 @@
 </p:sld>
 </file>
 
-<file path=ppt/slides/slide14.xml><?xml version="1.0" encoding="utf-8"?>
+<file path=ppt/slides/slide15.xml><?xml version="1.0" encoding="utf-8"?>
 <p:sld xmlns:a="http://schemas.openxmlformats.org/drawingml/2006/main" xmlns:r="http://schemas.openxmlformats.org/officeDocument/2006/relationships" xmlns:p="http://schemas.openxmlformats.org/presentationml/2006/main">
   <p:cSld>
     <p:spTree>
@@ -9625,7 +10258,7 @@
 </p:sld>
 </file>
 
-<file path=ppt/slides/slide15.xml><?xml version="1.0" encoding="utf-8"?>
+<file path=ppt/slides/slide16.xml><?xml version="1.0" encoding="utf-8"?>
 <p:sld xmlns:a="http://schemas.openxmlformats.org/drawingml/2006/main" xmlns:r="http://schemas.openxmlformats.org/officeDocument/2006/relationships" xmlns:p="http://schemas.openxmlformats.org/presentationml/2006/main">
   <p:cSld>
     <p:spTree>
@@ -9728,7 +10361,7 @@
 </p:sld>
 </file>
 
-<file path=ppt/slides/slide16.xml><?xml version="1.0" encoding="utf-8"?>
+<file path=ppt/slides/slide17.xml><?xml version="1.0" encoding="utf-8"?>
 <p:sld xmlns:a="http://schemas.openxmlformats.org/drawingml/2006/main" xmlns:r="http://schemas.openxmlformats.org/officeDocument/2006/relationships" xmlns:p="http://schemas.openxmlformats.org/presentationml/2006/main">
   <p:cSld>
     <p:spTree>
@@ -10606,7 +11239,7 @@
 </p:sld>
 </file>
 
-<file path=ppt/slides/slide17.xml><?xml version="1.0" encoding="utf-8"?>
+<file path=ppt/slides/slide18.xml><?xml version="1.0" encoding="utf-8"?>
 <p:sld xmlns:a="http://schemas.openxmlformats.org/drawingml/2006/main" xmlns:r="http://schemas.openxmlformats.org/officeDocument/2006/relationships" xmlns:p="http://schemas.openxmlformats.org/presentationml/2006/main">
   <p:cSld>
     <p:spTree>
@@ -11187,7 +11820,7 @@
 </p:sld>
 </file>
 
-<file path=ppt/slides/slide18.xml><?xml version="1.0" encoding="utf-8"?>
+<file path=ppt/slides/slide19.xml><?xml version="1.0" encoding="utf-8"?>
 <p:sld xmlns:a="http://schemas.openxmlformats.org/drawingml/2006/main" xmlns:r="http://schemas.openxmlformats.org/officeDocument/2006/relationships" xmlns:p="http://schemas.openxmlformats.org/presentationml/2006/main">
   <p:cSld>
     <p:spTree>
@@ -11583,17 +12216,14 @@
             </a:r>
             <a:r>
               <a:rPr lang="en-US" smtClean="0"/>
-              <a:t>strings</a:t>
-            </a:r>
+              <a:t>arrays as strings</a:t>
+            </a:r>
+            <a:endParaRPr lang="en-US" smtClean="0"/>
           </a:p>
           <a:p>
             <a:r>
               <a:rPr lang="en-US" smtClean="0"/>
-              <a:t>Advanced </a:t>
-            </a:r>
-            <a:r>
-              <a:rPr lang="en-US" smtClean="0"/>
-              <a:t>topics</a:t>
+              <a:t>Advanced topics</a:t>
             </a:r>
             <a:endParaRPr lang="en-US"/>
           </a:p>
@@ -11609,6 +12239,13 @@
   <p:clrMapOvr>
     <a:masterClrMapping/>
   </p:clrMapOvr>
+  <p:timing>
+    <p:tnLst>
+      <p:par>
+        <p:cTn id="1" dur="indefinite" restart="never" nodeType="tmRoot"/>
+      </p:par>
+    </p:tnLst>
+  </p:timing>
 </p:sld>
 </file>
 
@@ -18353,11 +18990,7 @@
             </a:pPr>
             <a:r>
               <a:rPr lang="en-US" smtClean="0"/>
-              <a:t>Don’t forget to initialize </a:t>
-            </a:r>
-            <a:r>
-              <a:rPr lang="en-US" smtClean="0"/>
-              <a:t>an array to use the memory allocated to it.</a:t>
+              <a:t>Don’t forget to initialize an array to use the memory allocated to it.</a:t>
             </a:r>
           </a:p>
           <a:p>
@@ -19997,7 +20630,6 @@
               <a:rPr lang="en-US" smtClean="0"/>
               <a:t>:</a:t>
             </a:r>
-            <a:endParaRPr lang="en-US" smtClean="0"/>
           </a:p>
           <a:p>
             <a:pPr marL="0" indent="0">
@@ -21948,11 +22580,7 @@
           <a:p>
             <a:r>
               <a:rPr lang="en-US" smtClean="0"/>
-              <a:t>Allows for quick, direct access to memory through mathematical </a:t>
-            </a:r>
-            <a:r>
-              <a:rPr lang="en-US" smtClean="0"/>
-              <a:t>addition</a:t>
+              <a:t>Allows for quick, direct access to memory through mathematical addition</a:t>
             </a:r>
           </a:p>
           <a:p>
@@ -21964,11 +22592,6 @@
               </a:rPr>
               <a:t>NOTE: C++ does not perform array bounds checking!</a:t>
             </a:r>
-            <a:endParaRPr lang="en-US" smtClean="0">
-              <a:solidFill>
-                <a:srgbClr val="FF0000"/>
-              </a:solidFill>
-            </a:endParaRPr>
           </a:p>
         </p:txBody>
       </p:sp>

--- a/ARCC/intro_to_arrays_in_cpp/intro_to_arrays_in_cpp.pptx
+++ b/ARCC/intro_to_arrays_in_cpp/intro_to_arrays_in_cpp.pptx
@@ -215,7 +215,7 @@
           <a:p>
             <a:fld id="{6540A87B-23EA-4610-975C-A64FB63536A3}" type="datetimeFigureOut">
               <a:rPr lang="en-US" smtClean="0"/>
-              <a:t>12/29/2015</a:t>
+              <a:t>12/30/2015</a:t>
             </a:fld>
             <a:endParaRPr lang="en-US"/>
           </a:p>
@@ -529,6 +529,98 @@
           <a:p>
             <a:r>
               <a:rPr lang="en-US" smtClean="0"/>
+              <a:t>Arrays are 0-based.  The first element is actually index</a:t>
+            </a:r>
+            <a:r>
+              <a:rPr lang="en-US" baseline="0" smtClean="0"/>
+              <a:t> #0.</a:t>
+            </a:r>
+            <a:endParaRPr lang="en-US"/>
+          </a:p>
+        </p:txBody>
+      </p:sp>
+      <p:sp>
+        <p:nvSpPr>
+          <p:cNvPr id="4" name="Slide Number Placeholder 3"/>
+          <p:cNvSpPr>
+            <a:spLocks noGrp="1"/>
+          </p:cNvSpPr>
+          <p:nvPr>
+            <p:ph type="sldNum" sz="quarter" idx="10"/>
+          </p:nvPr>
+        </p:nvSpPr>
+        <p:spPr/>
+        <p:txBody>
+          <a:bodyPr/>
+          <a:lstStyle/>
+          <a:p>
+            <a:fld id="{DD212147-331D-4779-A061-80E15BA42A4A}" type="slidenum">
+              <a:rPr lang="en-US" smtClean="0"/>
+              <a:t>4</a:t>
+            </a:fld>
+            <a:endParaRPr lang="en-US"/>
+          </a:p>
+        </p:txBody>
+      </p:sp>
+    </p:spTree>
+    <p:extLst>
+      <p:ext uri="{BB962C8B-B14F-4D97-AF65-F5344CB8AC3E}">
+        <p14:creationId xmlns:p14="http://schemas.microsoft.com/office/powerpoint/2010/main" val="643045363"/>
+      </p:ext>
+    </p:extLst>
+  </p:cSld>
+  <p:clrMapOvr>
+    <a:masterClrMapping/>
+  </p:clrMapOvr>
+</p:notes>
+</file>
+
+<file path=ppt/notesSlides/notesSlide2.xml><?xml version="1.0" encoding="utf-8"?>
+<p:notes xmlns:a="http://schemas.openxmlformats.org/drawingml/2006/main" xmlns:r="http://schemas.openxmlformats.org/officeDocument/2006/relationships" xmlns:p="http://schemas.openxmlformats.org/presentationml/2006/main">
+  <p:cSld>
+    <p:spTree>
+      <p:nvGrpSpPr>
+        <p:cNvPr id="1" name=""/>
+        <p:cNvGrpSpPr/>
+        <p:nvPr/>
+      </p:nvGrpSpPr>
+      <p:grpSpPr>
+        <a:xfrm>
+          <a:off x="0" y="0"/>
+          <a:ext cx="0" cy="0"/>
+          <a:chOff x="0" y="0"/>
+          <a:chExt cx="0" cy="0"/>
+        </a:xfrm>
+      </p:grpSpPr>
+      <p:sp>
+        <p:nvSpPr>
+          <p:cNvPr id="2" name="Slide Image Placeholder 1"/>
+          <p:cNvSpPr>
+            <a:spLocks noGrp="1" noRot="1" noChangeAspect="1"/>
+          </p:cNvSpPr>
+          <p:nvPr>
+            <p:ph type="sldImg"/>
+          </p:nvPr>
+        </p:nvSpPr>
+        <p:spPr/>
+      </p:sp>
+      <p:sp>
+        <p:nvSpPr>
+          <p:cNvPr id="3" name="Notes Placeholder 2"/>
+          <p:cNvSpPr>
+            <a:spLocks noGrp="1"/>
+          </p:cNvSpPr>
+          <p:nvPr>
+            <p:ph type="body" idx="1"/>
+          </p:nvPr>
+        </p:nvSpPr>
+        <p:spPr/>
+        <p:txBody>
+          <a:bodyPr/>
+          <a:lstStyle/>
+          <a:p>
+            <a:r>
+              <a:rPr lang="en-US" smtClean="0"/>
               <a:t>Indexes must be a “counting” type variable </a:t>
             </a:r>
             <a:r>
@@ -543,19 +635,11 @@
           <a:p>
             <a:r>
               <a:rPr lang="en-US" smtClean="0"/>
-              <a:t>Offset </a:t>
-            </a:r>
-            <a:r>
-              <a:rPr lang="en-US" smtClean="0"/>
-              <a:t>operator</a:t>
+              <a:t>Offset operator</a:t>
             </a:r>
             <a:r>
               <a:rPr lang="en-US" baseline="0" smtClean="0"/>
-              <a:t> is a special dereference operator</a:t>
-            </a:r>
-            <a:r>
-              <a:rPr lang="en-US" baseline="0" smtClean="0"/>
-              <a:t>.</a:t>
+              <a:t> is a special dereference operator.</a:t>
             </a:r>
             <a:endParaRPr lang="en-US"/>
           </a:p>
@@ -728,7 +812,7 @@
           <a:p>
             <a:fld id="{D852F0DB-ACE2-4427-8DE7-5959E4CEB239}" type="datetimeFigureOut">
               <a:rPr lang="en-US" smtClean="0"/>
-              <a:t>12/29/2015</a:t>
+              <a:t>12/30/2015</a:t>
             </a:fld>
             <a:endParaRPr lang="en-US"/>
           </a:p>
@@ -898,7 +982,7 @@
           <a:p>
             <a:fld id="{D852F0DB-ACE2-4427-8DE7-5959E4CEB239}" type="datetimeFigureOut">
               <a:rPr lang="en-US" smtClean="0"/>
-              <a:t>12/29/2015</a:t>
+              <a:t>12/30/2015</a:t>
             </a:fld>
             <a:endParaRPr lang="en-US"/>
           </a:p>
@@ -1078,7 +1162,7 @@
           <a:p>
             <a:fld id="{D852F0DB-ACE2-4427-8DE7-5959E4CEB239}" type="datetimeFigureOut">
               <a:rPr lang="en-US" smtClean="0"/>
-              <a:t>12/29/2015</a:t>
+              <a:t>12/30/2015</a:t>
             </a:fld>
             <a:endParaRPr lang="en-US"/>
           </a:p>
@@ -1248,7 +1332,7 @@
           <a:p>
             <a:fld id="{D852F0DB-ACE2-4427-8DE7-5959E4CEB239}" type="datetimeFigureOut">
               <a:rPr lang="en-US" smtClean="0"/>
-              <a:t>12/29/2015</a:t>
+              <a:t>12/30/2015</a:t>
             </a:fld>
             <a:endParaRPr lang="en-US"/>
           </a:p>
@@ -1494,7 +1578,7 @@
           <a:p>
             <a:fld id="{D852F0DB-ACE2-4427-8DE7-5959E4CEB239}" type="datetimeFigureOut">
               <a:rPr lang="en-US" smtClean="0"/>
-              <a:t>12/29/2015</a:t>
+              <a:t>12/30/2015</a:t>
             </a:fld>
             <a:endParaRPr lang="en-US"/>
           </a:p>
@@ -1726,7 +1810,7 @@
           <a:p>
             <a:fld id="{D852F0DB-ACE2-4427-8DE7-5959E4CEB239}" type="datetimeFigureOut">
               <a:rPr lang="en-US" smtClean="0"/>
-              <a:t>12/29/2015</a:t>
+              <a:t>12/30/2015</a:t>
             </a:fld>
             <a:endParaRPr lang="en-US"/>
           </a:p>
@@ -2093,7 +2177,7 @@
           <a:p>
             <a:fld id="{D852F0DB-ACE2-4427-8DE7-5959E4CEB239}" type="datetimeFigureOut">
               <a:rPr lang="en-US" smtClean="0"/>
-              <a:t>12/29/2015</a:t>
+              <a:t>12/30/2015</a:t>
             </a:fld>
             <a:endParaRPr lang="en-US"/>
           </a:p>
@@ -2211,7 +2295,7 @@
           <a:p>
             <a:fld id="{D852F0DB-ACE2-4427-8DE7-5959E4CEB239}" type="datetimeFigureOut">
               <a:rPr lang="en-US" smtClean="0"/>
-              <a:t>12/29/2015</a:t>
+              <a:t>12/30/2015</a:t>
             </a:fld>
             <a:endParaRPr lang="en-US"/>
           </a:p>
@@ -2306,7 +2390,7 @@
           <a:p>
             <a:fld id="{D852F0DB-ACE2-4427-8DE7-5959E4CEB239}" type="datetimeFigureOut">
               <a:rPr lang="en-US" smtClean="0"/>
-              <a:t>12/29/2015</a:t>
+              <a:t>12/30/2015</a:t>
             </a:fld>
             <a:endParaRPr lang="en-US"/>
           </a:p>
@@ -2583,7 +2667,7 @@
           <a:p>
             <a:fld id="{D852F0DB-ACE2-4427-8DE7-5959E4CEB239}" type="datetimeFigureOut">
               <a:rPr lang="en-US" smtClean="0"/>
-              <a:t>12/29/2015</a:t>
+              <a:t>12/30/2015</a:t>
             </a:fld>
             <a:endParaRPr lang="en-US"/>
           </a:p>
@@ -2836,7 +2920,7 @@
           <a:p>
             <a:fld id="{D852F0DB-ACE2-4427-8DE7-5959E4CEB239}" type="datetimeFigureOut">
               <a:rPr lang="en-US" smtClean="0"/>
-              <a:t>12/29/2015</a:t>
+              <a:t>12/30/2015</a:t>
             </a:fld>
             <a:endParaRPr lang="en-US"/>
           </a:p>
@@ -3049,7 +3133,7 @@
           <a:p>
             <a:fld id="{D852F0DB-ACE2-4427-8DE7-5959E4CEB239}" type="datetimeFigureOut">
               <a:rPr lang="en-US" smtClean="0"/>
-              <a:t>12/29/2015</a:t>
+              <a:t>12/30/2015</a:t>
             </a:fld>
             <a:endParaRPr lang="en-US"/>
           </a:p>
@@ -3784,14 +3868,7 @@
                 <a:latin typeface="Courier New" panose="02070309020205020404" pitchFamily="49" charset="0"/>
                 <a:cs typeface="Courier New" panose="02070309020205020404" pitchFamily="49" charset="0"/>
               </a:rPr>
-              <a:t>cout &lt;&lt; "Sum of values : " &lt;&lt; arraySum &lt;&lt; </a:t>
-            </a:r>
-            <a:r>
-              <a:rPr lang="en-US" sz="1400">
-                <a:latin typeface="Courier New" panose="02070309020205020404" pitchFamily="49" charset="0"/>
-                <a:cs typeface="Courier New" panose="02070309020205020404" pitchFamily="49" charset="0"/>
-              </a:rPr>
-              <a:t>endl</a:t>
+              <a:t>cout &lt;&lt; "Sum of values : " &lt;&lt; arraySum &lt;&lt; endl</a:t>
             </a:r>
             <a:r>
               <a:rPr lang="en-US" sz="1400" smtClean="0">
@@ -3819,14 +3896,7 @@
                 <a:latin typeface="Courier New" panose="02070309020205020404" pitchFamily="49" charset="0"/>
                 <a:cs typeface="Courier New" panose="02070309020205020404" pitchFamily="49" charset="0"/>
               </a:rPr>
-              <a:t>OUTPUT</a:t>
-            </a:r>
-            <a:r>
-              <a:rPr lang="en-US" sz="1400" b="1" smtClean="0">
-                <a:latin typeface="Courier New" panose="02070309020205020404" pitchFamily="49" charset="0"/>
-                <a:cs typeface="Courier New" panose="02070309020205020404" pitchFamily="49" charset="0"/>
-              </a:rPr>
-              <a:t>:</a:t>
+              <a:t>OUTPUT:</a:t>
             </a:r>
           </a:p>
           <a:p>
@@ -3852,10 +3922,6 @@
               </a:rPr>
               <a:t>Sum of values : 190</a:t>
             </a:r>
-            <a:endParaRPr lang="en-US" sz="1400">
-              <a:latin typeface="Courier New" panose="02070309020205020404" pitchFamily="49" charset="0"/>
-              <a:cs typeface="Courier New" panose="02070309020205020404" pitchFamily="49" charset="0"/>
-            </a:endParaRPr>
           </a:p>
         </p:txBody>
       </p:sp>
@@ -3980,17 +4046,7 @@
                 <a:latin typeface="Courier New" panose="02070309020205020404" pitchFamily="49" charset="0"/>
                 <a:cs typeface="Courier New" panose="02070309020205020404" pitchFamily="49" charset="0"/>
               </a:rPr>
-              <a:t>int examScores[100] </a:t>
-            </a:r>
-            <a:r>
-              <a:rPr lang="en-US" b="1">
-                <a:solidFill>
-                  <a:srgbClr val="FF0000"/>
-                </a:solidFill>
-                <a:latin typeface="Courier New" panose="02070309020205020404" pitchFamily="49" charset="0"/>
-                <a:cs typeface="Courier New" panose="02070309020205020404" pitchFamily="49" charset="0"/>
-              </a:rPr>
-              <a:t>= </a:t>
+              <a:t>int examScores[100] = </a:t>
             </a:r>
             <a:r>
               <a:rPr lang="en-US" b="1" smtClean="0">
@@ -4037,14 +4093,7 @@
                 <a:latin typeface="Courier New" panose="02070309020205020404" pitchFamily="49" charset="0"/>
                 <a:cs typeface="Courier New" panose="02070309020205020404" pitchFamily="49" charset="0"/>
               </a:rPr>
-              <a:t>random exam scores to simulate input of </a:t>
-            </a:r>
-            <a:r>
-              <a:rPr lang="en-US">
-                <a:latin typeface="Courier New" panose="02070309020205020404" pitchFamily="49" charset="0"/>
-                <a:cs typeface="Courier New" panose="02070309020205020404" pitchFamily="49" charset="0"/>
-              </a:rPr>
-              <a:t>A </a:t>
+              <a:t>random exam scores to simulate input of A </a:t>
             </a:r>
             <a:r>
               <a:rPr lang="en-US" smtClean="0">
@@ -4276,14 +4325,7 @@
                 <a:latin typeface="Courier New" panose="02070309020205020404" pitchFamily="49" charset="0"/>
                 <a:cs typeface="Courier New" panose="02070309020205020404" pitchFamily="49" charset="0"/>
               </a:rPr>
-              <a:t>cout &lt;&lt; "Average Exam Score: " &lt;&lt; averageExamScore &lt;&lt; </a:t>
-            </a:r>
-            <a:r>
-              <a:rPr lang="en-US">
-                <a:latin typeface="Courier New" panose="02070309020205020404" pitchFamily="49" charset="0"/>
-                <a:cs typeface="Courier New" panose="02070309020205020404" pitchFamily="49" charset="0"/>
-              </a:rPr>
-              <a:t>endl</a:t>
+              <a:t>cout &lt;&lt; "Average Exam Score: " &lt;&lt; averageExamScore &lt;&lt; endl</a:t>
             </a:r>
             <a:r>
               <a:rPr lang="en-US" smtClean="0">
@@ -9694,7 +9736,7 @@
           <p:nvPr>
             <p:extLst>
               <p:ext uri="{D42A27DB-BD31-4B8C-83A1-F6EECF244321}">
-                <p14:modId xmlns:p14="http://schemas.microsoft.com/office/powerpoint/2010/main" val="1800668696"/>
+                <p14:modId xmlns:p14="http://schemas.microsoft.com/office/powerpoint/2010/main" val="4241366826"/>
               </p:ext>
             </p:extLst>
           </p:nvPr>
@@ -9741,7 +9783,14 @@
                           <a:latin typeface="Courier New" panose="02070309020205020404" pitchFamily="49" charset="0"/>
                           <a:cs typeface="Courier New" panose="02070309020205020404" pitchFamily="49" charset="0"/>
                         </a:rPr>
-                        <a:t>’c’,’d’,’e’,’\0’};</a:t>
+                        <a:t>’c’,’d’,’e</a:t>
+                      </a:r>
+                      <a:r>
+                        <a:rPr lang="en-US" sz="1400" baseline="0" smtClean="0">
+                          <a:latin typeface="Courier New" panose="02070309020205020404" pitchFamily="49" charset="0"/>
+                          <a:cs typeface="Courier New" panose="02070309020205020404" pitchFamily="49" charset="0"/>
+                        </a:rPr>
+                        <a:t>’,’f’};</a:t>
                       </a:r>
                       <a:endParaRPr lang="en-US" sz="1400">
                         <a:latin typeface="Courier New" panose="02070309020205020404" pitchFamily="49" charset="0"/>
@@ -12212,13 +12261,8 @@
           <a:p>
             <a:r>
               <a:rPr lang="en-US" smtClean="0"/>
-              <a:t>Character </a:t>
-            </a:r>
-            <a:r>
-              <a:rPr lang="en-US" smtClean="0"/>
-              <a:t>arrays as strings</a:t>
-            </a:r>
-            <a:endParaRPr lang="en-US" smtClean="0"/>
+              <a:t>Character arrays as strings</a:t>
+            </a:r>
           </a:p>
           <a:p>
             <a:r>
